--- a/MaJiaji_20200604 - 副本.pptx
+++ b/MaJiaji_20200604 - 副本.pptx
@@ -5,7 +5,7 @@
     <p:sldMasterId id="2147483648" r:id="rId1"/>
   </p:sldMasterIdLst>
   <p:notesMasterIdLst>
-    <p:notesMasterId r:id="rId11"/>
+    <p:notesMasterId r:id="rId13"/>
   </p:notesMasterIdLst>
   <p:sldIdLst>
     <p:sldId id="326" r:id="rId2"/>
@@ -13,10 +13,12 @@
     <p:sldId id="360" r:id="rId4"/>
     <p:sldId id="361" r:id="rId5"/>
     <p:sldId id="363" r:id="rId6"/>
-    <p:sldId id="357" r:id="rId7"/>
+    <p:sldId id="366" r:id="rId7"/>
     <p:sldId id="362" r:id="rId8"/>
-    <p:sldId id="364" r:id="rId9"/>
-    <p:sldId id="329" r:id="rId10"/>
+    <p:sldId id="367" r:id="rId9"/>
+    <p:sldId id="364" r:id="rId10"/>
+    <p:sldId id="365" r:id="rId11"/>
+    <p:sldId id="329" r:id="rId12"/>
   </p:sldIdLst>
   <p:sldSz cx="12192000" cy="6858000"/>
   <p:notesSz cx="6858000" cy="9144000"/>
@@ -600,6 +602,260 @@
 </p:notes>
 </file>
 
+<file path=ppt/notesSlides/notesSlide10.xml><?xml version="1.0" encoding="utf-8"?>
+<p:notes xmlns:a="http://schemas.openxmlformats.org/drawingml/2006/main" xmlns:r="http://schemas.openxmlformats.org/officeDocument/2006/relationships" xmlns:p="http://schemas.openxmlformats.org/presentationml/2006/main" showMasterSp="0">
+  <p:cSld>
+    <p:bg bwMode="auto">
+      <p:bgPr>
+        <a:solidFill>
+          <a:srgbClr val="FFFFFF"/>
+        </a:solidFill>
+        <a:effectLst/>
+      </p:bgPr>
+    </p:bg>
+    <p:spTree>
+      <p:nvGrpSpPr>
+        <p:cNvPr id="1" name=""/>
+        <p:cNvGrpSpPr/>
+        <p:nvPr/>
+      </p:nvGrpSpPr>
+      <p:grpSpPr>
+        <a:xfrm>
+          <a:off x="0" y="0"/>
+          <a:ext cx="0" cy="0"/>
+          <a:chOff x="0" y="0"/>
+          <a:chExt cx="0" cy="0"/>
+        </a:xfrm>
+      </p:grpSpPr>
+      <p:sp>
+        <p:nvSpPr>
+          <p:cNvPr id="19458" name="幻灯片图像占位符 1"/>
+          <p:cNvSpPr>
+            <a:spLocks noGrp="1" noRot="1" noChangeAspect="1" noChangeArrowheads="1" noTextEdit="1"/>
+          </p:cNvSpPr>
+          <p:nvPr>
+            <p:ph type="sldImg" idx="4294967295"/>
+          </p:nvPr>
+        </p:nvSpPr>
+        <p:spPr>
+          <a:xfrm>
+            <a:off x="-3224213" y="0"/>
+            <a:ext cx="10013951" cy="5634038"/>
+          </a:xfrm>
+          <a:ln>
+            <a:solidFill>
+              <a:srgbClr val="000000"/>
+            </a:solidFill>
+            <a:miter lim="800000"/>
+            <a:headEnd/>
+            <a:tailEnd/>
+          </a:ln>
+        </p:spPr>
+      </p:sp>
+      <p:sp>
+        <p:nvSpPr>
+          <p:cNvPr id="19459" name="备注占位符 2"/>
+          <p:cNvSpPr>
+            <a:spLocks noGrp="1" noRot="1" noChangeAspect="1" noChangeArrowheads="1"/>
+          </p:cNvSpPr>
+          <p:nvPr>
+            <p:ph type="body" idx="1"/>
+          </p:nvPr>
+        </p:nvSpPr>
+        <p:spPr>
+          <a:xfrm>
+            <a:off x="455613" y="1141413"/>
+            <a:ext cx="8229600" cy="4983162"/>
+          </a:xfrm>
+          <a:noFill/>
+          <a:ln/>
+          <a:extLst>
+            <a:ext uri="{909E8E84-426E-40DD-AFC4-6F175D3DCCD1}">
+              <a14:hiddenFill xmlns:a14="http://schemas.microsoft.com/office/drawing/2010/main">
+                <a:solidFill>
+                  <a:srgbClr val="FFFFFF"/>
+                </a:solidFill>
+              </a14:hiddenFill>
+            </a:ext>
+            <a:ext uri="{91240B29-F687-4F45-9708-019B960494DF}">
+              <a14:hiddenLine xmlns:a14="http://schemas.microsoft.com/office/drawing/2010/main" w="9525">
+                <a:solidFill>
+                  <a:srgbClr val="000000"/>
+                </a:solidFill>
+                <a:miter lim="800000"/>
+                <a:headEnd/>
+                <a:tailEnd/>
+              </a14:hiddenLine>
+            </a:ext>
+          </a:extLst>
+        </p:spPr>
+        <p:txBody>
+          <a:bodyPr anchor="t"/>
+          <a:lstStyle/>
+          <a:p>
+            <a:pPr marL="0" marR="0" lvl="0" indent="457200" algn="just" defTabSz="0" rtl="0" eaLnBrk="1" fontAlgn="auto" latinLnBrk="0" hangingPunct="1">
+              <a:lnSpc>
+                <a:spcPct val="100000"/>
+              </a:lnSpc>
+              <a:spcBef>
+                <a:spcPts val="600"/>
+              </a:spcBef>
+              <a:spcAft>
+                <a:spcPts val="0"/>
+              </a:spcAft>
+              <a:buClr>
+                <a:srgbClr val="7D2D2D"/>
+              </a:buClr>
+              <a:buSzPct val="78000"/>
+              <a:buFontTx/>
+              <a:buNone/>
+              <a:tabLst/>
+              <a:defRPr/>
+            </a:pPr>
+            <a:endParaRPr lang="en-US" altLang="zh-CN" sz="1200" dirty="0"/>
+          </a:p>
+        </p:txBody>
+      </p:sp>
+    </p:spTree>
+    <p:extLst>
+      <p:ext uri="{BB962C8B-B14F-4D97-AF65-F5344CB8AC3E}">
+        <p14:creationId xmlns:p14="http://schemas.microsoft.com/office/powerpoint/2010/main" val="3408324719"/>
+      </p:ext>
+    </p:extLst>
+  </p:cSld>
+  <p:clrMapOvr>
+    <a:overrideClrMapping bg1="lt1" tx1="dk1" bg2="lt2" tx2="dk2" accent1="accent1" accent2="accent2" accent3="accent3" accent4="accent4" accent5="accent5" accent6="accent6" hlink="hlink" folHlink="folHlink"/>
+  </p:clrMapOvr>
+</p:notes>
+</file>
+
+<file path=ppt/notesSlides/notesSlide11.xml><?xml version="1.0" encoding="utf-8"?>
+<p:notes xmlns:a="http://schemas.openxmlformats.org/drawingml/2006/main" xmlns:r="http://schemas.openxmlformats.org/officeDocument/2006/relationships" xmlns:p="http://schemas.openxmlformats.org/presentationml/2006/main" showMasterSp="0">
+  <p:cSld>
+    <p:bg bwMode="auto">
+      <p:bgPr>
+        <a:solidFill>
+          <a:srgbClr val="FFFFFF"/>
+        </a:solidFill>
+        <a:effectLst/>
+      </p:bgPr>
+    </p:bg>
+    <p:spTree>
+      <p:nvGrpSpPr>
+        <p:cNvPr id="1" name=""/>
+        <p:cNvGrpSpPr/>
+        <p:nvPr/>
+      </p:nvGrpSpPr>
+      <p:grpSpPr>
+        <a:xfrm>
+          <a:off x="0" y="0"/>
+          <a:ext cx="0" cy="0"/>
+          <a:chOff x="0" y="0"/>
+          <a:chExt cx="0" cy="0"/>
+        </a:xfrm>
+      </p:grpSpPr>
+      <p:sp>
+        <p:nvSpPr>
+          <p:cNvPr id="19458" name="幻灯片图像占位符 1"/>
+          <p:cNvSpPr>
+            <a:spLocks noGrp="1" noRot="1" noChangeAspect="1" noChangeArrowheads="1" noTextEdit="1"/>
+          </p:cNvSpPr>
+          <p:nvPr>
+            <p:ph type="sldImg" idx="4294967295"/>
+          </p:nvPr>
+        </p:nvSpPr>
+        <p:spPr>
+          <a:xfrm>
+            <a:off x="-3224213" y="0"/>
+            <a:ext cx="10013951" cy="5634038"/>
+          </a:xfrm>
+          <a:ln>
+            <a:solidFill>
+              <a:srgbClr val="000000"/>
+            </a:solidFill>
+            <a:miter lim="800000"/>
+            <a:headEnd/>
+            <a:tailEnd/>
+          </a:ln>
+        </p:spPr>
+      </p:sp>
+      <p:sp>
+        <p:nvSpPr>
+          <p:cNvPr id="19459" name="备注占位符 2"/>
+          <p:cNvSpPr>
+            <a:spLocks noGrp="1" noRot="1" noChangeAspect="1" noChangeArrowheads="1"/>
+          </p:cNvSpPr>
+          <p:nvPr>
+            <p:ph type="body" idx="1"/>
+          </p:nvPr>
+        </p:nvSpPr>
+        <p:spPr>
+          <a:xfrm>
+            <a:off x="455613" y="1141413"/>
+            <a:ext cx="8229600" cy="4983162"/>
+          </a:xfrm>
+          <a:noFill/>
+          <a:ln/>
+          <a:extLst>
+            <a:ext uri="{909E8E84-426E-40DD-AFC4-6F175D3DCCD1}">
+              <a14:hiddenFill xmlns:a14="http://schemas.microsoft.com/office/drawing/2010/main">
+                <a:solidFill>
+                  <a:srgbClr val="FFFFFF"/>
+                </a:solidFill>
+              </a14:hiddenFill>
+            </a:ext>
+            <a:ext uri="{91240B29-F687-4F45-9708-019B960494DF}">
+              <a14:hiddenLine xmlns:a14="http://schemas.microsoft.com/office/drawing/2010/main" w="9525">
+                <a:solidFill>
+                  <a:srgbClr val="000000"/>
+                </a:solidFill>
+                <a:miter lim="800000"/>
+                <a:headEnd/>
+                <a:tailEnd/>
+              </a14:hiddenLine>
+            </a:ext>
+          </a:extLst>
+        </p:spPr>
+        <p:txBody>
+          <a:bodyPr anchor="t"/>
+          <a:lstStyle/>
+          <a:p>
+            <a:pPr marL="0" marR="0" lvl="0" indent="457200" algn="just" defTabSz="0" rtl="0" eaLnBrk="1" fontAlgn="auto" latinLnBrk="0" hangingPunct="1">
+              <a:lnSpc>
+                <a:spcPct val="100000"/>
+              </a:lnSpc>
+              <a:spcBef>
+                <a:spcPts val="600"/>
+              </a:spcBef>
+              <a:spcAft>
+                <a:spcPts val="0"/>
+              </a:spcAft>
+              <a:buClr>
+                <a:srgbClr val="7D2D2D"/>
+              </a:buClr>
+              <a:buSzPct val="78000"/>
+              <a:buFontTx/>
+              <a:buNone/>
+              <a:tabLst/>
+              <a:defRPr/>
+            </a:pPr>
+            <a:endParaRPr lang="en-US" altLang="zh-CN" sz="1200" dirty="0"/>
+          </a:p>
+        </p:txBody>
+      </p:sp>
+    </p:spTree>
+    <p:extLst>
+      <p:ext uri="{BB962C8B-B14F-4D97-AF65-F5344CB8AC3E}">
+        <p14:creationId xmlns:p14="http://schemas.microsoft.com/office/powerpoint/2010/main" val="2766918016"/>
+      </p:ext>
+    </p:extLst>
+  </p:cSld>
+  <p:clrMapOvr>
+    <a:overrideClrMapping bg1="lt1" tx1="dk1" bg2="lt2" tx2="dk2" accent1="accent1" accent2="accent2" accent3="accent3" accent4="accent4" accent5="accent5" accent6="accent6" hlink="hlink" folHlink="folHlink"/>
+  </p:clrMapOvr>
+</p:notes>
+</file>
+
 <file path=ppt/notesSlides/notesSlide2.xml><?xml version="1.0" encoding="utf-8"?>
 <p:notes xmlns:a="http://schemas.openxmlformats.org/drawingml/2006/main" xmlns:r="http://schemas.openxmlformats.org/officeDocument/2006/relationships" xmlns:p="http://schemas.openxmlformats.org/presentationml/2006/main">
   <p:cSld>
@@ -1373,7 +1629,7 @@
     </p:spTree>
     <p:extLst>
       <p:ext uri="{BB962C8B-B14F-4D97-AF65-F5344CB8AC3E}">
-        <p14:creationId xmlns:p14="http://schemas.microsoft.com/office/powerpoint/2010/main" val="1030355271"/>
+        <p14:creationId xmlns:p14="http://schemas.microsoft.com/office/powerpoint/2010/main" val="4218664328"/>
       </p:ext>
     </p:extLst>
   </p:cSld>
@@ -1627,7 +1883,7 @@
     </p:spTree>
     <p:extLst>
       <p:ext uri="{BB962C8B-B14F-4D97-AF65-F5344CB8AC3E}">
-        <p14:creationId xmlns:p14="http://schemas.microsoft.com/office/powerpoint/2010/main" val="591815379"/>
+        <p14:creationId xmlns:p14="http://schemas.microsoft.com/office/powerpoint/2010/main" val="3344515336"/>
       </p:ext>
     </p:extLst>
   </p:cSld>
@@ -1754,7 +2010,7 @@
     </p:spTree>
     <p:extLst>
       <p:ext uri="{BB962C8B-B14F-4D97-AF65-F5344CB8AC3E}">
-        <p14:creationId xmlns:p14="http://schemas.microsoft.com/office/powerpoint/2010/main" val="2766918016"/>
+        <p14:creationId xmlns:p14="http://schemas.microsoft.com/office/powerpoint/2010/main" val="591815379"/>
       </p:ext>
     </p:extLst>
   </p:cSld>
@@ -6163,7 +6419,7 @@
               <a:buNone/>
             </a:pPr>
             <a:r>
-              <a:rPr lang="en-US" altLang="zh-CN" sz="2800" dirty="0" smtClean="0"/>
+              <a:rPr lang="en-US" altLang="zh-CN" sz="2800" dirty="0"/>
               <a:t>Research progress</a:t>
             </a:r>
             <a:endParaRPr lang="en-US" altLang="zh-CN" sz="2800" dirty="0">
@@ -6411,13 +6667,1670 @@
     <a:masterClrMapping/>
   </p:clrMapOvr>
   <p:transition/>
-  <p:timing>
-    <p:tnLst>
-      <p:par>
-        <p:cTn id="1" dur="indefinite" restart="never" nodeType="tmRoot"/>
-      </p:par>
-    </p:tnLst>
-  </p:timing>
+</p:sld>
+</file>
+
+<file path=ppt/slides/slide10.xml><?xml version="1.0" encoding="utf-8"?>
+<p:sld xmlns:a="http://schemas.openxmlformats.org/drawingml/2006/main" xmlns:r="http://schemas.openxmlformats.org/officeDocument/2006/relationships" xmlns:p="http://schemas.openxmlformats.org/presentationml/2006/main">
+  <p:cSld>
+    <p:spTree>
+      <p:nvGrpSpPr>
+        <p:cNvPr id="1" name=""/>
+        <p:cNvGrpSpPr/>
+        <p:nvPr/>
+      </p:nvGrpSpPr>
+      <p:grpSpPr>
+        <a:xfrm>
+          <a:off x="0" y="0"/>
+          <a:ext cx="0" cy="0"/>
+          <a:chOff x="0" y="0"/>
+          <a:chExt cx="0" cy="0"/>
+        </a:xfrm>
+      </p:grpSpPr>
+      <p:sp>
+        <p:nvSpPr>
+          <p:cNvPr id="18433" name="页脚占位符 4"/>
+          <p:cNvSpPr>
+            <a:spLocks noGrp="1"/>
+          </p:cNvSpPr>
+          <p:nvPr>
+            <p:ph type="ftr" sz="quarter" idx="11"/>
+          </p:nvPr>
+        </p:nvSpPr>
+        <p:spPr>
+          <a:noFill/>
+          <a:ln/>
+          <a:extLst>
+            <a:ext uri="{909E8E84-426E-40DD-AFC4-6F175D3DCCD1}">
+              <a14:hiddenFill xmlns:a14="http://schemas.microsoft.com/office/drawing/2010/main">
+                <a:solidFill>
+                  <a:srgbClr val="FFFFFF"/>
+                </a:solidFill>
+              </a14:hiddenFill>
+            </a:ext>
+            <a:ext uri="{91240B29-F687-4F45-9708-019B960494DF}">
+              <a14:hiddenLine xmlns:a14="http://schemas.microsoft.com/office/drawing/2010/main" w="9525">
+                <a:solidFill>
+                  <a:srgbClr val="000000"/>
+                </a:solidFill>
+                <a:miter lim="800000"/>
+                <a:headEnd/>
+                <a:tailEnd/>
+              </a14:hiddenLine>
+            </a:ext>
+          </a:extLst>
+        </p:spPr>
+        <p:txBody>
+          <a:bodyPr/>
+          <a:lstStyle>
+            <a:lvl1pPr>
+              <a:spcBef>
+                <a:spcPts val="600"/>
+              </a:spcBef>
+              <a:buClr>
+                <a:srgbClr val="640000"/>
+              </a:buClr>
+              <a:buSzPct val="80000"/>
+              <a:buFont typeface="Wingdings" charset="2"/>
+              <a:buChar char="u"/>
+              <a:defRPr sz="3200">
+                <a:solidFill>
+                  <a:schemeClr val="tx1"/>
+                </a:solidFill>
+                <a:latin typeface="Arial" charset="0"/>
+                <a:ea typeface="MS PGothic" charset="-128"/>
+                <a:cs typeface="MS PGothic" charset="-128"/>
+                <a:sym typeface="Arial" charset="0"/>
+              </a:defRPr>
+            </a:lvl1pPr>
+            <a:lvl2pPr marL="742950" indent="-285750">
+              <a:spcBef>
+                <a:spcPts val="600"/>
+              </a:spcBef>
+              <a:buClr>
+                <a:srgbClr val="640000"/>
+              </a:buClr>
+              <a:buSzPct val="68000"/>
+              <a:buFont typeface="Wingdings" charset="2"/>
+              <a:buChar char=""/>
+              <a:defRPr sz="2800">
+                <a:solidFill>
+                  <a:schemeClr val="tx1"/>
+                </a:solidFill>
+                <a:latin typeface="Arial" charset="0"/>
+                <a:ea typeface="MS PGothic" charset="-128"/>
+                <a:cs typeface="MS PGothic" charset="-128"/>
+                <a:sym typeface="Arial" charset="0"/>
+              </a:defRPr>
+            </a:lvl2pPr>
+            <a:lvl3pPr marL="1143000" indent="-228600">
+              <a:spcBef>
+                <a:spcPts val="600"/>
+              </a:spcBef>
+              <a:buClr>
+                <a:srgbClr val="640000"/>
+              </a:buClr>
+              <a:buSzPct val="85000"/>
+              <a:buFont typeface="Wingdings" charset="2"/>
+              <a:buChar char="l"/>
+              <a:defRPr sz="2400">
+                <a:solidFill>
+                  <a:schemeClr val="tx1"/>
+                </a:solidFill>
+                <a:latin typeface="Arial" charset="0"/>
+                <a:ea typeface="MS PGothic" charset="-128"/>
+                <a:cs typeface="MS PGothic" charset="-128"/>
+                <a:sym typeface="Arial" charset="0"/>
+              </a:defRPr>
+            </a:lvl3pPr>
+            <a:lvl4pPr marL="1600200" indent="-228600">
+              <a:spcBef>
+                <a:spcPts val="600"/>
+              </a:spcBef>
+              <a:buClr>
+                <a:srgbClr val="640000"/>
+              </a:buClr>
+              <a:buSzPct val="85000"/>
+              <a:buFont typeface="Arial" charset="0"/>
+              <a:buChar char="–"/>
+              <a:defRPr sz="2000">
+                <a:solidFill>
+                  <a:schemeClr val="tx1"/>
+                </a:solidFill>
+                <a:latin typeface="Arial" charset="0"/>
+                <a:ea typeface="MS PGothic" charset="-128"/>
+                <a:cs typeface="MS PGothic" charset="-128"/>
+                <a:sym typeface="Arial" charset="0"/>
+              </a:defRPr>
+            </a:lvl4pPr>
+            <a:lvl5pPr marL="2057400" indent="-228600">
+              <a:spcBef>
+                <a:spcPts val="600"/>
+              </a:spcBef>
+              <a:buClr>
+                <a:srgbClr val="640000"/>
+              </a:buClr>
+              <a:buSzPct val="85000"/>
+              <a:buFont typeface="Arial" charset="0"/>
+              <a:buChar char="»"/>
+              <a:defRPr sz="2000">
+                <a:solidFill>
+                  <a:schemeClr val="tx1"/>
+                </a:solidFill>
+                <a:latin typeface="Arial" charset="0"/>
+                <a:ea typeface="MS PGothic" charset="-128"/>
+                <a:cs typeface="MS PGothic" charset="-128"/>
+                <a:sym typeface="Arial" charset="0"/>
+              </a:defRPr>
+            </a:lvl5pPr>
+            <a:lvl6pPr marL="2514600" indent="-228600" eaLnBrk="0" fontAlgn="base" hangingPunct="0">
+              <a:spcBef>
+                <a:spcPts val="600"/>
+              </a:spcBef>
+              <a:spcAft>
+                <a:spcPct val="0"/>
+              </a:spcAft>
+              <a:buClr>
+                <a:srgbClr val="640000"/>
+              </a:buClr>
+              <a:buSzPct val="85000"/>
+              <a:buFont typeface="Arial" charset="0"/>
+              <a:buChar char="»"/>
+              <a:defRPr sz="2000">
+                <a:solidFill>
+                  <a:schemeClr val="tx1"/>
+                </a:solidFill>
+                <a:latin typeface="Arial" charset="0"/>
+                <a:ea typeface="MS PGothic" charset="-128"/>
+                <a:cs typeface="MS PGothic" charset="-128"/>
+                <a:sym typeface="Arial" charset="0"/>
+              </a:defRPr>
+            </a:lvl6pPr>
+            <a:lvl7pPr marL="2971800" indent="-228600" eaLnBrk="0" fontAlgn="base" hangingPunct="0">
+              <a:spcBef>
+                <a:spcPts val="600"/>
+              </a:spcBef>
+              <a:spcAft>
+                <a:spcPct val="0"/>
+              </a:spcAft>
+              <a:buClr>
+                <a:srgbClr val="640000"/>
+              </a:buClr>
+              <a:buSzPct val="85000"/>
+              <a:buFont typeface="Arial" charset="0"/>
+              <a:buChar char="»"/>
+              <a:defRPr sz="2000">
+                <a:solidFill>
+                  <a:schemeClr val="tx1"/>
+                </a:solidFill>
+                <a:latin typeface="Arial" charset="0"/>
+                <a:ea typeface="MS PGothic" charset="-128"/>
+                <a:cs typeface="MS PGothic" charset="-128"/>
+                <a:sym typeface="Arial" charset="0"/>
+              </a:defRPr>
+            </a:lvl7pPr>
+            <a:lvl8pPr marL="3429000" indent="-228600" eaLnBrk="0" fontAlgn="base" hangingPunct="0">
+              <a:spcBef>
+                <a:spcPts val="600"/>
+              </a:spcBef>
+              <a:spcAft>
+                <a:spcPct val="0"/>
+              </a:spcAft>
+              <a:buClr>
+                <a:srgbClr val="640000"/>
+              </a:buClr>
+              <a:buSzPct val="85000"/>
+              <a:buFont typeface="Arial" charset="0"/>
+              <a:buChar char="»"/>
+              <a:defRPr sz="2000">
+                <a:solidFill>
+                  <a:schemeClr val="tx1"/>
+                </a:solidFill>
+                <a:latin typeface="Arial" charset="0"/>
+                <a:ea typeface="MS PGothic" charset="-128"/>
+                <a:cs typeface="MS PGothic" charset="-128"/>
+                <a:sym typeface="Arial" charset="0"/>
+              </a:defRPr>
+            </a:lvl8pPr>
+            <a:lvl9pPr marL="3886200" indent="-228600" eaLnBrk="0" fontAlgn="base" hangingPunct="0">
+              <a:spcBef>
+                <a:spcPts val="600"/>
+              </a:spcBef>
+              <a:spcAft>
+                <a:spcPct val="0"/>
+              </a:spcAft>
+              <a:buClr>
+                <a:srgbClr val="640000"/>
+              </a:buClr>
+              <a:buSzPct val="85000"/>
+              <a:buFont typeface="Arial" charset="0"/>
+              <a:buChar char="»"/>
+              <a:defRPr sz="2000">
+                <a:solidFill>
+                  <a:schemeClr val="tx1"/>
+                </a:solidFill>
+                <a:latin typeface="Arial" charset="0"/>
+                <a:ea typeface="MS PGothic" charset="-128"/>
+                <a:cs typeface="MS PGothic" charset="-128"/>
+                <a:sym typeface="Arial" charset="0"/>
+              </a:defRPr>
+            </a:lvl9pPr>
+          </a:lstStyle>
+          <a:p>
+            <a:pPr>
+              <a:spcBef>
+                <a:spcPct val="0"/>
+              </a:spcBef>
+              <a:buClrTx/>
+              <a:buSzTx/>
+              <a:buFont typeface="Arial" charset="0"/>
+              <a:buNone/>
+            </a:pPr>
+            <a:r>
+              <a:rPr lang="zh-CN" altLang="en-US" sz="1200">
+                <a:solidFill>
+                  <a:srgbClr val="898989"/>
+                </a:solidFill>
+                <a:ea typeface="宋体" charset="-122"/>
+                <a:cs typeface="宋体" charset="-122"/>
+              </a:rPr>
+              <a:t>Iwaihara Lab, IPS, Waseda Univ.</a:t>
+            </a:r>
+            <a:endParaRPr lang="zh-CN" altLang="en-US" sz="1800">
+              <a:ea typeface="宋体" charset="-122"/>
+              <a:cs typeface="宋体" charset="-122"/>
+            </a:endParaRPr>
+          </a:p>
+        </p:txBody>
+      </p:sp>
+      <p:sp>
+        <p:nvSpPr>
+          <p:cNvPr id="18434" name="灯片编号占位符 5"/>
+          <p:cNvSpPr>
+            <a:spLocks noGrp="1"/>
+          </p:cNvSpPr>
+          <p:nvPr>
+            <p:ph type="sldNum" sz="quarter" idx="12"/>
+          </p:nvPr>
+        </p:nvSpPr>
+        <p:spPr>
+          <a:noFill/>
+          <a:ln/>
+          <a:extLst>
+            <a:ext uri="{909E8E84-426E-40DD-AFC4-6F175D3DCCD1}">
+              <a14:hiddenFill xmlns:a14="http://schemas.microsoft.com/office/drawing/2010/main">
+                <a:solidFill>
+                  <a:srgbClr val="FFFFFF"/>
+                </a:solidFill>
+              </a14:hiddenFill>
+            </a:ext>
+            <a:ext uri="{91240B29-F687-4F45-9708-019B960494DF}">
+              <a14:hiddenLine xmlns:a14="http://schemas.microsoft.com/office/drawing/2010/main" w="9525">
+                <a:solidFill>
+                  <a:srgbClr val="000000"/>
+                </a:solidFill>
+                <a:miter lim="800000"/>
+                <a:headEnd/>
+                <a:tailEnd/>
+              </a14:hiddenLine>
+            </a:ext>
+          </a:extLst>
+        </p:spPr>
+        <p:txBody>
+          <a:bodyPr/>
+          <a:lstStyle>
+            <a:lvl1pPr>
+              <a:spcBef>
+                <a:spcPts val="600"/>
+              </a:spcBef>
+              <a:buClr>
+                <a:srgbClr val="640000"/>
+              </a:buClr>
+              <a:buSzPct val="80000"/>
+              <a:buFont typeface="Wingdings" charset="2"/>
+              <a:buChar char="u"/>
+              <a:defRPr sz="3200">
+                <a:solidFill>
+                  <a:schemeClr val="tx1"/>
+                </a:solidFill>
+                <a:latin typeface="Arial" charset="0"/>
+                <a:ea typeface="MS PGothic" charset="-128"/>
+                <a:cs typeface="MS PGothic" charset="-128"/>
+                <a:sym typeface="Arial" charset="0"/>
+              </a:defRPr>
+            </a:lvl1pPr>
+            <a:lvl2pPr marL="742950" indent="-285750">
+              <a:spcBef>
+                <a:spcPts val="600"/>
+              </a:spcBef>
+              <a:buClr>
+                <a:srgbClr val="640000"/>
+              </a:buClr>
+              <a:buSzPct val="68000"/>
+              <a:buFont typeface="Wingdings" charset="2"/>
+              <a:buChar char=""/>
+              <a:defRPr sz="2800">
+                <a:solidFill>
+                  <a:schemeClr val="tx1"/>
+                </a:solidFill>
+                <a:latin typeface="Arial" charset="0"/>
+                <a:ea typeface="MS PGothic" charset="-128"/>
+                <a:cs typeface="MS PGothic" charset="-128"/>
+                <a:sym typeface="Arial" charset="0"/>
+              </a:defRPr>
+            </a:lvl2pPr>
+            <a:lvl3pPr marL="1143000" indent="-228600">
+              <a:spcBef>
+                <a:spcPts val="600"/>
+              </a:spcBef>
+              <a:buClr>
+                <a:srgbClr val="640000"/>
+              </a:buClr>
+              <a:buSzPct val="85000"/>
+              <a:buFont typeface="Wingdings" charset="2"/>
+              <a:buChar char="l"/>
+              <a:defRPr sz="2400">
+                <a:solidFill>
+                  <a:schemeClr val="tx1"/>
+                </a:solidFill>
+                <a:latin typeface="Arial" charset="0"/>
+                <a:ea typeface="MS PGothic" charset="-128"/>
+                <a:cs typeface="MS PGothic" charset="-128"/>
+                <a:sym typeface="Arial" charset="0"/>
+              </a:defRPr>
+            </a:lvl3pPr>
+            <a:lvl4pPr marL="1600200" indent="-228600">
+              <a:spcBef>
+                <a:spcPts val="600"/>
+              </a:spcBef>
+              <a:buClr>
+                <a:srgbClr val="640000"/>
+              </a:buClr>
+              <a:buSzPct val="85000"/>
+              <a:buFont typeface="Arial" charset="0"/>
+              <a:buChar char="–"/>
+              <a:defRPr sz="2000">
+                <a:solidFill>
+                  <a:schemeClr val="tx1"/>
+                </a:solidFill>
+                <a:latin typeface="Arial" charset="0"/>
+                <a:ea typeface="MS PGothic" charset="-128"/>
+                <a:cs typeface="MS PGothic" charset="-128"/>
+                <a:sym typeface="Arial" charset="0"/>
+              </a:defRPr>
+            </a:lvl4pPr>
+            <a:lvl5pPr marL="2057400" indent="-228600">
+              <a:spcBef>
+                <a:spcPts val="600"/>
+              </a:spcBef>
+              <a:buClr>
+                <a:srgbClr val="640000"/>
+              </a:buClr>
+              <a:buSzPct val="85000"/>
+              <a:buFont typeface="Arial" charset="0"/>
+              <a:buChar char="»"/>
+              <a:defRPr sz="2000">
+                <a:solidFill>
+                  <a:schemeClr val="tx1"/>
+                </a:solidFill>
+                <a:latin typeface="Arial" charset="0"/>
+                <a:ea typeface="MS PGothic" charset="-128"/>
+                <a:cs typeface="MS PGothic" charset="-128"/>
+                <a:sym typeface="Arial" charset="0"/>
+              </a:defRPr>
+            </a:lvl5pPr>
+            <a:lvl6pPr marL="2514600" indent="-228600" eaLnBrk="0" fontAlgn="base" hangingPunct="0">
+              <a:spcBef>
+                <a:spcPts val="600"/>
+              </a:spcBef>
+              <a:spcAft>
+                <a:spcPct val="0"/>
+              </a:spcAft>
+              <a:buClr>
+                <a:srgbClr val="640000"/>
+              </a:buClr>
+              <a:buSzPct val="85000"/>
+              <a:buFont typeface="Arial" charset="0"/>
+              <a:buChar char="»"/>
+              <a:defRPr sz="2000">
+                <a:solidFill>
+                  <a:schemeClr val="tx1"/>
+                </a:solidFill>
+                <a:latin typeface="Arial" charset="0"/>
+                <a:ea typeface="MS PGothic" charset="-128"/>
+                <a:cs typeface="MS PGothic" charset="-128"/>
+                <a:sym typeface="Arial" charset="0"/>
+              </a:defRPr>
+            </a:lvl6pPr>
+            <a:lvl7pPr marL="2971800" indent="-228600" eaLnBrk="0" fontAlgn="base" hangingPunct="0">
+              <a:spcBef>
+                <a:spcPts val="600"/>
+              </a:spcBef>
+              <a:spcAft>
+                <a:spcPct val="0"/>
+              </a:spcAft>
+              <a:buClr>
+                <a:srgbClr val="640000"/>
+              </a:buClr>
+              <a:buSzPct val="85000"/>
+              <a:buFont typeface="Arial" charset="0"/>
+              <a:buChar char="»"/>
+              <a:defRPr sz="2000">
+                <a:solidFill>
+                  <a:schemeClr val="tx1"/>
+                </a:solidFill>
+                <a:latin typeface="Arial" charset="0"/>
+                <a:ea typeface="MS PGothic" charset="-128"/>
+                <a:cs typeface="MS PGothic" charset="-128"/>
+                <a:sym typeface="Arial" charset="0"/>
+              </a:defRPr>
+            </a:lvl7pPr>
+            <a:lvl8pPr marL="3429000" indent="-228600" eaLnBrk="0" fontAlgn="base" hangingPunct="0">
+              <a:spcBef>
+                <a:spcPts val="600"/>
+              </a:spcBef>
+              <a:spcAft>
+                <a:spcPct val="0"/>
+              </a:spcAft>
+              <a:buClr>
+                <a:srgbClr val="640000"/>
+              </a:buClr>
+              <a:buSzPct val="85000"/>
+              <a:buFont typeface="Arial" charset="0"/>
+              <a:buChar char="»"/>
+              <a:defRPr sz="2000">
+                <a:solidFill>
+                  <a:schemeClr val="tx1"/>
+                </a:solidFill>
+                <a:latin typeface="Arial" charset="0"/>
+                <a:ea typeface="MS PGothic" charset="-128"/>
+                <a:cs typeface="MS PGothic" charset="-128"/>
+                <a:sym typeface="Arial" charset="0"/>
+              </a:defRPr>
+            </a:lvl8pPr>
+            <a:lvl9pPr marL="3886200" indent="-228600" eaLnBrk="0" fontAlgn="base" hangingPunct="0">
+              <a:spcBef>
+                <a:spcPts val="600"/>
+              </a:spcBef>
+              <a:spcAft>
+                <a:spcPct val="0"/>
+              </a:spcAft>
+              <a:buClr>
+                <a:srgbClr val="640000"/>
+              </a:buClr>
+              <a:buSzPct val="85000"/>
+              <a:buFont typeface="Arial" charset="0"/>
+              <a:buChar char="»"/>
+              <a:defRPr sz="2000">
+                <a:solidFill>
+                  <a:schemeClr val="tx1"/>
+                </a:solidFill>
+                <a:latin typeface="Arial" charset="0"/>
+                <a:ea typeface="MS PGothic" charset="-128"/>
+                <a:cs typeface="MS PGothic" charset="-128"/>
+                <a:sym typeface="Arial" charset="0"/>
+              </a:defRPr>
+            </a:lvl9pPr>
+          </a:lstStyle>
+          <a:p>
+            <a:pPr>
+              <a:spcBef>
+                <a:spcPct val="0"/>
+              </a:spcBef>
+              <a:buClrTx/>
+              <a:buSzTx/>
+              <a:buFont typeface="Arial" charset="0"/>
+              <a:buNone/>
+            </a:pPr>
+            <a:fld id="{8B2BC2B4-2D89-0E41-8CDC-50A7F6811B8E}" type="slidenum">
+              <a:rPr lang="zh-CN" altLang="en-US" sz="1200">
+                <a:solidFill>
+                  <a:srgbClr val="898989"/>
+                </a:solidFill>
+                <a:ea typeface="宋体" charset="-122"/>
+                <a:cs typeface="宋体" charset="-122"/>
+              </a:rPr>
+              <a:pPr>
+                <a:spcBef>
+                  <a:spcPct val="0"/>
+                </a:spcBef>
+                <a:buClrTx/>
+                <a:buSzTx/>
+                <a:buFont typeface="Arial" charset="0"/>
+                <a:buNone/>
+              </a:pPr>
+              <a:t>10</a:t>
+            </a:fld>
+            <a:endParaRPr lang="en-US" altLang="zh-CN" sz="1800">
+              <a:ea typeface="宋体" charset="-122"/>
+              <a:cs typeface="宋体" charset="-122"/>
+            </a:endParaRPr>
+          </a:p>
+        </p:txBody>
+      </p:sp>
+      <p:sp>
+        <p:nvSpPr>
+          <p:cNvPr id="18435" name="Straight Connector 18"/>
+          <p:cNvSpPr>
+            <a:spLocks noChangeShapeType="1"/>
+          </p:cNvSpPr>
+          <p:nvPr/>
+        </p:nvSpPr>
+        <p:spPr bwMode="auto">
+          <a:xfrm>
+            <a:off x="1524000" y="1069975"/>
+            <a:ext cx="9144000" cy="1588"/>
+          </a:xfrm>
+          <a:prstGeom prst="line">
+            <a:avLst/>
+          </a:prstGeom>
+          <a:noFill/>
+          <a:ln w="101600">
+            <a:solidFill>
+              <a:srgbClr val="7D2D2D"/>
+            </a:solidFill>
+            <a:round/>
+            <a:headEnd/>
+            <a:tailEnd/>
+          </a:ln>
+          <a:extLst>
+            <a:ext uri="{909E8E84-426E-40DD-AFC4-6F175D3DCCD1}">
+              <a14:hiddenFill xmlns:a14="http://schemas.microsoft.com/office/drawing/2010/main">
+                <a:noFill/>
+              </a14:hiddenFill>
+            </a:ext>
+          </a:extLst>
+        </p:spPr>
+        <p:txBody>
+          <a:bodyPr/>
+          <a:lstStyle/>
+          <a:p>
+            <a:endParaRPr lang="zh-CN" altLang="en-US"/>
+          </a:p>
+        </p:txBody>
+      </p:sp>
+      <p:pic>
+        <p:nvPicPr>
+          <p:cNvPr id="18436" name="Picture 2" descr="D:\user\zhou\My Dropbox\博士学位\de\ips-logo.bmp"/>
+          <p:cNvPicPr>
+            <a:picLocks noChangeAspect="1" noChangeArrowheads="1"/>
+          </p:cNvPicPr>
+          <p:nvPr/>
+        </p:nvPicPr>
+        <p:blipFill>
+          <a:blip r:embed="rId3" cstate="hqprint">
+            <a:extLst>
+              <a:ext uri="{28A0092B-C50C-407E-A947-70E740481C1C}">
+                <a14:useLocalDpi xmlns:a14="http://schemas.microsoft.com/office/drawing/2010/main" val="0"/>
+              </a:ext>
+            </a:extLst>
+          </a:blip>
+          <a:srcRect/>
+          <a:stretch>
+            <a:fillRect/>
+          </a:stretch>
+        </p:blipFill>
+        <p:spPr bwMode="auto">
+          <a:xfrm>
+            <a:off x="4095751" y="6350001"/>
+            <a:ext cx="714375" cy="365125"/>
+          </a:xfrm>
+          <a:prstGeom prst="rect">
+            <a:avLst/>
+          </a:prstGeom>
+          <a:noFill/>
+          <a:ln>
+            <a:noFill/>
+          </a:ln>
+          <a:extLst>
+            <a:ext uri="{909E8E84-426E-40DD-AFC4-6F175D3DCCD1}">
+              <a14:hiddenFill xmlns:a14="http://schemas.microsoft.com/office/drawing/2010/main">
+                <a:solidFill>
+                  <a:srgbClr val="FFFFFF"/>
+                </a:solidFill>
+              </a14:hiddenFill>
+            </a:ext>
+            <a:ext uri="{91240B29-F687-4F45-9708-019B960494DF}">
+              <a14:hiddenLine xmlns:a14="http://schemas.microsoft.com/office/drawing/2010/main" w="9525">
+                <a:solidFill>
+                  <a:srgbClr val="000000"/>
+                </a:solidFill>
+                <a:miter lim="800000"/>
+                <a:headEnd/>
+                <a:tailEnd/>
+              </a14:hiddenLine>
+            </a:ext>
+          </a:extLst>
+        </p:spPr>
+      </p:pic>
+      <p:sp>
+        <p:nvSpPr>
+          <p:cNvPr id="18437" name="标题 3"/>
+          <p:cNvSpPr>
+            <a:spLocks noGrp="1" noChangeArrowheads="1"/>
+          </p:cNvSpPr>
+          <p:nvPr>
+            <p:ph type="title" idx="4294967295"/>
+          </p:nvPr>
+        </p:nvSpPr>
+        <p:spPr>
+          <a:xfrm>
+            <a:off x="1952625" y="214313"/>
+            <a:ext cx="8286750" cy="785812"/>
+          </a:xfrm>
+        </p:spPr>
+        <p:txBody>
+          <a:bodyPr/>
+          <a:lstStyle/>
+          <a:p>
+            <a:pPr marL="341313" indent="-341313">
+              <a:buClr>
+                <a:srgbClr val="7D2D2D"/>
+              </a:buClr>
+              <a:buSzPct val="78000"/>
+              <a:buFont typeface="Wingdings" charset="2"/>
+              <a:buChar char="u"/>
+            </a:pPr>
+            <a:r>
+              <a:rPr lang="en-US" altLang="zh-CN" dirty="0">
+                <a:latin typeface="Times New Roman" panose="02020603050405020304" pitchFamily="18" charset="0"/>
+                <a:cs typeface="Times New Roman" panose="02020603050405020304" pitchFamily="18" charset="0"/>
+              </a:rPr>
+              <a:t>Ideas</a:t>
+            </a:r>
+          </a:p>
+        </p:txBody>
+      </p:sp>
+      <p:sp>
+        <p:nvSpPr>
+          <p:cNvPr id="15367" name="内容占位符 4"/>
+          <p:cNvSpPr>
+            <a:spLocks noGrp="1" noChangeArrowheads="1"/>
+          </p:cNvSpPr>
+          <p:nvPr>
+            <p:ph idx="1"/>
+          </p:nvPr>
+        </p:nvSpPr>
+        <p:spPr>
+          <a:xfrm>
+            <a:off x="1524000" y="1349486"/>
+            <a:ext cx="9144000" cy="4924313"/>
+          </a:xfrm>
+        </p:spPr>
+        <p:txBody>
+          <a:bodyPr vert="horz" lIns="90170" tIns="46990" rIns="90170" bIns="46990" rtlCol="0">
+            <a:normAutofit/>
+          </a:bodyPr>
+          <a:lstStyle/>
+          <a:p>
+            <a:pPr marL="457200" indent="-457200" algn="l">
+              <a:buClr>
+                <a:srgbClr val="7D2D2D"/>
+              </a:buClr>
+              <a:buSzPct val="78000"/>
+              <a:buFont typeface="Wingdings" panose="05000000000000000000" pitchFamily="2" charset="2"/>
+              <a:buChar char="u"/>
+              <a:defRPr/>
+            </a:pPr>
+            <a:r>
+              <a:rPr lang="en-US" altLang="zh-CN" sz="2800" dirty="0">
+                <a:latin typeface="Times New Roman" panose="02020603050405020304" pitchFamily="18" charset="0"/>
+                <a:ea typeface="MS PGothic" charset="-128"/>
+                <a:cs typeface="Times New Roman" panose="02020603050405020304" pitchFamily="18" charset="0"/>
+              </a:rPr>
+              <a:t>Random walk: next node’s selection must obey time and selection bias is related with title representation and common categories.</a:t>
+            </a:r>
+          </a:p>
+          <a:p>
+            <a:pPr marL="457200" indent="-457200" algn="l">
+              <a:buClr>
+                <a:srgbClr val="7D2D2D"/>
+              </a:buClr>
+              <a:buSzPct val="78000"/>
+              <a:buFont typeface="Wingdings" panose="05000000000000000000" pitchFamily="2" charset="2"/>
+              <a:buChar char="u"/>
+              <a:defRPr/>
+            </a:pPr>
+            <a:r>
+              <a:rPr lang="en-US" altLang="zh-CN" sz="2800" dirty="0">
+                <a:latin typeface="Times New Roman" panose="02020603050405020304" pitchFamily="18" charset="0"/>
+                <a:ea typeface="MS PGothic" charset="-128"/>
+                <a:cs typeface="Times New Roman" panose="02020603050405020304" pitchFamily="18" charset="0"/>
+              </a:rPr>
+              <a:t>title representation and common categories: use one-hot encoding to get each title representation, so we could calculate the similarity of each title and defined similarity score as </a:t>
+            </a:r>
+            <a:r>
+              <a:rPr lang="en-US" altLang="zh-CN" sz="2800" i="1" dirty="0">
+                <a:latin typeface="Times New Roman" panose="02020603050405020304" pitchFamily="18" charset="0"/>
+                <a:ea typeface="MS PGothic" charset="-128"/>
+                <a:cs typeface="Times New Roman" panose="02020603050405020304" pitchFamily="18" charset="0"/>
+              </a:rPr>
+              <a:t>x</a:t>
+            </a:r>
+            <a:r>
+              <a:rPr lang="en-US" altLang="zh-CN" sz="2800" dirty="0">
+                <a:latin typeface="Times New Roman" panose="02020603050405020304" pitchFamily="18" charset="0"/>
+                <a:ea typeface="MS PGothic" charset="-128"/>
+                <a:cs typeface="Times New Roman" panose="02020603050405020304" pitchFamily="18" charset="0"/>
+              </a:rPr>
+              <a:t>. Based on common categories, we could calculate the each node pair’s common categories score and defined as </a:t>
+            </a:r>
+            <a:r>
+              <a:rPr lang="en-US" altLang="zh-CN" sz="2800" i="1" dirty="0">
+                <a:latin typeface="Times New Roman" panose="02020603050405020304" pitchFamily="18" charset="0"/>
+                <a:ea typeface="MS PGothic" charset="-128"/>
+                <a:cs typeface="Times New Roman" panose="02020603050405020304" pitchFamily="18" charset="0"/>
+              </a:rPr>
+              <a:t>y</a:t>
+            </a:r>
+            <a:r>
+              <a:rPr lang="en-US" altLang="zh-CN" sz="2800" dirty="0">
+                <a:latin typeface="Times New Roman" panose="02020603050405020304" pitchFamily="18" charset="0"/>
+                <a:ea typeface="MS PGothic" charset="-128"/>
+                <a:cs typeface="Times New Roman" panose="02020603050405020304" pitchFamily="18" charset="0"/>
+              </a:rPr>
+              <a:t>. so, add the weight of this two scores and define </a:t>
+            </a:r>
+            <a:r>
+              <a:rPr lang="el-GR" altLang="zh-CN" sz="2800" i="1" dirty="0">
+                <a:latin typeface="Times New Roman" panose="02020603050405020304" pitchFamily="18" charset="0"/>
+                <a:ea typeface="等线" panose="02010600030101010101" pitchFamily="2" charset="-122"/>
+                <a:cs typeface="Times New Roman" panose="02020603050405020304" pitchFamily="18" charset="0"/>
+              </a:rPr>
+              <a:t>α</a:t>
+            </a:r>
+            <a:r>
+              <a:rPr lang="en-US" altLang="zh-CN" sz="2800" i="1" dirty="0">
+                <a:latin typeface="Times New Roman" panose="02020603050405020304" pitchFamily="18" charset="0"/>
+                <a:ea typeface="等线" panose="02010600030101010101" pitchFamily="2" charset="-122"/>
+                <a:cs typeface="Times New Roman" panose="02020603050405020304" pitchFamily="18" charset="0"/>
+              </a:rPr>
+              <a:t>x+</a:t>
+            </a:r>
+            <a:r>
+              <a:rPr lang="el-GR" altLang="zh-CN" sz="2800" i="1" dirty="0">
+                <a:latin typeface="Times New Roman" panose="02020603050405020304" pitchFamily="18" charset="0"/>
+                <a:ea typeface="等线" panose="02010600030101010101" pitchFamily="2" charset="-122"/>
+                <a:cs typeface="Times New Roman" panose="02020603050405020304" pitchFamily="18" charset="0"/>
+              </a:rPr>
+              <a:t>β</a:t>
+            </a:r>
+            <a:r>
+              <a:rPr lang="en-US" altLang="zh-CN" sz="2800" i="1" dirty="0">
+                <a:latin typeface="Times New Roman" panose="02020603050405020304" pitchFamily="18" charset="0"/>
+                <a:ea typeface="等线" panose="02010600030101010101" pitchFamily="2" charset="-122"/>
+                <a:cs typeface="Times New Roman" panose="02020603050405020304" pitchFamily="18" charset="0"/>
+              </a:rPr>
+              <a:t>y</a:t>
+            </a:r>
+            <a:r>
+              <a:rPr lang="en-US" altLang="zh-CN" sz="2800" dirty="0">
+                <a:latin typeface="Times New Roman" panose="02020603050405020304" pitchFamily="18" charset="0"/>
+                <a:ea typeface="等线" panose="02010600030101010101" pitchFamily="2" charset="-122"/>
+                <a:cs typeface="Times New Roman" panose="02020603050405020304" pitchFamily="18" charset="0"/>
+              </a:rPr>
+              <a:t> as selection bias.</a:t>
+            </a:r>
+          </a:p>
+          <a:p>
+            <a:pPr marL="457200" indent="-457200" algn="l">
+              <a:buClr>
+                <a:srgbClr val="7D2D2D"/>
+              </a:buClr>
+              <a:buSzPct val="78000"/>
+              <a:buFont typeface="Wingdings" panose="05000000000000000000" pitchFamily="2" charset="2"/>
+              <a:buChar char="u"/>
+              <a:defRPr/>
+            </a:pPr>
+            <a:r>
+              <a:rPr lang="en-US" altLang="zh-CN" sz="2800" dirty="0">
+                <a:latin typeface="Times New Roman" panose="02020603050405020304" pitchFamily="18" charset="0"/>
+                <a:ea typeface="等线" panose="02010600030101010101" pitchFamily="2" charset="-122"/>
+                <a:cs typeface="Times New Roman" panose="02020603050405020304" pitchFamily="18" charset="0"/>
+              </a:rPr>
+              <a:t>Use bias to generate walks and skip-gram get node vector.</a:t>
+            </a:r>
+            <a:endParaRPr lang="en-US" altLang="zh-CN" sz="2800" dirty="0">
+              <a:latin typeface="Times New Roman" panose="02020603050405020304" pitchFamily="18" charset="0"/>
+              <a:ea typeface="MS PGothic" charset="-128"/>
+              <a:cs typeface="Times New Roman" panose="02020603050405020304" pitchFamily="18" charset="0"/>
+            </a:endParaRPr>
+          </a:p>
+        </p:txBody>
+      </p:sp>
+    </p:spTree>
+    <p:extLst>
+      <p:ext uri="{BB962C8B-B14F-4D97-AF65-F5344CB8AC3E}">
+        <p14:creationId xmlns:p14="http://schemas.microsoft.com/office/powerpoint/2010/main" val="246685578"/>
+      </p:ext>
+    </p:extLst>
+  </p:cSld>
+  <p:clrMapOvr>
+    <a:masterClrMapping/>
+  </p:clrMapOvr>
+  <p:transition>
+    <p:fade/>
+  </p:transition>
+</p:sld>
+</file>
+
+<file path=ppt/slides/slide11.xml><?xml version="1.0" encoding="utf-8"?>
+<p:sld xmlns:a="http://schemas.openxmlformats.org/drawingml/2006/main" xmlns:r="http://schemas.openxmlformats.org/officeDocument/2006/relationships" xmlns:p="http://schemas.openxmlformats.org/presentationml/2006/main">
+  <p:cSld>
+    <p:spTree>
+      <p:nvGrpSpPr>
+        <p:cNvPr id="1" name=""/>
+        <p:cNvGrpSpPr/>
+        <p:nvPr/>
+      </p:nvGrpSpPr>
+      <p:grpSpPr>
+        <a:xfrm>
+          <a:off x="0" y="0"/>
+          <a:ext cx="0" cy="0"/>
+          <a:chOff x="0" y="0"/>
+          <a:chExt cx="0" cy="0"/>
+        </a:xfrm>
+      </p:grpSpPr>
+      <p:sp>
+        <p:nvSpPr>
+          <p:cNvPr id="18433" name="页脚占位符 4"/>
+          <p:cNvSpPr>
+            <a:spLocks noGrp="1"/>
+          </p:cNvSpPr>
+          <p:nvPr>
+            <p:ph type="ftr" sz="quarter" idx="11"/>
+          </p:nvPr>
+        </p:nvSpPr>
+        <p:spPr>
+          <a:noFill/>
+          <a:ln/>
+          <a:extLst>
+            <a:ext uri="{909E8E84-426E-40DD-AFC4-6F175D3DCCD1}">
+              <a14:hiddenFill xmlns:a14="http://schemas.microsoft.com/office/drawing/2010/main">
+                <a:solidFill>
+                  <a:srgbClr val="FFFFFF"/>
+                </a:solidFill>
+              </a14:hiddenFill>
+            </a:ext>
+            <a:ext uri="{91240B29-F687-4F45-9708-019B960494DF}">
+              <a14:hiddenLine xmlns:a14="http://schemas.microsoft.com/office/drawing/2010/main" w="9525">
+                <a:solidFill>
+                  <a:srgbClr val="000000"/>
+                </a:solidFill>
+                <a:miter lim="800000"/>
+                <a:headEnd/>
+                <a:tailEnd/>
+              </a14:hiddenLine>
+            </a:ext>
+          </a:extLst>
+        </p:spPr>
+        <p:txBody>
+          <a:bodyPr/>
+          <a:lstStyle>
+            <a:lvl1pPr>
+              <a:spcBef>
+                <a:spcPts val="600"/>
+              </a:spcBef>
+              <a:buClr>
+                <a:srgbClr val="640000"/>
+              </a:buClr>
+              <a:buSzPct val="80000"/>
+              <a:buFont typeface="Wingdings" charset="2"/>
+              <a:buChar char="u"/>
+              <a:defRPr sz="3200">
+                <a:solidFill>
+                  <a:schemeClr val="tx1"/>
+                </a:solidFill>
+                <a:latin typeface="Arial" charset="0"/>
+                <a:ea typeface="MS PGothic" charset="-128"/>
+                <a:cs typeface="MS PGothic" charset="-128"/>
+                <a:sym typeface="Arial" charset="0"/>
+              </a:defRPr>
+            </a:lvl1pPr>
+            <a:lvl2pPr marL="742950" indent="-285750">
+              <a:spcBef>
+                <a:spcPts val="600"/>
+              </a:spcBef>
+              <a:buClr>
+                <a:srgbClr val="640000"/>
+              </a:buClr>
+              <a:buSzPct val="68000"/>
+              <a:buFont typeface="Wingdings" charset="2"/>
+              <a:buChar char=""/>
+              <a:defRPr sz="2800">
+                <a:solidFill>
+                  <a:schemeClr val="tx1"/>
+                </a:solidFill>
+                <a:latin typeface="Arial" charset="0"/>
+                <a:ea typeface="MS PGothic" charset="-128"/>
+                <a:cs typeface="MS PGothic" charset="-128"/>
+                <a:sym typeface="Arial" charset="0"/>
+              </a:defRPr>
+            </a:lvl2pPr>
+            <a:lvl3pPr marL="1143000" indent="-228600">
+              <a:spcBef>
+                <a:spcPts val="600"/>
+              </a:spcBef>
+              <a:buClr>
+                <a:srgbClr val="640000"/>
+              </a:buClr>
+              <a:buSzPct val="85000"/>
+              <a:buFont typeface="Wingdings" charset="2"/>
+              <a:buChar char="l"/>
+              <a:defRPr sz="2400">
+                <a:solidFill>
+                  <a:schemeClr val="tx1"/>
+                </a:solidFill>
+                <a:latin typeface="Arial" charset="0"/>
+                <a:ea typeface="MS PGothic" charset="-128"/>
+                <a:cs typeface="MS PGothic" charset="-128"/>
+                <a:sym typeface="Arial" charset="0"/>
+              </a:defRPr>
+            </a:lvl3pPr>
+            <a:lvl4pPr marL="1600200" indent="-228600">
+              <a:spcBef>
+                <a:spcPts val="600"/>
+              </a:spcBef>
+              <a:buClr>
+                <a:srgbClr val="640000"/>
+              </a:buClr>
+              <a:buSzPct val="85000"/>
+              <a:buFont typeface="Arial" charset="0"/>
+              <a:buChar char="–"/>
+              <a:defRPr sz="2000">
+                <a:solidFill>
+                  <a:schemeClr val="tx1"/>
+                </a:solidFill>
+                <a:latin typeface="Arial" charset="0"/>
+                <a:ea typeface="MS PGothic" charset="-128"/>
+                <a:cs typeface="MS PGothic" charset="-128"/>
+                <a:sym typeface="Arial" charset="0"/>
+              </a:defRPr>
+            </a:lvl4pPr>
+            <a:lvl5pPr marL="2057400" indent="-228600">
+              <a:spcBef>
+                <a:spcPts val="600"/>
+              </a:spcBef>
+              <a:buClr>
+                <a:srgbClr val="640000"/>
+              </a:buClr>
+              <a:buSzPct val="85000"/>
+              <a:buFont typeface="Arial" charset="0"/>
+              <a:buChar char="»"/>
+              <a:defRPr sz="2000">
+                <a:solidFill>
+                  <a:schemeClr val="tx1"/>
+                </a:solidFill>
+                <a:latin typeface="Arial" charset="0"/>
+                <a:ea typeface="MS PGothic" charset="-128"/>
+                <a:cs typeface="MS PGothic" charset="-128"/>
+                <a:sym typeface="Arial" charset="0"/>
+              </a:defRPr>
+            </a:lvl5pPr>
+            <a:lvl6pPr marL="2514600" indent="-228600" eaLnBrk="0" fontAlgn="base" hangingPunct="0">
+              <a:spcBef>
+                <a:spcPts val="600"/>
+              </a:spcBef>
+              <a:spcAft>
+                <a:spcPct val="0"/>
+              </a:spcAft>
+              <a:buClr>
+                <a:srgbClr val="640000"/>
+              </a:buClr>
+              <a:buSzPct val="85000"/>
+              <a:buFont typeface="Arial" charset="0"/>
+              <a:buChar char="»"/>
+              <a:defRPr sz="2000">
+                <a:solidFill>
+                  <a:schemeClr val="tx1"/>
+                </a:solidFill>
+                <a:latin typeface="Arial" charset="0"/>
+                <a:ea typeface="MS PGothic" charset="-128"/>
+                <a:cs typeface="MS PGothic" charset="-128"/>
+                <a:sym typeface="Arial" charset="0"/>
+              </a:defRPr>
+            </a:lvl6pPr>
+            <a:lvl7pPr marL="2971800" indent="-228600" eaLnBrk="0" fontAlgn="base" hangingPunct="0">
+              <a:spcBef>
+                <a:spcPts val="600"/>
+              </a:spcBef>
+              <a:spcAft>
+                <a:spcPct val="0"/>
+              </a:spcAft>
+              <a:buClr>
+                <a:srgbClr val="640000"/>
+              </a:buClr>
+              <a:buSzPct val="85000"/>
+              <a:buFont typeface="Arial" charset="0"/>
+              <a:buChar char="»"/>
+              <a:defRPr sz="2000">
+                <a:solidFill>
+                  <a:schemeClr val="tx1"/>
+                </a:solidFill>
+                <a:latin typeface="Arial" charset="0"/>
+                <a:ea typeface="MS PGothic" charset="-128"/>
+                <a:cs typeface="MS PGothic" charset="-128"/>
+                <a:sym typeface="Arial" charset="0"/>
+              </a:defRPr>
+            </a:lvl7pPr>
+            <a:lvl8pPr marL="3429000" indent="-228600" eaLnBrk="0" fontAlgn="base" hangingPunct="0">
+              <a:spcBef>
+                <a:spcPts val="600"/>
+              </a:spcBef>
+              <a:spcAft>
+                <a:spcPct val="0"/>
+              </a:spcAft>
+              <a:buClr>
+                <a:srgbClr val="640000"/>
+              </a:buClr>
+              <a:buSzPct val="85000"/>
+              <a:buFont typeface="Arial" charset="0"/>
+              <a:buChar char="»"/>
+              <a:defRPr sz="2000">
+                <a:solidFill>
+                  <a:schemeClr val="tx1"/>
+                </a:solidFill>
+                <a:latin typeface="Arial" charset="0"/>
+                <a:ea typeface="MS PGothic" charset="-128"/>
+                <a:cs typeface="MS PGothic" charset="-128"/>
+                <a:sym typeface="Arial" charset="0"/>
+              </a:defRPr>
+            </a:lvl8pPr>
+            <a:lvl9pPr marL="3886200" indent="-228600" eaLnBrk="0" fontAlgn="base" hangingPunct="0">
+              <a:spcBef>
+                <a:spcPts val="600"/>
+              </a:spcBef>
+              <a:spcAft>
+                <a:spcPct val="0"/>
+              </a:spcAft>
+              <a:buClr>
+                <a:srgbClr val="640000"/>
+              </a:buClr>
+              <a:buSzPct val="85000"/>
+              <a:buFont typeface="Arial" charset="0"/>
+              <a:buChar char="»"/>
+              <a:defRPr sz="2000">
+                <a:solidFill>
+                  <a:schemeClr val="tx1"/>
+                </a:solidFill>
+                <a:latin typeface="Arial" charset="0"/>
+                <a:ea typeface="MS PGothic" charset="-128"/>
+                <a:cs typeface="MS PGothic" charset="-128"/>
+                <a:sym typeface="Arial" charset="0"/>
+              </a:defRPr>
+            </a:lvl9pPr>
+          </a:lstStyle>
+          <a:p>
+            <a:pPr>
+              <a:spcBef>
+                <a:spcPct val="0"/>
+              </a:spcBef>
+              <a:buClrTx/>
+              <a:buSzTx/>
+              <a:buFont typeface="Arial" charset="0"/>
+              <a:buNone/>
+            </a:pPr>
+            <a:r>
+              <a:rPr lang="zh-CN" altLang="en-US" sz="1200">
+                <a:solidFill>
+                  <a:srgbClr val="898989"/>
+                </a:solidFill>
+                <a:ea typeface="宋体" charset="-122"/>
+                <a:cs typeface="宋体" charset="-122"/>
+              </a:rPr>
+              <a:t>Iwaihara Lab, IPS, Waseda Univ.</a:t>
+            </a:r>
+            <a:endParaRPr lang="zh-CN" altLang="en-US" sz="1800">
+              <a:ea typeface="宋体" charset="-122"/>
+              <a:cs typeface="宋体" charset="-122"/>
+            </a:endParaRPr>
+          </a:p>
+        </p:txBody>
+      </p:sp>
+      <p:sp>
+        <p:nvSpPr>
+          <p:cNvPr id="18434" name="灯片编号占位符 5"/>
+          <p:cNvSpPr>
+            <a:spLocks noGrp="1"/>
+          </p:cNvSpPr>
+          <p:nvPr>
+            <p:ph type="sldNum" sz="quarter" idx="12"/>
+          </p:nvPr>
+        </p:nvSpPr>
+        <p:spPr>
+          <a:noFill/>
+          <a:ln/>
+          <a:extLst>
+            <a:ext uri="{909E8E84-426E-40DD-AFC4-6F175D3DCCD1}">
+              <a14:hiddenFill xmlns:a14="http://schemas.microsoft.com/office/drawing/2010/main">
+                <a:solidFill>
+                  <a:srgbClr val="FFFFFF"/>
+                </a:solidFill>
+              </a14:hiddenFill>
+            </a:ext>
+            <a:ext uri="{91240B29-F687-4F45-9708-019B960494DF}">
+              <a14:hiddenLine xmlns:a14="http://schemas.microsoft.com/office/drawing/2010/main" w="9525">
+                <a:solidFill>
+                  <a:srgbClr val="000000"/>
+                </a:solidFill>
+                <a:miter lim="800000"/>
+                <a:headEnd/>
+                <a:tailEnd/>
+              </a14:hiddenLine>
+            </a:ext>
+          </a:extLst>
+        </p:spPr>
+        <p:txBody>
+          <a:bodyPr/>
+          <a:lstStyle>
+            <a:lvl1pPr>
+              <a:spcBef>
+                <a:spcPts val="600"/>
+              </a:spcBef>
+              <a:buClr>
+                <a:srgbClr val="640000"/>
+              </a:buClr>
+              <a:buSzPct val="80000"/>
+              <a:buFont typeface="Wingdings" charset="2"/>
+              <a:buChar char="u"/>
+              <a:defRPr sz="3200">
+                <a:solidFill>
+                  <a:schemeClr val="tx1"/>
+                </a:solidFill>
+                <a:latin typeface="Arial" charset="0"/>
+                <a:ea typeface="MS PGothic" charset="-128"/>
+                <a:cs typeface="MS PGothic" charset="-128"/>
+                <a:sym typeface="Arial" charset="0"/>
+              </a:defRPr>
+            </a:lvl1pPr>
+            <a:lvl2pPr marL="742950" indent="-285750">
+              <a:spcBef>
+                <a:spcPts val="600"/>
+              </a:spcBef>
+              <a:buClr>
+                <a:srgbClr val="640000"/>
+              </a:buClr>
+              <a:buSzPct val="68000"/>
+              <a:buFont typeface="Wingdings" charset="2"/>
+              <a:buChar char=""/>
+              <a:defRPr sz="2800">
+                <a:solidFill>
+                  <a:schemeClr val="tx1"/>
+                </a:solidFill>
+                <a:latin typeface="Arial" charset="0"/>
+                <a:ea typeface="MS PGothic" charset="-128"/>
+                <a:cs typeface="MS PGothic" charset="-128"/>
+                <a:sym typeface="Arial" charset="0"/>
+              </a:defRPr>
+            </a:lvl2pPr>
+            <a:lvl3pPr marL="1143000" indent="-228600">
+              <a:spcBef>
+                <a:spcPts val="600"/>
+              </a:spcBef>
+              <a:buClr>
+                <a:srgbClr val="640000"/>
+              </a:buClr>
+              <a:buSzPct val="85000"/>
+              <a:buFont typeface="Wingdings" charset="2"/>
+              <a:buChar char="l"/>
+              <a:defRPr sz="2400">
+                <a:solidFill>
+                  <a:schemeClr val="tx1"/>
+                </a:solidFill>
+                <a:latin typeface="Arial" charset="0"/>
+                <a:ea typeface="MS PGothic" charset="-128"/>
+                <a:cs typeface="MS PGothic" charset="-128"/>
+                <a:sym typeface="Arial" charset="0"/>
+              </a:defRPr>
+            </a:lvl3pPr>
+            <a:lvl4pPr marL="1600200" indent="-228600">
+              <a:spcBef>
+                <a:spcPts val="600"/>
+              </a:spcBef>
+              <a:buClr>
+                <a:srgbClr val="640000"/>
+              </a:buClr>
+              <a:buSzPct val="85000"/>
+              <a:buFont typeface="Arial" charset="0"/>
+              <a:buChar char="–"/>
+              <a:defRPr sz="2000">
+                <a:solidFill>
+                  <a:schemeClr val="tx1"/>
+                </a:solidFill>
+                <a:latin typeface="Arial" charset="0"/>
+                <a:ea typeface="MS PGothic" charset="-128"/>
+                <a:cs typeface="MS PGothic" charset="-128"/>
+                <a:sym typeface="Arial" charset="0"/>
+              </a:defRPr>
+            </a:lvl4pPr>
+            <a:lvl5pPr marL="2057400" indent="-228600">
+              <a:spcBef>
+                <a:spcPts val="600"/>
+              </a:spcBef>
+              <a:buClr>
+                <a:srgbClr val="640000"/>
+              </a:buClr>
+              <a:buSzPct val="85000"/>
+              <a:buFont typeface="Arial" charset="0"/>
+              <a:buChar char="»"/>
+              <a:defRPr sz="2000">
+                <a:solidFill>
+                  <a:schemeClr val="tx1"/>
+                </a:solidFill>
+                <a:latin typeface="Arial" charset="0"/>
+                <a:ea typeface="MS PGothic" charset="-128"/>
+                <a:cs typeface="MS PGothic" charset="-128"/>
+                <a:sym typeface="Arial" charset="0"/>
+              </a:defRPr>
+            </a:lvl5pPr>
+            <a:lvl6pPr marL="2514600" indent="-228600" eaLnBrk="0" fontAlgn="base" hangingPunct="0">
+              <a:spcBef>
+                <a:spcPts val="600"/>
+              </a:spcBef>
+              <a:spcAft>
+                <a:spcPct val="0"/>
+              </a:spcAft>
+              <a:buClr>
+                <a:srgbClr val="640000"/>
+              </a:buClr>
+              <a:buSzPct val="85000"/>
+              <a:buFont typeface="Arial" charset="0"/>
+              <a:buChar char="»"/>
+              <a:defRPr sz="2000">
+                <a:solidFill>
+                  <a:schemeClr val="tx1"/>
+                </a:solidFill>
+                <a:latin typeface="Arial" charset="0"/>
+                <a:ea typeface="MS PGothic" charset="-128"/>
+                <a:cs typeface="MS PGothic" charset="-128"/>
+                <a:sym typeface="Arial" charset="0"/>
+              </a:defRPr>
+            </a:lvl6pPr>
+            <a:lvl7pPr marL="2971800" indent="-228600" eaLnBrk="0" fontAlgn="base" hangingPunct="0">
+              <a:spcBef>
+                <a:spcPts val="600"/>
+              </a:spcBef>
+              <a:spcAft>
+                <a:spcPct val="0"/>
+              </a:spcAft>
+              <a:buClr>
+                <a:srgbClr val="640000"/>
+              </a:buClr>
+              <a:buSzPct val="85000"/>
+              <a:buFont typeface="Arial" charset="0"/>
+              <a:buChar char="»"/>
+              <a:defRPr sz="2000">
+                <a:solidFill>
+                  <a:schemeClr val="tx1"/>
+                </a:solidFill>
+                <a:latin typeface="Arial" charset="0"/>
+                <a:ea typeface="MS PGothic" charset="-128"/>
+                <a:cs typeface="MS PGothic" charset="-128"/>
+                <a:sym typeface="Arial" charset="0"/>
+              </a:defRPr>
+            </a:lvl7pPr>
+            <a:lvl8pPr marL="3429000" indent="-228600" eaLnBrk="0" fontAlgn="base" hangingPunct="0">
+              <a:spcBef>
+                <a:spcPts val="600"/>
+              </a:spcBef>
+              <a:spcAft>
+                <a:spcPct val="0"/>
+              </a:spcAft>
+              <a:buClr>
+                <a:srgbClr val="640000"/>
+              </a:buClr>
+              <a:buSzPct val="85000"/>
+              <a:buFont typeface="Arial" charset="0"/>
+              <a:buChar char="»"/>
+              <a:defRPr sz="2000">
+                <a:solidFill>
+                  <a:schemeClr val="tx1"/>
+                </a:solidFill>
+                <a:latin typeface="Arial" charset="0"/>
+                <a:ea typeface="MS PGothic" charset="-128"/>
+                <a:cs typeface="MS PGothic" charset="-128"/>
+                <a:sym typeface="Arial" charset="0"/>
+              </a:defRPr>
+            </a:lvl8pPr>
+            <a:lvl9pPr marL="3886200" indent="-228600" eaLnBrk="0" fontAlgn="base" hangingPunct="0">
+              <a:spcBef>
+                <a:spcPts val="600"/>
+              </a:spcBef>
+              <a:spcAft>
+                <a:spcPct val="0"/>
+              </a:spcAft>
+              <a:buClr>
+                <a:srgbClr val="640000"/>
+              </a:buClr>
+              <a:buSzPct val="85000"/>
+              <a:buFont typeface="Arial" charset="0"/>
+              <a:buChar char="»"/>
+              <a:defRPr sz="2000">
+                <a:solidFill>
+                  <a:schemeClr val="tx1"/>
+                </a:solidFill>
+                <a:latin typeface="Arial" charset="0"/>
+                <a:ea typeface="MS PGothic" charset="-128"/>
+                <a:cs typeface="MS PGothic" charset="-128"/>
+                <a:sym typeface="Arial" charset="0"/>
+              </a:defRPr>
+            </a:lvl9pPr>
+          </a:lstStyle>
+          <a:p>
+            <a:pPr>
+              <a:spcBef>
+                <a:spcPct val="0"/>
+              </a:spcBef>
+              <a:buClrTx/>
+              <a:buSzTx/>
+              <a:buFont typeface="Arial" charset="0"/>
+              <a:buNone/>
+            </a:pPr>
+            <a:fld id="{8B2BC2B4-2D89-0E41-8CDC-50A7F6811B8E}" type="slidenum">
+              <a:rPr lang="zh-CN" altLang="en-US" sz="1200">
+                <a:solidFill>
+                  <a:srgbClr val="898989"/>
+                </a:solidFill>
+                <a:ea typeface="宋体" charset="-122"/>
+                <a:cs typeface="宋体" charset="-122"/>
+              </a:rPr>
+              <a:pPr>
+                <a:spcBef>
+                  <a:spcPct val="0"/>
+                </a:spcBef>
+                <a:buClrTx/>
+                <a:buSzTx/>
+                <a:buFont typeface="Arial" charset="0"/>
+                <a:buNone/>
+              </a:pPr>
+              <a:t>11</a:t>
+            </a:fld>
+            <a:endParaRPr lang="en-US" altLang="zh-CN" sz="1800">
+              <a:ea typeface="宋体" charset="-122"/>
+              <a:cs typeface="宋体" charset="-122"/>
+            </a:endParaRPr>
+          </a:p>
+        </p:txBody>
+      </p:sp>
+      <p:sp>
+        <p:nvSpPr>
+          <p:cNvPr id="18435" name="Straight Connector 18"/>
+          <p:cNvSpPr>
+            <a:spLocks noChangeShapeType="1"/>
+          </p:cNvSpPr>
+          <p:nvPr/>
+        </p:nvSpPr>
+        <p:spPr bwMode="auto">
+          <a:xfrm>
+            <a:off x="1524000" y="1069975"/>
+            <a:ext cx="9144000" cy="1588"/>
+          </a:xfrm>
+          <a:prstGeom prst="line">
+            <a:avLst/>
+          </a:prstGeom>
+          <a:noFill/>
+          <a:ln w="101600">
+            <a:solidFill>
+              <a:srgbClr val="7D2D2D"/>
+            </a:solidFill>
+            <a:round/>
+            <a:headEnd/>
+            <a:tailEnd/>
+          </a:ln>
+          <a:extLst>
+            <a:ext uri="{909E8E84-426E-40DD-AFC4-6F175D3DCCD1}">
+              <a14:hiddenFill xmlns:a14="http://schemas.microsoft.com/office/drawing/2010/main">
+                <a:noFill/>
+              </a14:hiddenFill>
+            </a:ext>
+          </a:extLst>
+        </p:spPr>
+        <p:txBody>
+          <a:bodyPr/>
+          <a:lstStyle/>
+          <a:p>
+            <a:endParaRPr lang="zh-CN" altLang="en-US"/>
+          </a:p>
+        </p:txBody>
+      </p:sp>
+      <p:pic>
+        <p:nvPicPr>
+          <p:cNvPr id="18436" name="Picture 2" descr="D:\user\zhou\My Dropbox\博士学位\de\ips-logo.bmp"/>
+          <p:cNvPicPr>
+            <a:picLocks noChangeAspect="1" noChangeArrowheads="1"/>
+          </p:cNvPicPr>
+          <p:nvPr/>
+        </p:nvPicPr>
+        <p:blipFill>
+          <a:blip r:embed="rId3" cstate="hqprint">
+            <a:extLst>
+              <a:ext uri="{28A0092B-C50C-407E-A947-70E740481C1C}">
+                <a14:useLocalDpi xmlns:a14="http://schemas.microsoft.com/office/drawing/2010/main" val="0"/>
+              </a:ext>
+            </a:extLst>
+          </a:blip>
+          <a:srcRect/>
+          <a:stretch>
+            <a:fillRect/>
+          </a:stretch>
+        </p:blipFill>
+        <p:spPr bwMode="auto">
+          <a:xfrm>
+            <a:off x="4095751" y="6350001"/>
+            <a:ext cx="714375" cy="365125"/>
+          </a:xfrm>
+          <a:prstGeom prst="rect">
+            <a:avLst/>
+          </a:prstGeom>
+          <a:noFill/>
+          <a:ln>
+            <a:noFill/>
+          </a:ln>
+          <a:extLst>
+            <a:ext uri="{909E8E84-426E-40DD-AFC4-6F175D3DCCD1}">
+              <a14:hiddenFill xmlns:a14="http://schemas.microsoft.com/office/drawing/2010/main">
+                <a:solidFill>
+                  <a:srgbClr val="FFFFFF"/>
+                </a:solidFill>
+              </a14:hiddenFill>
+            </a:ext>
+            <a:ext uri="{91240B29-F687-4F45-9708-019B960494DF}">
+              <a14:hiddenLine xmlns:a14="http://schemas.microsoft.com/office/drawing/2010/main" w="9525">
+                <a:solidFill>
+                  <a:srgbClr val="000000"/>
+                </a:solidFill>
+                <a:miter lim="800000"/>
+                <a:headEnd/>
+                <a:tailEnd/>
+              </a14:hiddenLine>
+            </a:ext>
+          </a:extLst>
+        </p:spPr>
+      </p:pic>
+      <p:sp>
+        <p:nvSpPr>
+          <p:cNvPr id="18437" name="标题 3"/>
+          <p:cNvSpPr>
+            <a:spLocks noGrp="1" noChangeArrowheads="1"/>
+          </p:cNvSpPr>
+          <p:nvPr>
+            <p:ph type="title" idx="4294967295"/>
+          </p:nvPr>
+        </p:nvSpPr>
+        <p:spPr>
+          <a:xfrm>
+            <a:off x="1952625" y="214313"/>
+            <a:ext cx="8286750" cy="785812"/>
+          </a:xfrm>
+        </p:spPr>
+        <p:txBody>
+          <a:bodyPr/>
+          <a:lstStyle/>
+          <a:p>
+            <a:pPr marL="341313" indent="-341313">
+              <a:buClr>
+                <a:srgbClr val="7D2D2D"/>
+              </a:buClr>
+              <a:buSzPct val="78000"/>
+              <a:buFont typeface="Wingdings" charset="2"/>
+              <a:buChar char="u"/>
+            </a:pPr>
+            <a:r>
+              <a:rPr lang="en-US" altLang="zh-CN" dirty="0">
+                <a:latin typeface="Times New Roman" panose="02020603050405020304" pitchFamily="18" charset="0"/>
+                <a:cs typeface="Times New Roman" panose="02020603050405020304" pitchFamily="18" charset="0"/>
+              </a:rPr>
+              <a:t>Future work</a:t>
+            </a:r>
+          </a:p>
+        </p:txBody>
+      </p:sp>
+      <p:sp>
+        <p:nvSpPr>
+          <p:cNvPr id="15367" name="内容占位符 4"/>
+          <p:cNvSpPr>
+            <a:spLocks noGrp="1" noChangeArrowheads="1"/>
+          </p:cNvSpPr>
+          <p:nvPr>
+            <p:ph idx="1"/>
+          </p:nvPr>
+        </p:nvSpPr>
+        <p:spPr>
+          <a:xfrm>
+            <a:off x="1524000" y="1349486"/>
+            <a:ext cx="9144000" cy="4924313"/>
+          </a:xfrm>
+        </p:spPr>
+        <p:txBody>
+          <a:bodyPr vert="horz" lIns="90170" tIns="46990" rIns="90170" bIns="46990" rtlCol="0">
+            <a:normAutofit/>
+          </a:bodyPr>
+          <a:lstStyle/>
+          <a:p>
+            <a:pPr algn="l">
+              <a:buClr>
+                <a:srgbClr val="7D2D2D"/>
+              </a:buClr>
+              <a:buSzPct val="78000"/>
+              <a:defRPr/>
+            </a:pPr>
+            <a:r>
+              <a:rPr lang="en-US" altLang="zh-CN" sz="2800" b="1" dirty="0">
+                <a:latin typeface="Times New Roman" panose="02020603050405020304" pitchFamily="18" charset="0"/>
+                <a:ea typeface="MS PGothic" charset="-128"/>
+                <a:cs typeface="Times New Roman" panose="02020603050405020304" pitchFamily="18" charset="0"/>
+              </a:rPr>
+              <a:t>Dataset:</a:t>
+            </a:r>
+          </a:p>
+          <a:p>
+            <a:pPr marL="341313" indent="-341313" algn="l">
+              <a:buClr>
+                <a:srgbClr val="7D2D2D"/>
+              </a:buClr>
+              <a:buSzPct val="78000"/>
+              <a:buFont typeface="Wingdings" panose="05000000000000000000" pitchFamily="2" charset="2"/>
+              <a:buChar char="u"/>
+              <a:defRPr/>
+            </a:pPr>
+            <a:r>
+              <a:rPr lang="en-US" altLang="zh-CN" sz="2800" dirty="0">
+                <a:latin typeface="Times New Roman" panose="02020603050405020304" pitchFamily="18" charset="0"/>
+                <a:ea typeface="MS PGothic" charset="-128"/>
+                <a:cs typeface="Times New Roman" panose="02020603050405020304" pitchFamily="18" charset="0"/>
+              </a:rPr>
+              <a:t>Consider a more reasonable way to select node (dealing with page title and redirect page)</a:t>
+            </a:r>
+          </a:p>
+          <a:p>
+            <a:pPr marL="341313" indent="-341313" algn="l">
+              <a:buClr>
+                <a:srgbClr val="7D2D2D"/>
+              </a:buClr>
+              <a:buSzPct val="78000"/>
+              <a:buFont typeface="Wingdings" panose="05000000000000000000" pitchFamily="2" charset="2"/>
+              <a:buChar char="u"/>
+              <a:defRPr/>
+            </a:pPr>
+            <a:r>
+              <a:rPr lang="en-US" altLang="zh-CN" sz="2800" dirty="0">
+                <a:latin typeface="Times New Roman" panose="02020603050405020304" pitchFamily="18" charset="0"/>
+                <a:ea typeface="MS PGothic" charset="-128"/>
+                <a:cs typeface="Times New Roman" panose="02020603050405020304" pitchFamily="18" charset="0"/>
+              </a:rPr>
+              <a:t>Consider a more reasonable way to deal with 70G category information file.</a:t>
+            </a:r>
+          </a:p>
+          <a:p>
+            <a:pPr algn="l">
+              <a:buClr>
+                <a:srgbClr val="7D2D2D"/>
+              </a:buClr>
+              <a:buSzPct val="78000"/>
+              <a:defRPr/>
+            </a:pPr>
+            <a:r>
+              <a:rPr lang="en-US" altLang="zh-CN" sz="2800" b="1" dirty="0">
+                <a:latin typeface="Times New Roman" panose="02020603050405020304" pitchFamily="18" charset="0"/>
+                <a:ea typeface="MS PGothic" charset="-128"/>
+                <a:cs typeface="Times New Roman" panose="02020603050405020304" pitchFamily="18" charset="0"/>
+              </a:rPr>
+              <a:t>Model:</a:t>
+            </a:r>
+          </a:p>
+          <a:p>
+            <a:pPr marL="341313" indent="-341313" algn="l">
+              <a:buClr>
+                <a:srgbClr val="7D2D2D"/>
+              </a:buClr>
+              <a:buSzPct val="78000"/>
+              <a:buFont typeface="Wingdings" panose="05000000000000000000" pitchFamily="2" charset="2"/>
+              <a:buChar char="u"/>
+              <a:defRPr/>
+            </a:pPr>
+            <a:r>
+              <a:rPr lang="en-US" altLang="zh-CN" sz="2800" dirty="0">
+                <a:latin typeface="Times New Roman" panose="02020603050405020304" pitchFamily="18" charset="0"/>
+                <a:ea typeface="MS PGothic" charset="-128"/>
+                <a:cs typeface="Times New Roman" panose="02020603050405020304" pitchFamily="18" charset="0"/>
+              </a:rPr>
+              <a:t>After finish dataset, do experiments about previous ideas and compare the results with CTDNE and node2vec.</a:t>
+            </a:r>
+          </a:p>
+          <a:p>
+            <a:pPr marL="341313" indent="-341313" algn="l">
+              <a:buClr>
+                <a:srgbClr val="7D2D2D"/>
+              </a:buClr>
+              <a:buSzPct val="78000"/>
+              <a:buFont typeface="Wingdings" panose="05000000000000000000" pitchFamily="2" charset="2"/>
+              <a:buChar char="u"/>
+              <a:defRPr/>
+            </a:pPr>
+            <a:r>
+              <a:rPr lang="en-US" altLang="zh-CN" sz="2800" dirty="0">
+                <a:latin typeface="Times New Roman" panose="02020603050405020304" pitchFamily="18" charset="0"/>
+                <a:ea typeface="MS PGothic" charset="-128"/>
+                <a:cs typeface="Times New Roman" panose="02020603050405020304" pitchFamily="18" charset="0"/>
+              </a:rPr>
+              <a:t>Read paper about DynLink2Vec and DDNE algorithm.</a:t>
+            </a:r>
+          </a:p>
+        </p:txBody>
+      </p:sp>
+    </p:spTree>
+    <p:extLst>
+      <p:ext uri="{BB962C8B-B14F-4D97-AF65-F5344CB8AC3E}">
+        <p14:creationId xmlns:p14="http://schemas.microsoft.com/office/powerpoint/2010/main" val="3929449953"/>
+      </p:ext>
+    </p:extLst>
+  </p:cSld>
+  <p:clrMapOvr>
+    <a:masterClrMapping/>
+  </p:clrMapOvr>
+  <p:transition>
+    <p:fade/>
+  </p:transition>
 </p:sld>
 </file>
 
@@ -7119,7 +9032,7 @@
               <a:buChar char="u"/>
             </a:pPr>
             <a:r>
-              <a:rPr lang="en-US" altLang="zh-CN" sz="2800" dirty="0" smtClean="0">
+              <a:rPr lang="en-US" altLang="zh-CN" sz="2800" dirty="0">
                 <a:latin typeface="Times New Roman" panose="02020603050405020304" pitchFamily="18" charset="0"/>
                 <a:cs typeface="Times New Roman" panose="02020603050405020304" pitchFamily="18" charset="0"/>
               </a:rPr>
@@ -7136,16 +9049,12 @@
               <a:buChar char="u"/>
             </a:pPr>
             <a:r>
-              <a:rPr lang="en-US" altLang="zh-CN" sz="2800" dirty="0" smtClean="0">
+              <a:rPr lang="en-US" altLang="zh-CN" sz="2800" dirty="0">
                 <a:latin typeface="Times New Roman" panose="02020603050405020304" pitchFamily="18" charset="0"/>
                 <a:cs typeface="Times New Roman" panose="02020603050405020304" pitchFamily="18" charset="0"/>
               </a:rPr>
               <a:t>Algorithm</a:t>
             </a:r>
-            <a:endParaRPr lang="en-US" altLang="zh-CN" sz="2800" dirty="0" smtClean="0">
-              <a:latin typeface="Times New Roman" panose="02020603050405020304" pitchFamily="18" charset="0"/>
-              <a:cs typeface="Times New Roman" panose="02020603050405020304" pitchFamily="18" charset="0"/>
-            </a:endParaRPr>
           </a:p>
           <a:p>
             <a:pPr marL="341313" indent="-341313" algn="l">
@@ -7157,7 +9066,7 @@
               <a:buChar char="u"/>
             </a:pPr>
             <a:r>
-              <a:rPr lang="en-US" altLang="zh-CN" sz="2800" dirty="0" smtClean="0">
+              <a:rPr lang="en-US" altLang="zh-CN" sz="2800" dirty="0">
                 <a:latin typeface="Times New Roman" panose="02020603050405020304" pitchFamily="18" charset="0"/>
                 <a:cs typeface="Times New Roman" panose="02020603050405020304" pitchFamily="18" charset="0"/>
               </a:rPr>
@@ -7174,18 +9083,11 @@
               <a:buChar char="u"/>
             </a:pPr>
             <a:r>
-              <a:rPr lang="en-US" altLang="zh-CN" sz="2800" dirty="0" smtClean="0">
-                <a:latin typeface="Times New Roman" panose="02020603050405020304" pitchFamily="18" charset="0"/>
-                <a:cs typeface="Times New Roman" panose="02020603050405020304" pitchFamily="18" charset="0"/>
-              </a:rPr>
-              <a:t>Future </a:t>
-            </a:r>
-            <a:r>
               <a:rPr lang="en-US" altLang="zh-CN" sz="2800" dirty="0">
                 <a:latin typeface="Times New Roman" panose="02020603050405020304" pitchFamily="18" charset="0"/>
                 <a:cs typeface="Times New Roman" panose="02020603050405020304" pitchFamily="18" charset="0"/>
               </a:rPr>
-              <a:t>work</a:t>
+              <a:t>Future work</a:t>
             </a:r>
           </a:p>
         </p:txBody>
@@ -7201,13 +9103,6 @@
     <a:masterClrMapping/>
   </p:clrMapOvr>
   <p:transition spd="slow"/>
-  <p:timing>
-    <p:tnLst>
-      <p:par>
-        <p:cTn id="1" dur="indefinite" restart="never" nodeType="tmRoot"/>
-      </p:par>
-    </p:tnLst>
-  </p:timing>
 </p:sld>
 </file>
 
@@ -7875,16 +9770,12 @@
               <a:buChar char="u"/>
             </a:pPr>
             <a:r>
-              <a:rPr lang="en-US" altLang="zh-CN" dirty="0" smtClean="0">
+              <a:rPr lang="en-US" altLang="zh-CN" dirty="0">
                 <a:latin typeface="Times New Roman" panose="02020603050405020304" pitchFamily="18" charset="0"/>
                 <a:cs typeface="Times New Roman" panose="02020603050405020304" pitchFamily="18" charset="0"/>
               </a:rPr>
               <a:t>Dataset</a:t>
             </a:r>
-            <a:endParaRPr lang="en-US" altLang="zh-CN" dirty="0">
-              <a:latin typeface="Times New Roman" panose="02020603050405020304" pitchFamily="18" charset="0"/>
-              <a:cs typeface="Times New Roman" panose="02020603050405020304" pitchFamily="18" charset="0"/>
-            </a:endParaRPr>
           </a:p>
         </p:txBody>
       </p:sp>
@@ -7894,9 +9785,7 @@
           <p:cNvGraphicFramePr>
             <a:graphicFrameLocks noGrp="1"/>
           </p:cNvGraphicFramePr>
-          <p:nvPr>
-            <p:extLst/>
-          </p:nvPr>
+          <p:nvPr/>
         </p:nvGraphicFramePr>
         <p:xfrm>
           <a:off x="2032000" y="1559312"/>
@@ -7995,21 +9884,21 @@
                     <a:p>
                       <a:pPr algn="ctr"/>
                       <a:r>
-                        <a:rPr lang="en-US" altLang="zh-CN" sz="1800" dirty="0" smtClean="0">
+                        <a:rPr lang="en-US" altLang="zh-CN" sz="1800" dirty="0">
                           <a:latin typeface="Times New Roman" panose="02020603050405020304" pitchFamily="18" charset="0"/>
                           <a:cs typeface="Times New Roman" panose="02020603050405020304" pitchFamily="18" charset="0"/>
                         </a:rPr>
                         <a:t>Leaf</a:t>
                       </a:r>
                       <a:r>
-                        <a:rPr lang="en-US" altLang="zh-CN" sz="1800" baseline="0" dirty="0" smtClean="0">
+                        <a:rPr lang="en-US" altLang="zh-CN" sz="1800" baseline="0" dirty="0">
                           <a:latin typeface="Times New Roman" panose="02020603050405020304" pitchFamily="18" charset="0"/>
                           <a:cs typeface="Times New Roman" panose="02020603050405020304" pitchFamily="18" charset="0"/>
                         </a:rPr>
                         <a:t> </a:t>
                       </a:r>
                       <a:r>
-                        <a:rPr lang="en-US" altLang="zh-CN" sz="1800" dirty="0" smtClean="0">
+                        <a:rPr lang="en-US" altLang="zh-CN" sz="1800" dirty="0">
                           <a:latin typeface="Times New Roman" panose="02020603050405020304" pitchFamily="18" charset="0"/>
                           <a:cs typeface="Times New Roman" panose="02020603050405020304" pitchFamily="18" charset="0"/>
                         </a:rPr>
@@ -8040,7 +9929,7 @@
                     <a:p>
                       <a:pPr algn="ctr"/>
                       <a:r>
-                        <a:rPr lang="en-US" altLang="zh-CN" sz="1800" dirty="0" smtClean="0">
+                        <a:rPr lang="en-US" altLang="zh-CN" sz="1800" dirty="0">
                           <a:latin typeface="Times New Roman" panose="02020603050405020304" pitchFamily="18" charset="0"/>
                           <a:cs typeface="Times New Roman" panose="02020603050405020304" pitchFamily="18" charset="0"/>
                         </a:rPr>
@@ -8071,7 +9960,7 @@
                     <a:p>
                       <a:pPr algn="ctr"/>
                       <a:r>
-                        <a:rPr lang="en-US" altLang="zh-CN" sz="1800" dirty="0" smtClean="0">
+                        <a:rPr lang="en-US" altLang="zh-CN" sz="1800" dirty="0">
                           <a:latin typeface="Times New Roman" panose="02020603050405020304" pitchFamily="18" charset="0"/>
                           <a:cs typeface="Times New Roman" panose="02020603050405020304" pitchFamily="18" charset="0"/>
                         </a:rPr>
@@ -8102,7 +9991,7 @@
                     <a:p>
                       <a:pPr algn="ctr"/>
                       <a:r>
-                        <a:rPr lang="en-US" altLang="zh-CN" sz="1800" dirty="0" smtClean="0">
+                        <a:rPr lang="en-US" altLang="zh-CN" sz="1800" dirty="0">
                           <a:latin typeface="Times New Roman" panose="02020603050405020304" pitchFamily="18" charset="0"/>
                           <a:cs typeface="Times New Roman" panose="02020603050405020304" pitchFamily="18" charset="0"/>
                         </a:rPr>
@@ -8151,7 +10040,7 @@
                     <a:p>
                       <a:pPr algn="ctr"/>
                       <a:r>
-                        <a:rPr lang="en-US" altLang="zh-CN" sz="1800" dirty="0" smtClean="0">
+                        <a:rPr lang="en-US" altLang="zh-CN" sz="1800" dirty="0">
                           <a:latin typeface="Times New Roman" panose="02020603050405020304" pitchFamily="18" charset="0"/>
                           <a:cs typeface="Times New Roman" panose="02020603050405020304" pitchFamily="18" charset="0"/>
                         </a:rPr>
@@ -8172,7 +10061,7 @@
                     <a:p>
                       <a:pPr algn="ctr"/>
                       <a:r>
-                        <a:rPr lang="en-US" altLang="zh-CN" sz="1800" dirty="0" smtClean="0">
+                        <a:rPr lang="en-US" altLang="zh-CN" sz="1800" dirty="0">
                           <a:latin typeface="Times New Roman" panose="02020603050405020304" pitchFamily="18" charset="0"/>
                           <a:cs typeface="Times New Roman" panose="02020603050405020304" pitchFamily="18" charset="0"/>
                         </a:rPr>
@@ -8193,7 +10082,7 @@
                     <a:p>
                       <a:pPr algn="ctr"/>
                       <a:r>
-                        <a:rPr lang="en-US" altLang="zh-CN" sz="1800" dirty="0" smtClean="0">
+                        <a:rPr lang="en-US" altLang="zh-CN" sz="1800" dirty="0">
                           <a:latin typeface="Times New Roman" panose="02020603050405020304" pitchFamily="18" charset="0"/>
                           <a:cs typeface="Times New Roman" panose="02020603050405020304" pitchFamily="18" charset="0"/>
                         </a:rPr>
@@ -8214,7 +10103,7 @@
                     <a:p>
                       <a:pPr algn="ctr"/>
                       <a:r>
-                        <a:rPr lang="en-US" altLang="zh-CN" sz="1800" dirty="0" smtClean="0">
+                        <a:rPr lang="en-US" altLang="zh-CN" sz="1800" dirty="0">
                           <a:latin typeface="Times New Roman" panose="02020603050405020304" pitchFamily="18" charset="0"/>
                           <a:cs typeface="Times New Roman" panose="02020603050405020304" pitchFamily="18" charset="0"/>
                         </a:rPr>
@@ -8235,7 +10124,7 @@
                     <a:p>
                       <a:pPr algn="ctr"/>
                       <a:r>
-                        <a:rPr lang="en-US" altLang="zh-CN" sz="1800" dirty="0" smtClean="0">
+                        <a:rPr lang="en-US" altLang="zh-CN" sz="1800" dirty="0">
                           <a:latin typeface="Times New Roman" panose="02020603050405020304" pitchFamily="18" charset="0"/>
                           <a:cs typeface="Times New Roman" panose="02020603050405020304" pitchFamily="18" charset="0"/>
                         </a:rPr>
@@ -8256,7 +10145,7 @@
                     <a:p>
                       <a:pPr algn="ctr"/>
                       <a:r>
-                        <a:rPr lang="en-US" altLang="zh-CN" sz="1800" dirty="0" smtClean="0">
+                        <a:rPr lang="en-US" altLang="zh-CN" sz="1800" dirty="0">
                           <a:latin typeface="Times New Roman" panose="02020603050405020304" pitchFamily="18" charset="0"/>
                           <a:cs typeface="Times New Roman" panose="02020603050405020304" pitchFamily="18" charset="0"/>
                         </a:rPr>
@@ -8277,7 +10166,7 @@
                     <a:p>
                       <a:pPr algn="ctr"/>
                       <a:r>
-                        <a:rPr lang="en-US" altLang="zh-CN" sz="1800" dirty="0" smtClean="0">
+                        <a:rPr lang="en-US" altLang="zh-CN" sz="1800" dirty="0">
                           <a:latin typeface="Times New Roman" panose="02020603050405020304" pitchFamily="18" charset="0"/>
                           <a:cs typeface="Times New Roman" panose="02020603050405020304" pitchFamily="18" charset="0"/>
                         </a:rPr>
@@ -8298,7 +10187,7 @@
                     <a:p>
                       <a:pPr algn="ctr"/>
                       <a:r>
-                        <a:rPr lang="en-US" altLang="zh-CN" sz="1800" dirty="0" smtClean="0">
+                        <a:rPr lang="en-US" altLang="zh-CN" sz="1800" dirty="0">
                           <a:latin typeface="Times New Roman" panose="02020603050405020304" pitchFamily="18" charset="0"/>
                           <a:cs typeface="Times New Roman" panose="02020603050405020304" pitchFamily="18" charset="0"/>
                         </a:rPr>
@@ -8326,14 +10215,14 @@
                     <a:p>
                       <a:pPr algn="ctr"/>
                       <a:r>
-                        <a:rPr lang="en-US" altLang="zh-CN" sz="1800" dirty="0" smtClean="0">
+                        <a:rPr lang="en-US" altLang="zh-CN" sz="1800" dirty="0">
                           <a:latin typeface="Times New Roman" panose="02020603050405020304" pitchFamily="18" charset="0"/>
                           <a:cs typeface="Times New Roman" panose="02020603050405020304" pitchFamily="18" charset="0"/>
                         </a:rPr>
                         <a:t>Jan.</a:t>
                       </a:r>
                       <a:r>
-                        <a:rPr lang="en-US" altLang="zh-CN" sz="1800" baseline="0" dirty="0" smtClean="0">
+                        <a:rPr lang="en-US" altLang="zh-CN" sz="1800" baseline="0" dirty="0">
                           <a:latin typeface="Times New Roman" panose="02020603050405020304" pitchFamily="18" charset="0"/>
                           <a:cs typeface="Times New Roman" panose="02020603050405020304" pitchFamily="18" charset="0"/>
                         </a:rPr>
@@ -8354,7 +10243,7 @@
                     <a:p>
                       <a:pPr algn="ctr"/>
                       <a:r>
-                        <a:rPr lang="en-US" altLang="zh-CN" sz="1800" dirty="0" smtClean="0">
+                        <a:rPr lang="en-US" altLang="zh-CN" sz="1800" dirty="0">
                           <a:latin typeface="Times New Roman" panose="02020603050405020304" pitchFamily="18" charset="0"/>
                           <a:cs typeface="Times New Roman" panose="02020603050405020304" pitchFamily="18" charset="0"/>
                         </a:rPr>
@@ -8375,7 +10264,7 @@
                     <a:p>
                       <a:pPr algn="ctr"/>
                       <a:r>
-                        <a:rPr lang="en-US" altLang="zh-CN" sz="1800" dirty="0" smtClean="0">
+                        <a:rPr lang="en-US" altLang="zh-CN" sz="1800" dirty="0">
                           <a:latin typeface="Times New Roman" panose="02020603050405020304" pitchFamily="18" charset="0"/>
                           <a:cs typeface="Times New Roman" panose="02020603050405020304" pitchFamily="18" charset="0"/>
                         </a:rPr>
@@ -8396,7 +10285,7 @@
                     <a:p>
                       <a:pPr algn="ctr"/>
                       <a:r>
-                        <a:rPr lang="en-US" altLang="zh-CN" sz="1800" dirty="0" smtClean="0">
+                        <a:rPr lang="en-US" altLang="zh-CN" sz="1800" dirty="0">
                           <a:latin typeface="Times New Roman" panose="02020603050405020304" pitchFamily="18" charset="0"/>
                           <a:cs typeface="Times New Roman" panose="02020603050405020304" pitchFamily="18" charset="0"/>
                         </a:rPr>
@@ -8417,7 +10306,7 @@
                     <a:p>
                       <a:pPr algn="ctr"/>
                       <a:r>
-                        <a:rPr lang="en-US" altLang="zh-CN" sz="1800" dirty="0" smtClean="0">
+                        <a:rPr lang="en-US" altLang="zh-CN" sz="1800" dirty="0">
                           <a:latin typeface="Times New Roman" panose="02020603050405020304" pitchFamily="18" charset="0"/>
                           <a:cs typeface="Times New Roman" panose="02020603050405020304" pitchFamily="18" charset="0"/>
                         </a:rPr>
@@ -8438,7 +10327,7 @@
                     <a:p>
                       <a:pPr algn="ctr"/>
                       <a:r>
-                        <a:rPr lang="en-US" altLang="zh-CN" sz="1800" dirty="0" smtClean="0">
+                        <a:rPr lang="en-US" altLang="zh-CN" sz="1800" dirty="0">
                           <a:latin typeface="Times New Roman" panose="02020603050405020304" pitchFamily="18" charset="0"/>
                           <a:cs typeface="Times New Roman" panose="02020603050405020304" pitchFamily="18" charset="0"/>
                         </a:rPr>
@@ -8459,7 +10348,7 @@
                     <a:p>
                       <a:pPr algn="ctr"/>
                       <a:r>
-                        <a:rPr lang="en-US" altLang="zh-CN" sz="1800" dirty="0" smtClean="0">
+                        <a:rPr lang="en-US" altLang="zh-CN" sz="1800" dirty="0">
                           <a:latin typeface="Times New Roman" panose="02020603050405020304" pitchFamily="18" charset="0"/>
                           <a:cs typeface="Times New Roman" panose="02020603050405020304" pitchFamily="18" charset="0"/>
                         </a:rPr>
@@ -8480,7 +10369,7 @@
                     <a:p>
                       <a:pPr algn="ctr"/>
                       <a:r>
-                        <a:rPr lang="en-US" altLang="zh-CN" sz="1800" dirty="0" smtClean="0">
+                        <a:rPr lang="en-US" altLang="zh-CN" sz="1800" dirty="0">
                           <a:latin typeface="Times New Roman" panose="02020603050405020304" pitchFamily="18" charset="0"/>
                           <a:cs typeface="Times New Roman" panose="02020603050405020304" pitchFamily="18" charset="0"/>
                         </a:rPr>
@@ -8501,7 +10390,7 @@
                     <a:p>
                       <a:pPr algn="ctr"/>
                       <a:r>
-                        <a:rPr lang="en-US" altLang="zh-CN" sz="1800" dirty="0" smtClean="0">
+                        <a:rPr lang="en-US" altLang="zh-CN" sz="1800" dirty="0">
                           <a:latin typeface="Times New Roman" panose="02020603050405020304" pitchFamily="18" charset="0"/>
                           <a:cs typeface="Times New Roman" panose="02020603050405020304" pitchFamily="18" charset="0"/>
                         </a:rPr>
@@ -8529,7 +10418,7 @@
                     <a:p>
                       <a:pPr algn="ctr"/>
                       <a:r>
-                        <a:rPr lang="en-US" altLang="zh-CN" sz="1800" dirty="0" smtClean="0">
+                        <a:rPr lang="en-US" altLang="zh-CN" sz="1800" dirty="0">
                           <a:latin typeface="Times New Roman" panose="02020603050405020304" pitchFamily="18" charset="0"/>
                           <a:cs typeface="Times New Roman" panose="02020603050405020304" pitchFamily="18" charset="0"/>
                         </a:rPr>
@@ -8550,7 +10439,7 @@
                     <a:p>
                       <a:pPr algn="ctr"/>
                       <a:r>
-                        <a:rPr lang="en-US" altLang="zh-CN" sz="1800" dirty="0" smtClean="0">
+                        <a:rPr lang="en-US" altLang="zh-CN" sz="1800" dirty="0">
                           <a:latin typeface="Times New Roman" panose="02020603050405020304" pitchFamily="18" charset="0"/>
                           <a:cs typeface="Times New Roman" panose="02020603050405020304" pitchFamily="18" charset="0"/>
                         </a:rPr>
@@ -8571,7 +10460,7 @@
                     <a:p>
                       <a:pPr algn="ctr"/>
                       <a:r>
-                        <a:rPr lang="en-US" altLang="zh-CN" sz="1800" dirty="0" smtClean="0">
+                        <a:rPr lang="en-US" altLang="zh-CN" sz="1800" dirty="0">
                           <a:latin typeface="Times New Roman" panose="02020603050405020304" pitchFamily="18" charset="0"/>
                           <a:cs typeface="Times New Roman" panose="02020603050405020304" pitchFamily="18" charset="0"/>
                         </a:rPr>
@@ -8592,7 +10481,7 @@
                     <a:p>
                       <a:pPr algn="ctr"/>
                       <a:r>
-                        <a:rPr lang="en-US" altLang="zh-CN" sz="1800" dirty="0" smtClean="0">
+                        <a:rPr lang="en-US" altLang="zh-CN" sz="1800" dirty="0">
                           <a:latin typeface="Times New Roman" panose="02020603050405020304" pitchFamily="18" charset="0"/>
                           <a:cs typeface="Times New Roman" panose="02020603050405020304" pitchFamily="18" charset="0"/>
                         </a:rPr>
@@ -8613,7 +10502,7 @@
                     <a:p>
                       <a:pPr algn="ctr"/>
                       <a:r>
-                        <a:rPr lang="en-US" altLang="zh-CN" sz="1800" dirty="0" smtClean="0">
+                        <a:rPr lang="en-US" altLang="zh-CN" sz="1800" dirty="0">
                           <a:latin typeface="Times New Roman" panose="02020603050405020304" pitchFamily="18" charset="0"/>
                           <a:cs typeface="Times New Roman" panose="02020603050405020304" pitchFamily="18" charset="0"/>
                         </a:rPr>
@@ -8634,7 +10523,7 @@
                     <a:p>
                       <a:pPr algn="ctr"/>
                       <a:r>
-                        <a:rPr lang="en-US" altLang="zh-CN" sz="1800" dirty="0" smtClean="0">
+                        <a:rPr lang="en-US" altLang="zh-CN" sz="1800" dirty="0">
                           <a:latin typeface="Times New Roman" panose="02020603050405020304" pitchFamily="18" charset="0"/>
                           <a:cs typeface="Times New Roman" panose="02020603050405020304" pitchFamily="18" charset="0"/>
                         </a:rPr>
@@ -8655,7 +10544,7 @@
                     <a:p>
                       <a:pPr algn="ctr"/>
                       <a:r>
-                        <a:rPr lang="en-US" altLang="zh-CN" sz="1800" dirty="0" smtClean="0">
+                        <a:rPr lang="en-US" altLang="zh-CN" sz="1800" dirty="0">
                           <a:latin typeface="Times New Roman" panose="02020603050405020304" pitchFamily="18" charset="0"/>
                           <a:cs typeface="Times New Roman" panose="02020603050405020304" pitchFamily="18" charset="0"/>
                         </a:rPr>
@@ -8676,7 +10565,7 @@
                     <a:p>
                       <a:pPr algn="ctr"/>
                       <a:r>
-                        <a:rPr lang="en-US" altLang="zh-CN" sz="1800" dirty="0" smtClean="0">
+                        <a:rPr lang="en-US" altLang="zh-CN" sz="1800" dirty="0">
                           <a:latin typeface="Times New Roman" panose="02020603050405020304" pitchFamily="18" charset="0"/>
                           <a:cs typeface="Times New Roman" panose="02020603050405020304" pitchFamily="18" charset="0"/>
                         </a:rPr>
@@ -8697,7 +10586,7 @@
                     <a:p>
                       <a:pPr algn="ctr"/>
                       <a:r>
-                        <a:rPr lang="en-US" altLang="zh-CN" sz="1800" dirty="0" smtClean="0">
+                        <a:rPr lang="en-US" altLang="zh-CN" sz="1800" dirty="0">
                           <a:latin typeface="Times New Roman" panose="02020603050405020304" pitchFamily="18" charset="0"/>
                           <a:cs typeface="Times New Roman" panose="02020603050405020304" pitchFamily="18" charset="0"/>
                         </a:rPr>
@@ -8725,7 +10614,7 @@
                     <a:p>
                       <a:pPr algn="ctr"/>
                       <a:r>
-                        <a:rPr lang="en-US" altLang="zh-CN" sz="1800" dirty="0" smtClean="0">
+                        <a:rPr lang="en-US" altLang="zh-CN" sz="1800" dirty="0">
                           <a:latin typeface="Times New Roman" panose="02020603050405020304" pitchFamily="18" charset="0"/>
                           <a:cs typeface="Times New Roman" panose="02020603050405020304" pitchFamily="18" charset="0"/>
                         </a:rPr>
@@ -8746,7 +10635,7 @@
                     <a:p>
                       <a:pPr algn="ctr"/>
                       <a:r>
-                        <a:rPr lang="en-US" altLang="zh-CN" sz="1800" dirty="0" smtClean="0">
+                        <a:rPr lang="en-US" altLang="zh-CN" sz="1800" dirty="0">
                           <a:latin typeface="Times New Roman" panose="02020603050405020304" pitchFamily="18" charset="0"/>
                           <a:cs typeface="Times New Roman" panose="02020603050405020304" pitchFamily="18" charset="0"/>
                         </a:rPr>
@@ -8767,7 +10656,7 @@
                     <a:p>
                       <a:pPr algn="ctr"/>
                       <a:r>
-                        <a:rPr lang="en-US" altLang="zh-CN" sz="1800" dirty="0" smtClean="0">
+                        <a:rPr lang="en-US" altLang="zh-CN" sz="1800" dirty="0">
                           <a:latin typeface="Times New Roman" panose="02020603050405020304" pitchFamily="18" charset="0"/>
                           <a:cs typeface="Times New Roman" panose="02020603050405020304" pitchFamily="18" charset="0"/>
                         </a:rPr>
@@ -8788,7 +10677,7 @@
                     <a:p>
                       <a:pPr algn="ctr"/>
                       <a:r>
-                        <a:rPr lang="en-US" altLang="zh-CN" sz="1800" dirty="0" smtClean="0">
+                        <a:rPr lang="en-US" altLang="zh-CN" sz="1800" dirty="0">
                           <a:latin typeface="Times New Roman" panose="02020603050405020304" pitchFamily="18" charset="0"/>
                           <a:cs typeface="Times New Roman" panose="02020603050405020304" pitchFamily="18" charset="0"/>
                         </a:rPr>
@@ -8809,7 +10698,7 @@
                     <a:p>
                       <a:pPr algn="ctr"/>
                       <a:r>
-                        <a:rPr lang="en-US" altLang="zh-CN" sz="1800" dirty="0" smtClean="0">
+                        <a:rPr lang="en-US" altLang="zh-CN" sz="1800" dirty="0">
                           <a:latin typeface="Times New Roman" panose="02020603050405020304" pitchFamily="18" charset="0"/>
                           <a:cs typeface="Times New Roman" panose="02020603050405020304" pitchFamily="18" charset="0"/>
                         </a:rPr>
@@ -8830,7 +10719,7 @@
                     <a:p>
                       <a:pPr algn="ctr"/>
                       <a:r>
-                        <a:rPr lang="en-US" altLang="zh-CN" sz="1800" dirty="0" smtClean="0">
+                        <a:rPr lang="en-US" altLang="zh-CN" sz="1800" dirty="0">
                           <a:latin typeface="Times New Roman" panose="02020603050405020304" pitchFamily="18" charset="0"/>
                           <a:cs typeface="Times New Roman" panose="02020603050405020304" pitchFamily="18" charset="0"/>
                         </a:rPr>
@@ -8851,7 +10740,7 @@
                     <a:p>
                       <a:pPr algn="ctr"/>
                       <a:r>
-                        <a:rPr lang="en-US" altLang="zh-CN" sz="1800" dirty="0" smtClean="0">
+                        <a:rPr lang="en-US" altLang="zh-CN" sz="1800" dirty="0">
                           <a:latin typeface="Times New Roman" panose="02020603050405020304" pitchFamily="18" charset="0"/>
                           <a:cs typeface="Times New Roman" panose="02020603050405020304" pitchFamily="18" charset="0"/>
                         </a:rPr>
@@ -8872,7 +10761,7 @@
                     <a:p>
                       <a:pPr algn="ctr"/>
                       <a:r>
-                        <a:rPr lang="en-US" altLang="zh-CN" sz="1800" dirty="0" smtClean="0">
+                        <a:rPr lang="en-US" altLang="zh-CN" sz="1800" dirty="0">
                           <a:latin typeface="Times New Roman" panose="02020603050405020304" pitchFamily="18" charset="0"/>
                           <a:cs typeface="Times New Roman" panose="02020603050405020304" pitchFamily="18" charset="0"/>
                         </a:rPr>
@@ -8893,7 +10782,7 @@
                     <a:p>
                       <a:pPr algn="ctr"/>
                       <a:r>
-                        <a:rPr lang="en-US" altLang="zh-CN" sz="1800" dirty="0" smtClean="0">
+                        <a:rPr lang="en-US" altLang="zh-CN" sz="1800" dirty="0">
                           <a:latin typeface="Times New Roman" panose="02020603050405020304" pitchFamily="18" charset="0"/>
                           <a:cs typeface="Times New Roman" panose="02020603050405020304" pitchFamily="18" charset="0"/>
                         </a:rPr>
@@ -8921,7 +10810,7 @@
                     <a:p>
                       <a:pPr algn="ctr"/>
                       <a:r>
-                        <a:rPr lang="en-US" altLang="zh-CN" sz="1800" dirty="0" smtClean="0">
+                        <a:rPr lang="en-US" altLang="zh-CN" sz="1800" dirty="0">
                           <a:latin typeface="Times New Roman" panose="02020603050405020304" pitchFamily="18" charset="0"/>
                           <a:cs typeface="Times New Roman" panose="02020603050405020304" pitchFamily="18" charset="0"/>
                         </a:rPr>
@@ -8942,7 +10831,7 @@
                     <a:p>
                       <a:pPr algn="ctr"/>
                       <a:r>
-                        <a:rPr lang="en-US" altLang="zh-CN" sz="1800" dirty="0" smtClean="0">
+                        <a:rPr lang="en-US" altLang="zh-CN" sz="1800" dirty="0">
                           <a:latin typeface="Times New Roman" panose="02020603050405020304" pitchFamily="18" charset="0"/>
                           <a:cs typeface="Times New Roman" panose="02020603050405020304" pitchFamily="18" charset="0"/>
                         </a:rPr>
@@ -8963,7 +10852,7 @@
                     <a:p>
                       <a:pPr algn="ctr"/>
                       <a:r>
-                        <a:rPr lang="en-US" altLang="zh-CN" sz="1800" dirty="0" smtClean="0">
+                        <a:rPr lang="en-US" altLang="zh-CN" sz="1800" dirty="0">
                           <a:latin typeface="Times New Roman" panose="02020603050405020304" pitchFamily="18" charset="0"/>
                           <a:cs typeface="Times New Roman" panose="02020603050405020304" pitchFamily="18" charset="0"/>
                         </a:rPr>
@@ -8984,7 +10873,7 @@
                     <a:p>
                       <a:pPr algn="ctr"/>
                       <a:r>
-                        <a:rPr lang="en-US" altLang="zh-CN" sz="1800" dirty="0" smtClean="0">
+                        <a:rPr lang="en-US" altLang="zh-CN" sz="1800" dirty="0">
                           <a:latin typeface="Times New Roman" panose="02020603050405020304" pitchFamily="18" charset="0"/>
                           <a:cs typeface="Times New Roman" panose="02020603050405020304" pitchFamily="18" charset="0"/>
                         </a:rPr>
@@ -9005,7 +10894,7 @@
                     <a:p>
                       <a:pPr algn="ctr"/>
                       <a:r>
-                        <a:rPr lang="en-US" altLang="zh-CN" sz="1800" dirty="0" smtClean="0">
+                        <a:rPr lang="en-US" altLang="zh-CN" sz="1800" dirty="0">
                           <a:latin typeface="Times New Roman" panose="02020603050405020304" pitchFamily="18" charset="0"/>
                           <a:cs typeface="Times New Roman" panose="02020603050405020304" pitchFamily="18" charset="0"/>
                         </a:rPr>
@@ -9026,7 +10915,7 @@
                     <a:p>
                       <a:pPr algn="ctr"/>
                       <a:r>
-                        <a:rPr lang="en-US" altLang="zh-CN" sz="1800" dirty="0" smtClean="0">
+                        <a:rPr lang="en-US" altLang="zh-CN" sz="1800" dirty="0">
                           <a:latin typeface="Times New Roman" panose="02020603050405020304" pitchFamily="18" charset="0"/>
                           <a:cs typeface="Times New Roman" panose="02020603050405020304" pitchFamily="18" charset="0"/>
                         </a:rPr>
@@ -9047,7 +10936,7 @@
                     <a:p>
                       <a:pPr algn="ctr"/>
                       <a:r>
-                        <a:rPr lang="en-US" altLang="zh-CN" sz="1800" dirty="0" smtClean="0">
+                        <a:rPr lang="en-US" altLang="zh-CN" sz="1800" dirty="0">
                           <a:latin typeface="Times New Roman" panose="02020603050405020304" pitchFamily="18" charset="0"/>
                           <a:cs typeface="Times New Roman" panose="02020603050405020304" pitchFamily="18" charset="0"/>
                         </a:rPr>
@@ -9068,7 +10957,7 @@
                     <a:p>
                       <a:pPr algn="ctr"/>
                       <a:r>
-                        <a:rPr lang="en-US" altLang="zh-CN" sz="1800" dirty="0" smtClean="0">
+                        <a:rPr lang="en-US" altLang="zh-CN" sz="1800" dirty="0">
                           <a:latin typeface="Times New Roman" panose="02020603050405020304" pitchFamily="18" charset="0"/>
                           <a:cs typeface="Times New Roman" panose="02020603050405020304" pitchFamily="18" charset="0"/>
                         </a:rPr>
@@ -9089,7 +10978,7 @@
                     <a:p>
                       <a:pPr algn="ctr"/>
                       <a:r>
-                        <a:rPr lang="en-US" altLang="zh-CN" sz="1800" dirty="0" smtClean="0">
+                        <a:rPr lang="en-US" altLang="zh-CN" sz="1800" dirty="0">
                           <a:latin typeface="Times New Roman" panose="02020603050405020304" pitchFamily="18" charset="0"/>
                           <a:cs typeface="Times New Roman" panose="02020603050405020304" pitchFamily="18" charset="0"/>
                         </a:rPr>
@@ -9117,7 +11006,7 @@
                     <a:p>
                       <a:pPr algn="ctr"/>
                       <a:r>
-                        <a:rPr lang="en-US" altLang="zh-CN" sz="1800" dirty="0" smtClean="0">
+                        <a:rPr lang="en-US" altLang="zh-CN" sz="1800" dirty="0">
                           <a:latin typeface="Times New Roman" panose="02020603050405020304" pitchFamily="18" charset="0"/>
                           <a:cs typeface="Times New Roman" panose="02020603050405020304" pitchFamily="18" charset="0"/>
                         </a:rPr>
@@ -9138,7 +11027,7 @@
                     <a:p>
                       <a:pPr algn="ctr"/>
                       <a:r>
-                        <a:rPr lang="en-US" altLang="zh-CN" sz="1800" dirty="0" smtClean="0">
+                        <a:rPr lang="en-US" altLang="zh-CN" sz="1800" dirty="0">
                           <a:latin typeface="Times New Roman" panose="02020603050405020304" pitchFamily="18" charset="0"/>
                           <a:cs typeface="Times New Roman" panose="02020603050405020304" pitchFamily="18" charset="0"/>
                         </a:rPr>
@@ -9159,7 +11048,7 @@
                     <a:p>
                       <a:pPr algn="ctr"/>
                       <a:r>
-                        <a:rPr lang="en-US" altLang="zh-CN" sz="1800" dirty="0" smtClean="0">
+                        <a:rPr lang="en-US" altLang="zh-CN" sz="1800" dirty="0">
                           <a:latin typeface="Times New Roman" panose="02020603050405020304" pitchFamily="18" charset="0"/>
                           <a:cs typeface="Times New Roman" panose="02020603050405020304" pitchFamily="18" charset="0"/>
                         </a:rPr>
@@ -9180,7 +11069,7 @@
                     <a:p>
                       <a:pPr algn="ctr"/>
                       <a:r>
-                        <a:rPr lang="en-US" altLang="zh-CN" sz="1800" dirty="0" smtClean="0">
+                        <a:rPr lang="en-US" altLang="zh-CN" sz="1800" dirty="0">
                           <a:latin typeface="Times New Roman" panose="02020603050405020304" pitchFamily="18" charset="0"/>
                           <a:cs typeface="Times New Roman" panose="02020603050405020304" pitchFamily="18" charset="0"/>
                         </a:rPr>
@@ -9201,7 +11090,7 @@
                     <a:p>
                       <a:pPr algn="ctr"/>
                       <a:r>
-                        <a:rPr lang="en-US" altLang="zh-CN" sz="1800" dirty="0" smtClean="0">
+                        <a:rPr lang="en-US" altLang="zh-CN" sz="1800" dirty="0">
                           <a:latin typeface="Times New Roman" panose="02020603050405020304" pitchFamily="18" charset="0"/>
                           <a:cs typeface="Times New Roman" panose="02020603050405020304" pitchFamily="18" charset="0"/>
                         </a:rPr>
@@ -9222,7 +11111,7 @@
                     <a:p>
                       <a:pPr algn="ctr"/>
                       <a:r>
-                        <a:rPr lang="en-US" altLang="zh-CN" sz="1800" dirty="0" smtClean="0">
+                        <a:rPr lang="en-US" altLang="zh-CN" sz="1800" dirty="0">
                           <a:latin typeface="Times New Roman" panose="02020603050405020304" pitchFamily="18" charset="0"/>
                           <a:cs typeface="Times New Roman" panose="02020603050405020304" pitchFamily="18" charset="0"/>
                         </a:rPr>
@@ -9243,7 +11132,7 @@
                     <a:p>
                       <a:pPr algn="ctr"/>
                       <a:r>
-                        <a:rPr lang="en-US" altLang="zh-CN" sz="1800" dirty="0" smtClean="0">
+                        <a:rPr lang="en-US" altLang="zh-CN" sz="1800" dirty="0">
                           <a:latin typeface="Times New Roman" panose="02020603050405020304" pitchFamily="18" charset="0"/>
                           <a:cs typeface="Times New Roman" panose="02020603050405020304" pitchFamily="18" charset="0"/>
                         </a:rPr>
@@ -9264,7 +11153,7 @@
                     <a:p>
                       <a:pPr algn="ctr"/>
                       <a:r>
-                        <a:rPr lang="en-US" altLang="zh-CN" sz="1800" dirty="0" smtClean="0">
+                        <a:rPr lang="en-US" altLang="zh-CN" sz="1800" dirty="0">
                           <a:latin typeface="Times New Roman" panose="02020603050405020304" pitchFamily="18" charset="0"/>
                           <a:cs typeface="Times New Roman" panose="02020603050405020304" pitchFamily="18" charset="0"/>
                         </a:rPr>
@@ -9285,7 +11174,7 @@
                     <a:p>
                       <a:pPr algn="ctr"/>
                       <a:r>
-                        <a:rPr lang="en-US" altLang="zh-CN" sz="1800" dirty="0" smtClean="0">
+                        <a:rPr lang="en-US" altLang="zh-CN" sz="1800" dirty="0">
                           <a:latin typeface="Times New Roman" panose="02020603050405020304" pitchFamily="18" charset="0"/>
                           <a:cs typeface="Times New Roman" panose="02020603050405020304" pitchFamily="18" charset="0"/>
                         </a:rPr>
@@ -9313,7 +11202,7 @@
                     <a:p>
                       <a:pPr algn="ctr"/>
                       <a:r>
-                        <a:rPr lang="en-US" altLang="zh-CN" sz="1800" dirty="0" smtClean="0">
+                        <a:rPr lang="en-US" altLang="zh-CN" sz="1800" dirty="0">
                           <a:latin typeface="Times New Roman" panose="02020603050405020304" pitchFamily="18" charset="0"/>
                           <a:cs typeface="Times New Roman" panose="02020603050405020304" pitchFamily="18" charset="0"/>
                         </a:rPr>
@@ -9334,7 +11223,7 @@
                     <a:p>
                       <a:pPr algn="ctr"/>
                       <a:r>
-                        <a:rPr lang="en-US" altLang="zh-CN" sz="1800" dirty="0" smtClean="0">
+                        <a:rPr lang="en-US" altLang="zh-CN" sz="1800" dirty="0">
                           <a:latin typeface="Times New Roman" panose="02020603050405020304" pitchFamily="18" charset="0"/>
                           <a:cs typeface="Times New Roman" panose="02020603050405020304" pitchFamily="18" charset="0"/>
                         </a:rPr>
@@ -9355,7 +11244,7 @@
                     <a:p>
                       <a:pPr algn="ctr"/>
                       <a:r>
-                        <a:rPr lang="en-US" altLang="zh-CN" sz="1800" dirty="0" smtClean="0">
+                        <a:rPr lang="en-US" altLang="zh-CN" sz="1800" dirty="0">
                           <a:latin typeface="Times New Roman" panose="02020603050405020304" pitchFamily="18" charset="0"/>
                           <a:cs typeface="Times New Roman" panose="02020603050405020304" pitchFamily="18" charset="0"/>
                         </a:rPr>
@@ -9376,7 +11265,7 @@
                     <a:p>
                       <a:pPr algn="ctr"/>
                       <a:r>
-                        <a:rPr lang="en-US" altLang="zh-CN" sz="1800" dirty="0" smtClean="0">
+                        <a:rPr lang="en-US" altLang="zh-CN" sz="1800" dirty="0">
                           <a:latin typeface="Times New Roman" panose="02020603050405020304" pitchFamily="18" charset="0"/>
                           <a:cs typeface="Times New Roman" panose="02020603050405020304" pitchFamily="18" charset="0"/>
                         </a:rPr>
@@ -9397,7 +11286,7 @@
                     <a:p>
                       <a:pPr algn="ctr"/>
                       <a:r>
-                        <a:rPr lang="en-US" altLang="zh-CN" sz="1800" dirty="0" smtClean="0">
+                        <a:rPr lang="en-US" altLang="zh-CN" sz="1800" dirty="0">
                           <a:latin typeface="Times New Roman" panose="02020603050405020304" pitchFamily="18" charset="0"/>
                           <a:cs typeface="Times New Roman" panose="02020603050405020304" pitchFamily="18" charset="0"/>
                         </a:rPr>
@@ -9418,7 +11307,7 @@
                     <a:p>
                       <a:pPr algn="ctr"/>
                       <a:r>
-                        <a:rPr lang="en-US" altLang="zh-CN" sz="1800" dirty="0" smtClean="0">
+                        <a:rPr lang="en-US" altLang="zh-CN" sz="1800" dirty="0">
                           <a:latin typeface="Times New Roman" panose="02020603050405020304" pitchFamily="18" charset="0"/>
                           <a:cs typeface="Times New Roman" panose="02020603050405020304" pitchFamily="18" charset="0"/>
                         </a:rPr>
@@ -9439,7 +11328,7 @@
                     <a:p>
                       <a:pPr algn="ctr"/>
                       <a:r>
-                        <a:rPr lang="en-US" altLang="zh-CN" sz="1800" dirty="0" smtClean="0">
+                        <a:rPr lang="en-US" altLang="zh-CN" sz="1800" dirty="0">
                           <a:latin typeface="Times New Roman" panose="02020603050405020304" pitchFamily="18" charset="0"/>
                           <a:cs typeface="Times New Roman" panose="02020603050405020304" pitchFamily="18" charset="0"/>
                         </a:rPr>
@@ -9460,7 +11349,7 @@
                     <a:p>
                       <a:pPr algn="ctr"/>
                       <a:r>
-                        <a:rPr lang="en-US" altLang="zh-CN" sz="1800" dirty="0" smtClean="0">
+                        <a:rPr lang="en-US" altLang="zh-CN" sz="1800" dirty="0">
                           <a:latin typeface="Times New Roman" panose="02020603050405020304" pitchFamily="18" charset="0"/>
                           <a:cs typeface="Times New Roman" panose="02020603050405020304" pitchFamily="18" charset="0"/>
                         </a:rPr>
@@ -9481,7 +11370,7 @@
                     <a:p>
                       <a:pPr algn="ctr"/>
                       <a:r>
-                        <a:rPr lang="en-US" altLang="zh-CN" sz="1800" dirty="0" smtClean="0">
+                        <a:rPr lang="en-US" altLang="zh-CN" sz="1800" dirty="0">
                           <a:latin typeface="Times New Roman" panose="02020603050405020304" pitchFamily="18" charset="0"/>
                           <a:cs typeface="Times New Roman" panose="02020603050405020304" pitchFamily="18" charset="0"/>
                         </a:rPr>
@@ -9509,7 +11398,7 @@
                     <a:p>
                       <a:pPr algn="ctr"/>
                       <a:r>
-                        <a:rPr lang="en-US" altLang="zh-CN" sz="1800" dirty="0" smtClean="0">
+                        <a:rPr lang="en-US" altLang="zh-CN" sz="1800" dirty="0">
                           <a:latin typeface="Times New Roman" panose="02020603050405020304" pitchFamily="18" charset="0"/>
                           <a:cs typeface="Times New Roman" panose="02020603050405020304" pitchFamily="18" charset="0"/>
                         </a:rPr>
@@ -9530,7 +11419,7 @@
                     <a:p>
                       <a:pPr algn="ctr"/>
                       <a:r>
-                        <a:rPr lang="en-US" altLang="zh-CN" sz="1800" dirty="0" smtClean="0">
+                        <a:rPr lang="en-US" altLang="zh-CN" sz="1800" dirty="0">
                           <a:latin typeface="Times New Roman" panose="02020603050405020304" pitchFamily="18" charset="0"/>
                           <a:cs typeface="Times New Roman" panose="02020603050405020304" pitchFamily="18" charset="0"/>
                         </a:rPr>
@@ -9551,7 +11440,7 @@
                     <a:p>
                       <a:pPr algn="ctr"/>
                       <a:r>
-                        <a:rPr lang="en-US" altLang="zh-CN" sz="1800" dirty="0" smtClean="0">
+                        <a:rPr lang="en-US" altLang="zh-CN" sz="1800" dirty="0">
                           <a:latin typeface="Times New Roman" panose="02020603050405020304" pitchFamily="18" charset="0"/>
                           <a:cs typeface="Times New Roman" panose="02020603050405020304" pitchFamily="18" charset="0"/>
                         </a:rPr>
@@ -9572,7 +11461,7 @@
                     <a:p>
                       <a:pPr algn="ctr"/>
                       <a:r>
-                        <a:rPr lang="en-US" altLang="zh-CN" sz="1800" dirty="0" smtClean="0">
+                        <a:rPr lang="en-US" altLang="zh-CN" sz="1800" dirty="0">
                           <a:latin typeface="Times New Roman" panose="02020603050405020304" pitchFamily="18" charset="0"/>
                           <a:cs typeface="Times New Roman" panose="02020603050405020304" pitchFamily="18" charset="0"/>
                         </a:rPr>
@@ -9593,7 +11482,7 @@
                     <a:p>
                       <a:pPr algn="ctr"/>
                       <a:r>
-                        <a:rPr lang="en-US" altLang="zh-CN" sz="1800" dirty="0" smtClean="0">
+                        <a:rPr lang="en-US" altLang="zh-CN" sz="1800" dirty="0">
                           <a:latin typeface="Times New Roman" panose="02020603050405020304" pitchFamily="18" charset="0"/>
                           <a:cs typeface="Times New Roman" panose="02020603050405020304" pitchFamily="18" charset="0"/>
                         </a:rPr>
@@ -9614,7 +11503,7 @@
                     <a:p>
                       <a:pPr algn="ctr"/>
                       <a:r>
-                        <a:rPr lang="en-US" altLang="zh-CN" sz="1800" dirty="0" smtClean="0">
+                        <a:rPr lang="en-US" altLang="zh-CN" sz="1800" dirty="0">
                           <a:latin typeface="Times New Roman" panose="02020603050405020304" pitchFamily="18" charset="0"/>
                           <a:cs typeface="Times New Roman" panose="02020603050405020304" pitchFamily="18" charset="0"/>
                         </a:rPr>
@@ -9635,7 +11524,7 @@
                     <a:p>
                       <a:pPr algn="ctr"/>
                       <a:r>
-                        <a:rPr lang="en-US" altLang="zh-CN" sz="1800" dirty="0" smtClean="0">
+                        <a:rPr lang="en-US" altLang="zh-CN" sz="1800" dirty="0">
                           <a:latin typeface="Times New Roman" panose="02020603050405020304" pitchFamily="18" charset="0"/>
                           <a:cs typeface="Times New Roman" panose="02020603050405020304" pitchFamily="18" charset="0"/>
                         </a:rPr>
@@ -9656,7 +11545,7 @@
                     <a:p>
                       <a:pPr algn="ctr"/>
                       <a:r>
-                        <a:rPr lang="en-US" altLang="zh-CN" sz="1800" dirty="0" smtClean="0">
+                        <a:rPr lang="en-US" altLang="zh-CN" sz="1800" dirty="0">
                           <a:latin typeface="Times New Roman" panose="02020603050405020304" pitchFamily="18" charset="0"/>
                           <a:cs typeface="Times New Roman" panose="02020603050405020304" pitchFamily="18" charset="0"/>
                         </a:rPr>
@@ -9677,7 +11566,7 @@
                     <a:p>
                       <a:pPr algn="ctr"/>
                       <a:r>
-                        <a:rPr lang="en-US" altLang="zh-CN" sz="1800" dirty="0" smtClean="0">
+                        <a:rPr lang="en-US" altLang="zh-CN" sz="1800" dirty="0">
                           <a:latin typeface="Times New Roman" panose="02020603050405020304" pitchFamily="18" charset="0"/>
                           <a:cs typeface="Times New Roman" panose="02020603050405020304" pitchFamily="18" charset="0"/>
                         </a:rPr>
@@ -9705,7 +11594,7 @@
                     <a:p>
                       <a:pPr algn="ctr"/>
                       <a:r>
-                        <a:rPr lang="en-US" altLang="zh-CN" sz="1800" dirty="0" smtClean="0">
+                        <a:rPr lang="en-US" altLang="zh-CN" sz="1800" dirty="0">
                           <a:latin typeface="Times New Roman" panose="02020603050405020304" pitchFamily="18" charset="0"/>
                           <a:cs typeface="Times New Roman" panose="02020603050405020304" pitchFamily="18" charset="0"/>
                         </a:rPr>
@@ -9726,7 +11615,7 @@
                     <a:p>
                       <a:pPr algn="ctr"/>
                       <a:r>
-                        <a:rPr lang="en-US" altLang="zh-CN" sz="1800" dirty="0" smtClean="0">
+                        <a:rPr lang="en-US" altLang="zh-CN" sz="1800" dirty="0">
                           <a:latin typeface="Times New Roman" panose="02020603050405020304" pitchFamily="18" charset="0"/>
                           <a:cs typeface="Times New Roman" panose="02020603050405020304" pitchFamily="18" charset="0"/>
                         </a:rPr>
@@ -9747,7 +11636,7 @@
                     <a:p>
                       <a:pPr algn="ctr"/>
                       <a:r>
-                        <a:rPr lang="en-US" altLang="zh-CN" sz="1800" dirty="0" smtClean="0">
+                        <a:rPr lang="en-US" altLang="zh-CN" sz="1800" dirty="0">
                           <a:latin typeface="Times New Roman" panose="02020603050405020304" pitchFamily="18" charset="0"/>
                           <a:cs typeface="Times New Roman" panose="02020603050405020304" pitchFamily="18" charset="0"/>
                         </a:rPr>
@@ -9768,7 +11657,7 @@
                     <a:p>
                       <a:pPr algn="ctr"/>
                       <a:r>
-                        <a:rPr lang="en-US" altLang="zh-CN" sz="1800" dirty="0" smtClean="0">
+                        <a:rPr lang="en-US" altLang="zh-CN" sz="1800" dirty="0">
                           <a:latin typeface="Times New Roman" panose="02020603050405020304" pitchFamily="18" charset="0"/>
                           <a:cs typeface="Times New Roman" panose="02020603050405020304" pitchFamily="18" charset="0"/>
                         </a:rPr>
@@ -9789,7 +11678,7 @@
                     <a:p>
                       <a:pPr algn="ctr"/>
                       <a:r>
-                        <a:rPr lang="en-US" altLang="zh-CN" sz="1800" dirty="0" smtClean="0">
+                        <a:rPr lang="en-US" altLang="zh-CN" sz="1800" dirty="0">
                           <a:latin typeface="Times New Roman" panose="02020603050405020304" pitchFamily="18" charset="0"/>
                           <a:cs typeface="Times New Roman" panose="02020603050405020304" pitchFamily="18" charset="0"/>
                         </a:rPr>
@@ -9810,7 +11699,7 @@
                     <a:p>
                       <a:pPr algn="ctr"/>
                       <a:r>
-                        <a:rPr lang="en-US" altLang="zh-CN" sz="1800" dirty="0" smtClean="0">
+                        <a:rPr lang="en-US" altLang="zh-CN" sz="1800" dirty="0">
                           <a:latin typeface="Times New Roman" panose="02020603050405020304" pitchFamily="18" charset="0"/>
                           <a:cs typeface="Times New Roman" panose="02020603050405020304" pitchFamily="18" charset="0"/>
                         </a:rPr>
@@ -9831,7 +11720,7 @@
                     <a:p>
                       <a:pPr algn="ctr"/>
                       <a:r>
-                        <a:rPr lang="en-US" altLang="zh-CN" sz="1800" dirty="0" smtClean="0">
+                        <a:rPr lang="en-US" altLang="zh-CN" sz="1800" dirty="0">
                           <a:latin typeface="Times New Roman" panose="02020603050405020304" pitchFamily="18" charset="0"/>
                           <a:cs typeface="Times New Roman" panose="02020603050405020304" pitchFamily="18" charset="0"/>
                         </a:rPr>
@@ -9852,7 +11741,7 @@
                     <a:p>
                       <a:pPr algn="ctr"/>
                       <a:r>
-                        <a:rPr lang="en-US" altLang="zh-CN" sz="1800" dirty="0" smtClean="0">
+                        <a:rPr lang="en-US" altLang="zh-CN" sz="1800" dirty="0">
                           <a:latin typeface="Times New Roman" panose="02020603050405020304" pitchFamily="18" charset="0"/>
                           <a:cs typeface="Times New Roman" panose="02020603050405020304" pitchFamily="18" charset="0"/>
                         </a:rPr>
@@ -9873,7 +11762,7 @@
                     <a:p>
                       <a:pPr algn="ctr"/>
                       <a:r>
-                        <a:rPr lang="en-US" altLang="zh-CN" sz="1800" dirty="0" smtClean="0">
+                        <a:rPr lang="en-US" altLang="zh-CN" sz="1800" dirty="0">
                           <a:latin typeface="Times New Roman" panose="02020603050405020304" pitchFamily="18" charset="0"/>
                           <a:cs typeface="Times New Roman" panose="02020603050405020304" pitchFamily="18" charset="0"/>
                         </a:rPr>
@@ -9901,7 +11790,7 @@
                     <a:p>
                       <a:pPr algn="ctr"/>
                       <a:r>
-                        <a:rPr lang="en-US" altLang="zh-CN" sz="1800" dirty="0" smtClean="0">
+                        <a:rPr lang="en-US" altLang="zh-CN" sz="1800" dirty="0">
                           <a:latin typeface="Times New Roman" panose="02020603050405020304" pitchFamily="18" charset="0"/>
                           <a:cs typeface="Times New Roman" panose="02020603050405020304" pitchFamily="18" charset="0"/>
                         </a:rPr>
@@ -9922,7 +11811,7 @@
                     <a:p>
                       <a:pPr algn="ctr"/>
                       <a:r>
-                        <a:rPr lang="en-US" altLang="zh-CN" sz="1800" dirty="0" smtClean="0">
+                        <a:rPr lang="en-US" altLang="zh-CN" sz="1800" dirty="0">
                           <a:latin typeface="Times New Roman" panose="02020603050405020304" pitchFamily="18" charset="0"/>
                           <a:cs typeface="Times New Roman" panose="02020603050405020304" pitchFamily="18" charset="0"/>
                         </a:rPr>
@@ -9943,7 +11832,7 @@
                     <a:p>
                       <a:pPr algn="ctr"/>
                       <a:r>
-                        <a:rPr lang="en-US" altLang="zh-CN" sz="1800" dirty="0" smtClean="0">
+                        <a:rPr lang="en-US" altLang="zh-CN" sz="1800" dirty="0">
                           <a:latin typeface="Times New Roman" panose="02020603050405020304" pitchFamily="18" charset="0"/>
                           <a:cs typeface="Times New Roman" panose="02020603050405020304" pitchFamily="18" charset="0"/>
                         </a:rPr>
@@ -9964,7 +11853,7 @@
                     <a:p>
                       <a:pPr algn="ctr"/>
                       <a:r>
-                        <a:rPr lang="en-US" altLang="zh-CN" sz="1800" dirty="0" smtClean="0">
+                        <a:rPr lang="en-US" altLang="zh-CN" sz="1800" dirty="0">
                           <a:latin typeface="Times New Roman" panose="02020603050405020304" pitchFamily="18" charset="0"/>
                           <a:cs typeface="Times New Roman" panose="02020603050405020304" pitchFamily="18" charset="0"/>
                         </a:rPr>
@@ -9985,7 +11874,7 @@
                     <a:p>
                       <a:pPr algn="ctr"/>
                       <a:r>
-                        <a:rPr lang="en-US" altLang="zh-CN" sz="1800" dirty="0" smtClean="0">
+                        <a:rPr lang="en-US" altLang="zh-CN" sz="1800" dirty="0">
                           <a:latin typeface="Times New Roman" panose="02020603050405020304" pitchFamily="18" charset="0"/>
                           <a:cs typeface="Times New Roman" panose="02020603050405020304" pitchFamily="18" charset="0"/>
                         </a:rPr>
@@ -10006,7 +11895,7 @@
                     <a:p>
                       <a:pPr algn="ctr"/>
                       <a:r>
-                        <a:rPr lang="en-US" altLang="zh-CN" sz="1800" dirty="0" smtClean="0">
+                        <a:rPr lang="en-US" altLang="zh-CN" sz="1800" dirty="0">
                           <a:latin typeface="Times New Roman" panose="02020603050405020304" pitchFamily="18" charset="0"/>
                           <a:cs typeface="Times New Roman" panose="02020603050405020304" pitchFamily="18" charset="0"/>
                         </a:rPr>
@@ -10027,7 +11916,7 @@
                     <a:p>
                       <a:pPr algn="ctr"/>
                       <a:r>
-                        <a:rPr lang="en-US" altLang="zh-CN" sz="1800" dirty="0" smtClean="0">
+                        <a:rPr lang="en-US" altLang="zh-CN" sz="1800" dirty="0">
                           <a:latin typeface="Times New Roman" panose="02020603050405020304" pitchFamily="18" charset="0"/>
                           <a:cs typeface="Times New Roman" panose="02020603050405020304" pitchFamily="18" charset="0"/>
                         </a:rPr>
@@ -10048,7 +11937,7 @@
                     <a:p>
                       <a:pPr algn="ctr"/>
                       <a:r>
-                        <a:rPr lang="en-US" altLang="zh-CN" sz="1800" dirty="0" smtClean="0">
+                        <a:rPr lang="en-US" altLang="zh-CN" sz="1800" dirty="0">
                           <a:latin typeface="Times New Roman" panose="02020603050405020304" pitchFamily="18" charset="0"/>
                           <a:cs typeface="Times New Roman" panose="02020603050405020304" pitchFamily="18" charset="0"/>
                         </a:rPr>
@@ -10069,7 +11958,7 @@
                     <a:p>
                       <a:pPr algn="ctr"/>
                       <a:r>
-                        <a:rPr lang="en-US" altLang="zh-CN" sz="1800" dirty="0" smtClean="0">
+                        <a:rPr lang="en-US" altLang="zh-CN" sz="1800" dirty="0">
                           <a:latin typeface="Times New Roman" panose="02020603050405020304" pitchFamily="18" charset="0"/>
                           <a:cs typeface="Times New Roman" panose="02020603050405020304" pitchFamily="18" charset="0"/>
                         </a:rPr>
@@ -10106,13 +11995,6 @@
   <p:transition>
     <p:fade/>
   </p:transition>
-  <p:timing>
-    <p:tnLst>
-      <p:par>
-        <p:cTn id="1" dur="indefinite" restart="never" nodeType="tmRoot"/>
-      </p:par>
-    </p:tnLst>
-  </p:timing>
 </p:sld>
 </file>
 
@@ -10778,16 +12660,12 @@
               <a:buChar char="u"/>
             </a:pPr>
             <a:r>
-              <a:rPr lang="en-US" altLang="zh-CN" dirty="0" smtClean="0">
+              <a:rPr lang="en-US" altLang="zh-CN" dirty="0">
                 <a:latin typeface="Times New Roman" panose="02020603050405020304" pitchFamily="18" charset="0"/>
                 <a:cs typeface="Times New Roman" panose="02020603050405020304" pitchFamily="18" charset="0"/>
               </a:rPr>
               <a:t>Dataset</a:t>
             </a:r>
-            <a:endParaRPr lang="en-US" altLang="zh-CN" dirty="0">
-              <a:latin typeface="Times New Roman" panose="02020603050405020304" pitchFamily="18" charset="0"/>
-              <a:cs typeface="Times New Roman" panose="02020603050405020304" pitchFamily="18" charset="0"/>
-            </a:endParaRPr>
           </a:p>
         </p:txBody>
       </p:sp>
@@ -10803,8 +12681,8 @@
         </p:nvSpPr>
         <p:spPr>
           <a:xfrm>
-            <a:off x="1524000" y="1349487"/>
-            <a:ext cx="9144000" cy="4766178"/>
+            <a:off x="1524000" y="1349486"/>
+            <a:ext cx="9144000" cy="4994165"/>
           </a:xfrm>
         </p:spPr>
         <p:txBody>
@@ -10823,7 +12701,7 @@
               <a:defRPr/>
             </a:pPr>
             <a:r>
-              <a:rPr lang="en-US" altLang="zh-CN" sz="2800" dirty="0" smtClean="0">
+              <a:rPr lang="en-US" altLang="zh-CN" sz="2800" dirty="0">
                 <a:latin typeface="Times New Roman" panose="02020603050405020304" pitchFamily="18" charset="0"/>
                 <a:ea typeface="MS PGothic" charset="-128"/>
                 <a:cs typeface="Times New Roman" panose="02020603050405020304" pitchFamily="18" charset="0"/>
@@ -10842,12 +12720,12 @@
               <a:defRPr/>
             </a:pPr>
             <a:r>
-              <a:rPr lang="en-US" altLang="zh-CN" sz="2800" dirty="0" smtClean="0">
+              <a:rPr lang="en-US" altLang="zh-CN" sz="2800" dirty="0">
                 <a:latin typeface="Times New Roman" panose="02020603050405020304" pitchFamily="18" charset="0"/>
                 <a:ea typeface="MS PGothic" charset="-128"/>
                 <a:cs typeface="Times New Roman" panose="02020603050405020304" pitchFamily="18" charset="0"/>
               </a:rPr>
-              <a:t>1. Some pages’ title are not English word</a:t>
+              <a:t>1. Some pages’ title are not English word or invisible word</a:t>
             </a:r>
           </a:p>
           <a:p>
@@ -10867,55 +12745,18 @@
             </a:endParaRPr>
           </a:p>
           <a:p>
-            <a:pPr marL="341313" indent="-341313" algn="l">
+            <a:pPr algn="l">
               <a:buClr>
                 <a:srgbClr val="7D2D2D"/>
               </a:buClr>
               <a:buSzPct val="78000"/>
-              <a:buFont typeface="Wingdings" panose="05000000000000000000" pitchFamily="2" charset="2"/>
-              <a:buChar char="u"/>
               <a:defRPr/>
             </a:pPr>
-            <a:endParaRPr lang="en-US" altLang="zh-CN" sz="2800" dirty="0" smtClean="0">
+            <a:endParaRPr lang="en-US" altLang="zh-CN" sz="2800" dirty="0">
               <a:latin typeface="Times New Roman" panose="02020603050405020304" pitchFamily="18" charset="0"/>
               <a:ea typeface="MS PGothic" charset="-128"/>
               <a:cs typeface="Times New Roman" panose="02020603050405020304" pitchFamily="18" charset="0"/>
             </a:endParaRPr>
-          </a:p>
-          <a:p>
-            <a:pPr marL="341313" indent="-341313" algn="l">
-              <a:buClr>
-                <a:srgbClr val="7D2D2D"/>
-              </a:buClr>
-              <a:buSzPct val="78000"/>
-              <a:buFont typeface="Wingdings" panose="05000000000000000000" pitchFamily="2" charset="2"/>
-              <a:buChar char="u"/>
-              <a:defRPr/>
-            </a:pPr>
-            <a:r>
-              <a:rPr lang="en-US" altLang="zh-CN" sz="2800" dirty="0" smtClean="0">
-                <a:latin typeface="Times New Roman" panose="02020603050405020304" pitchFamily="18" charset="0"/>
-                <a:ea typeface="MS PGothic" charset="-128"/>
-                <a:cs typeface="Times New Roman" panose="02020603050405020304" pitchFamily="18" charset="0"/>
-              </a:rPr>
-              <a:t>2. Some pages’ title seems </a:t>
-            </a:r>
-            <a:r>
-              <a:rPr lang="en-US" altLang="zh-CN" sz="2800" dirty="0">
-                <a:latin typeface="Times New Roman" panose="02020603050405020304" pitchFamily="18" charset="0"/>
-                <a:ea typeface="MS PGothic" charset="-128"/>
-                <a:cs typeface="Times New Roman" panose="02020603050405020304" pitchFamily="18" charset="0"/>
-              </a:rPr>
-              <a:t>are i</a:t>
-            </a:r>
-            <a:r>
-              <a:rPr lang="en-US" altLang="zh-CN" sz="2800" dirty="0" smtClean="0">
-                <a:latin typeface="Times New Roman" panose="02020603050405020304" pitchFamily="18" charset="0"/>
-                <a:ea typeface="MS PGothic" charset="-128"/>
-                <a:cs typeface="Times New Roman" panose="02020603050405020304" pitchFamily="18" charset="0"/>
-              </a:rPr>
-              <a:t>nvisible word</a:t>
-            </a:r>
           </a:p>
           <a:p>
             <a:pPr marL="341313" indent="-341313" algn="l">
@@ -10943,11 +12784,14 @@
               <a:buChar char="u"/>
               <a:defRPr/>
             </a:pPr>
-            <a:endParaRPr lang="en-US" altLang="zh-CN" sz="2800" dirty="0" smtClean="0">
-              <a:latin typeface="Times New Roman" panose="02020603050405020304" pitchFamily="18" charset="0"/>
-              <a:ea typeface="MS PGothic" charset="-128"/>
-              <a:cs typeface="Times New Roman" panose="02020603050405020304" pitchFamily="18" charset="0"/>
-            </a:endParaRPr>
+            <a:r>
+              <a:rPr lang="en-US" altLang="zh-CN" sz="2800" dirty="0">
+                <a:latin typeface="Times New Roman" panose="02020603050405020304" pitchFamily="18" charset="0"/>
+                <a:ea typeface="MS PGothic" charset="-128"/>
+                <a:cs typeface="Times New Roman" panose="02020603050405020304" pitchFamily="18" charset="0"/>
+              </a:rPr>
+              <a:t>2. In each timestamp, category file is about 70G, so extract from 10 files need a lot time.</a:t>
+            </a:r>
           </a:p>
           <a:p>
             <a:pPr marL="341313" indent="-341313" algn="l">
@@ -10960,42 +12804,13 @@
               <a:defRPr/>
             </a:pPr>
             <a:r>
-              <a:rPr lang="en-US" altLang="zh-CN" sz="2800" dirty="0" smtClean="0">
+              <a:rPr lang="en-US" altLang="zh-CN" sz="2800" dirty="0">
                 <a:latin typeface="Times New Roman" panose="02020603050405020304" pitchFamily="18" charset="0"/>
                 <a:ea typeface="MS PGothic" charset="-128"/>
                 <a:cs typeface="Times New Roman" panose="02020603050405020304" pitchFamily="18" charset="0"/>
               </a:rPr>
-              <a:t>3. </a:t>
+              <a:t>3. Some pages are redirect pages which are not have category information.</a:t>
             </a:r>
-            <a:r>
-              <a:rPr lang="en-US" altLang="zh-CN" sz="2800" dirty="0" smtClean="0">
-                <a:latin typeface="Times New Roman" panose="02020603050405020304" pitchFamily="18" charset="0"/>
-                <a:ea typeface="MS PGothic" charset="-128"/>
-                <a:cs typeface="Times New Roman" panose="02020603050405020304" pitchFamily="18" charset="0"/>
-              </a:rPr>
-              <a:t>In e</a:t>
-            </a:r>
-            <a:r>
-              <a:rPr lang="en-US" altLang="zh-CN" sz="2800" dirty="0" smtClean="0">
-                <a:latin typeface="Times New Roman" panose="02020603050405020304" pitchFamily="18" charset="0"/>
-                <a:ea typeface="MS PGothic" charset="-128"/>
-                <a:cs typeface="Times New Roman" panose="02020603050405020304" pitchFamily="18" charset="0"/>
-              </a:rPr>
-              <a:t>ach timestamp, category file is about 70G</a:t>
-            </a:r>
-            <a:r>
-              <a:rPr lang="en-US" altLang="zh-CN" sz="2800" dirty="0" smtClean="0">
-                <a:latin typeface="Times New Roman" panose="02020603050405020304" pitchFamily="18" charset="0"/>
-                <a:ea typeface="MS PGothic" charset="-128"/>
-                <a:cs typeface="Times New Roman" panose="02020603050405020304" pitchFamily="18" charset="0"/>
-              </a:rPr>
-              <a:t>, so extract from 10 files need a lot time.</a:t>
-            </a:r>
-            <a:endParaRPr lang="en-US" altLang="zh-CN" sz="2800" dirty="0">
-              <a:latin typeface="Times New Roman" panose="02020603050405020304" pitchFamily="18" charset="0"/>
-              <a:ea typeface="MS PGothic" charset="-128"/>
-              <a:cs typeface="Times New Roman" panose="02020603050405020304" pitchFamily="18" charset="0"/>
-            </a:endParaRPr>
           </a:p>
         </p:txBody>
       </p:sp>
@@ -11039,7 +12854,7 @@
         </p:blipFill>
         <p:spPr>
           <a:xfrm>
-            <a:off x="4648200" y="4113269"/>
+            <a:off x="4648200" y="3379844"/>
             <a:ext cx="2895600" cy="361950"/>
           </a:xfrm>
           <a:prstGeom prst="rect">
@@ -11060,13 +12875,6 @@
   <p:transition>
     <p:fade/>
   </p:transition>
-  <p:timing>
-    <p:tnLst>
-      <p:par>
-        <p:cTn id="1" dur="indefinite" restart="never" nodeType="tmRoot"/>
-      </p:par>
-    </p:tnLst>
-  </p:timing>
 </p:sld>
 </file>
 
@@ -11732,16 +13540,12 @@
               <a:buChar char="u"/>
             </a:pPr>
             <a:r>
-              <a:rPr lang="en-US" altLang="zh-CN" dirty="0" smtClean="0">
+              <a:rPr lang="en-US" altLang="zh-CN" dirty="0">
                 <a:latin typeface="Times New Roman" panose="02020603050405020304" pitchFamily="18" charset="0"/>
                 <a:cs typeface="Times New Roman" panose="02020603050405020304" pitchFamily="18" charset="0"/>
               </a:rPr>
               <a:t>Algorithm</a:t>
             </a:r>
-            <a:endParaRPr lang="en-US" altLang="zh-CN" dirty="0">
-              <a:latin typeface="Times New Roman" panose="02020603050405020304" pitchFamily="18" charset="0"/>
-              <a:cs typeface="Times New Roman" panose="02020603050405020304" pitchFamily="18" charset="0"/>
-            </a:endParaRPr>
           </a:p>
         </p:txBody>
       </p:sp>
@@ -11777,7 +13581,7 @@
               <a:defRPr/>
             </a:pPr>
             <a:r>
-              <a:rPr lang="en-US" altLang="zh-CN" sz="2800" b="1" dirty="0" smtClean="0">
+              <a:rPr lang="en-US" altLang="zh-CN" sz="2800" b="1" dirty="0">
                 <a:latin typeface="Times New Roman" panose="02020603050405020304" pitchFamily="18" charset="0"/>
                 <a:ea typeface="MS PGothic" charset="-128"/>
                 <a:cs typeface="Times New Roman" panose="02020603050405020304" pitchFamily="18" charset="0"/>
@@ -11785,14 +13589,14 @@
               <a:t>Static graph embedding</a:t>
             </a:r>
             <a:r>
-              <a:rPr lang="zh-CN" altLang="en-US" sz="2800" b="1" dirty="0" smtClean="0">
+              <a:rPr lang="zh-CN" altLang="en-US" sz="2800" b="1" dirty="0">
                 <a:latin typeface="Times New Roman" panose="02020603050405020304" pitchFamily="18" charset="0"/>
                 <a:ea typeface="MS PGothic" charset="-128"/>
                 <a:cs typeface="Times New Roman" panose="02020603050405020304" pitchFamily="18" charset="0"/>
               </a:rPr>
               <a:t>：</a:t>
             </a:r>
-            <a:endParaRPr lang="en-US" altLang="zh-CN" sz="2800" b="1" dirty="0" smtClean="0">
+            <a:endParaRPr lang="en-US" altLang="zh-CN" sz="2800" b="1" dirty="0">
               <a:latin typeface="Times New Roman" panose="02020603050405020304" pitchFamily="18" charset="0"/>
               <a:ea typeface="MS PGothic" charset="-128"/>
               <a:cs typeface="Times New Roman" panose="02020603050405020304" pitchFamily="18" charset="0"/>
@@ -11809,119 +13613,14 @@
               <a:defRPr/>
             </a:pPr>
             <a:r>
-              <a:rPr lang="en-US" altLang="zh-CN" sz="2400" dirty="0" err="1" smtClean="0">
+              <a:rPr lang="en-US" altLang="zh-CN" sz="2400" dirty="0" err="1">
                 <a:latin typeface="Times New Roman" panose="02020603050405020304" pitchFamily="18" charset="0"/>
                 <a:ea typeface="MS PGothic" charset="-128"/>
                 <a:cs typeface="Times New Roman" panose="02020603050405020304" pitchFamily="18" charset="0"/>
               </a:rPr>
               <a:t>DeepWalk</a:t>
             </a:r>
-            <a:endParaRPr lang="en-US" altLang="zh-CN" sz="2400" dirty="0" smtClean="0">
-              <a:latin typeface="Times New Roman" panose="02020603050405020304" pitchFamily="18" charset="0"/>
-              <a:ea typeface="MS PGothic" charset="-128"/>
-              <a:cs typeface="Times New Roman" panose="02020603050405020304" pitchFamily="18" charset="0"/>
-            </a:endParaRPr>
-          </a:p>
-          <a:p>
-            <a:pPr marL="798513" lvl="1" indent="-341313" algn="l">
-              <a:buClr>
-                <a:srgbClr val="7D2D2D"/>
-              </a:buClr>
-              <a:buSzPct val="78000"/>
-              <a:buFont typeface="Wingdings" panose="05000000000000000000" pitchFamily="2" charset="2"/>
-              <a:buChar char="u"/>
-              <a:defRPr/>
-            </a:pPr>
-            <a:r>
-              <a:rPr lang="en-US" altLang="zh-CN" sz="2400" dirty="0" smtClean="0">
-                <a:latin typeface="Times New Roman" panose="02020603050405020304" pitchFamily="18" charset="0"/>
-                <a:ea typeface="MS PGothic" charset="-128"/>
-                <a:cs typeface="Times New Roman" panose="02020603050405020304" pitchFamily="18" charset="0"/>
-              </a:rPr>
-              <a:t>Node2vec</a:t>
-            </a:r>
-          </a:p>
-          <a:p>
-            <a:pPr marL="798513" lvl="1" indent="-341313" algn="l">
-              <a:buClr>
-                <a:srgbClr val="7D2D2D"/>
-              </a:buClr>
-              <a:buSzPct val="78000"/>
-              <a:buFont typeface="Wingdings" panose="05000000000000000000" pitchFamily="2" charset="2"/>
-              <a:buChar char="u"/>
-              <a:defRPr/>
-            </a:pPr>
-            <a:r>
-              <a:rPr lang="en-US" altLang="zh-CN" sz="2400" dirty="0" smtClean="0">
-                <a:latin typeface="Times New Roman" panose="02020603050405020304" pitchFamily="18" charset="0"/>
-                <a:ea typeface="MS PGothic" charset="-128"/>
-                <a:cs typeface="Times New Roman" panose="02020603050405020304" pitchFamily="18" charset="0"/>
-              </a:rPr>
-              <a:t>LINE</a:t>
-            </a:r>
-          </a:p>
-          <a:p>
-            <a:pPr marL="798513" lvl="1" indent="-341313" algn="l">
-              <a:buClr>
-                <a:srgbClr val="7D2D2D"/>
-              </a:buClr>
-              <a:buSzPct val="78000"/>
-              <a:buFont typeface="Wingdings" panose="05000000000000000000" pitchFamily="2" charset="2"/>
-              <a:buChar char="u"/>
-              <a:defRPr/>
-            </a:pPr>
-            <a:r>
-              <a:rPr lang="en-US" altLang="zh-CN" sz="2400" dirty="0" smtClean="0">
-                <a:latin typeface="Times New Roman" panose="02020603050405020304" pitchFamily="18" charset="0"/>
-                <a:ea typeface="MS PGothic" charset="-128"/>
-                <a:cs typeface="Times New Roman" panose="02020603050405020304" pitchFamily="18" charset="0"/>
-              </a:rPr>
-              <a:t>SDNE</a:t>
-            </a:r>
-          </a:p>
-          <a:p>
-            <a:pPr marL="798513" lvl="1" indent="-341313" algn="l">
-              <a:buClr>
-                <a:srgbClr val="7D2D2D"/>
-              </a:buClr>
-              <a:buSzPct val="78000"/>
-              <a:buFont typeface="Wingdings" panose="05000000000000000000" pitchFamily="2" charset="2"/>
-              <a:buChar char="u"/>
-              <a:defRPr/>
-            </a:pPr>
-            <a:endParaRPr lang="en-US" altLang="zh-CN" sz="2400" dirty="0" smtClean="0">
-              <a:latin typeface="Times New Roman" panose="02020603050405020304" pitchFamily="18" charset="0"/>
-              <a:ea typeface="MS PGothic" charset="-128"/>
-              <a:cs typeface="Times New Roman" panose="02020603050405020304" pitchFamily="18" charset="0"/>
-            </a:endParaRPr>
-          </a:p>
-          <a:p>
-            <a:pPr marL="341313" indent="-341313" algn="l">
-              <a:buClr>
-                <a:srgbClr val="7D2D2D"/>
-              </a:buClr>
-              <a:buSzPct val="78000"/>
-              <a:buFont typeface="Wingdings" panose="05000000000000000000" pitchFamily="2" charset="2"/>
-              <a:buChar char="u"/>
-              <a:defRPr/>
-            </a:pPr>
-            <a:r>
-              <a:rPr lang="en-US" altLang="zh-CN" sz="2800" b="1" dirty="0" smtClean="0">
-                <a:latin typeface="Times New Roman" panose="02020603050405020304" pitchFamily="18" charset="0"/>
-                <a:ea typeface="MS PGothic" charset="-128"/>
-                <a:cs typeface="Times New Roman" panose="02020603050405020304" pitchFamily="18" charset="0"/>
-              </a:rPr>
-              <a:t>Dynamic graph embedding</a:t>
-            </a:r>
-            <a:r>
-              <a:rPr lang="zh-CN" altLang="en-US" sz="2800" b="1" dirty="0" smtClean="0">
-                <a:latin typeface="Times New Roman" panose="02020603050405020304" pitchFamily="18" charset="0"/>
-                <a:ea typeface="MS PGothic" charset="-128"/>
-                <a:cs typeface="Times New Roman" panose="02020603050405020304" pitchFamily="18" charset="0"/>
-              </a:rPr>
-              <a:t>：</a:t>
-            </a:r>
-            <a:endParaRPr lang="en-US" altLang="zh-CN" sz="2800" b="1" dirty="0" smtClean="0">
+            <a:endParaRPr lang="en-US" altLang="zh-CN" sz="2400" dirty="0">
               <a:latin typeface="Times New Roman" panose="02020603050405020304" pitchFamily="18" charset="0"/>
               <a:ea typeface="MS PGothic" charset="-128"/>
               <a:cs typeface="Times New Roman" panose="02020603050405020304" pitchFamily="18" charset="0"/>
@@ -11943,15 +13642,7 @@
                 <a:ea typeface="MS PGothic" charset="-128"/>
                 <a:cs typeface="Times New Roman" panose="02020603050405020304" pitchFamily="18" charset="0"/>
               </a:rPr>
-              <a:t>Triadic </a:t>
-            </a:r>
-            <a:r>
-              <a:rPr lang="en-US" altLang="zh-CN" sz="2400" dirty="0" smtClean="0">
-                <a:latin typeface="Times New Roman" panose="02020603050405020304" pitchFamily="18" charset="0"/>
-                <a:ea typeface="MS PGothic" charset="-128"/>
-                <a:cs typeface="Times New Roman" panose="02020603050405020304" pitchFamily="18" charset="0"/>
-              </a:rPr>
-              <a:t>closure</a:t>
+              <a:t>Node2vec</a:t>
             </a:r>
           </a:p>
           <a:p>
@@ -11965,7 +13656,112 @@
               <a:defRPr/>
             </a:pPr>
             <a:r>
-              <a:rPr lang="en-US" altLang="zh-CN" sz="2400" dirty="0" smtClean="0">
+              <a:rPr lang="en-US" altLang="zh-CN" sz="2400" dirty="0">
+                <a:latin typeface="Times New Roman" panose="02020603050405020304" pitchFamily="18" charset="0"/>
+                <a:ea typeface="MS PGothic" charset="-128"/>
+                <a:cs typeface="Times New Roman" panose="02020603050405020304" pitchFamily="18" charset="0"/>
+              </a:rPr>
+              <a:t>LINE</a:t>
+            </a:r>
+          </a:p>
+          <a:p>
+            <a:pPr marL="798513" lvl="1" indent="-341313" algn="l">
+              <a:buClr>
+                <a:srgbClr val="7D2D2D"/>
+              </a:buClr>
+              <a:buSzPct val="78000"/>
+              <a:buFont typeface="Wingdings" panose="05000000000000000000" pitchFamily="2" charset="2"/>
+              <a:buChar char="u"/>
+              <a:defRPr/>
+            </a:pPr>
+            <a:r>
+              <a:rPr lang="en-US" altLang="zh-CN" sz="2400" dirty="0">
+                <a:latin typeface="Times New Roman" panose="02020603050405020304" pitchFamily="18" charset="0"/>
+                <a:ea typeface="MS PGothic" charset="-128"/>
+                <a:cs typeface="Times New Roman" panose="02020603050405020304" pitchFamily="18" charset="0"/>
+              </a:rPr>
+              <a:t>SDNE</a:t>
+            </a:r>
+          </a:p>
+          <a:p>
+            <a:pPr marL="798513" lvl="1" indent="-341313" algn="l">
+              <a:buClr>
+                <a:srgbClr val="7D2D2D"/>
+              </a:buClr>
+              <a:buSzPct val="78000"/>
+              <a:buFont typeface="Wingdings" panose="05000000000000000000" pitchFamily="2" charset="2"/>
+              <a:buChar char="u"/>
+              <a:defRPr/>
+            </a:pPr>
+            <a:endParaRPr lang="en-US" altLang="zh-CN" sz="2400" dirty="0">
+              <a:latin typeface="Times New Roman" panose="02020603050405020304" pitchFamily="18" charset="0"/>
+              <a:ea typeface="MS PGothic" charset="-128"/>
+              <a:cs typeface="Times New Roman" panose="02020603050405020304" pitchFamily="18" charset="0"/>
+            </a:endParaRPr>
+          </a:p>
+          <a:p>
+            <a:pPr marL="341313" indent="-341313" algn="l">
+              <a:buClr>
+                <a:srgbClr val="7D2D2D"/>
+              </a:buClr>
+              <a:buSzPct val="78000"/>
+              <a:buFont typeface="Wingdings" panose="05000000000000000000" pitchFamily="2" charset="2"/>
+              <a:buChar char="u"/>
+              <a:defRPr/>
+            </a:pPr>
+            <a:r>
+              <a:rPr lang="en-US" altLang="zh-CN" sz="2800" b="1" dirty="0">
+                <a:latin typeface="Times New Roman" panose="02020603050405020304" pitchFamily="18" charset="0"/>
+                <a:ea typeface="MS PGothic" charset="-128"/>
+                <a:cs typeface="Times New Roman" panose="02020603050405020304" pitchFamily="18" charset="0"/>
+              </a:rPr>
+              <a:t>Dynamic graph embedding</a:t>
+            </a:r>
+            <a:r>
+              <a:rPr lang="zh-CN" altLang="en-US" sz="2800" b="1" dirty="0">
+                <a:latin typeface="Times New Roman" panose="02020603050405020304" pitchFamily="18" charset="0"/>
+                <a:ea typeface="MS PGothic" charset="-128"/>
+                <a:cs typeface="Times New Roman" panose="02020603050405020304" pitchFamily="18" charset="0"/>
+              </a:rPr>
+              <a:t>：</a:t>
+            </a:r>
+            <a:endParaRPr lang="en-US" altLang="zh-CN" sz="2800" b="1" dirty="0">
+              <a:latin typeface="Times New Roman" panose="02020603050405020304" pitchFamily="18" charset="0"/>
+              <a:ea typeface="MS PGothic" charset="-128"/>
+              <a:cs typeface="Times New Roman" panose="02020603050405020304" pitchFamily="18" charset="0"/>
+            </a:endParaRPr>
+          </a:p>
+          <a:p>
+            <a:pPr marL="798513" lvl="1" indent="-341313" algn="l">
+              <a:buClr>
+                <a:srgbClr val="7D2D2D"/>
+              </a:buClr>
+              <a:buSzPct val="78000"/>
+              <a:buFont typeface="Wingdings" panose="05000000000000000000" pitchFamily="2" charset="2"/>
+              <a:buChar char="u"/>
+              <a:defRPr/>
+            </a:pPr>
+            <a:r>
+              <a:rPr lang="en-US" altLang="zh-CN" sz="2400" dirty="0">
+                <a:latin typeface="Times New Roman" panose="02020603050405020304" pitchFamily="18" charset="0"/>
+                <a:ea typeface="MS PGothic" charset="-128"/>
+                <a:cs typeface="Times New Roman" panose="02020603050405020304" pitchFamily="18" charset="0"/>
+              </a:rPr>
+              <a:t>Triadic closure</a:t>
+            </a:r>
+          </a:p>
+          <a:p>
+            <a:pPr marL="798513" lvl="1" indent="-341313" algn="l">
+              <a:buClr>
+                <a:srgbClr val="7D2D2D"/>
+              </a:buClr>
+              <a:buSzPct val="78000"/>
+              <a:buFont typeface="Wingdings" panose="05000000000000000000" pitchFamily="2" charset="2"/>
+              <a:buChar char="u"/>
+              <a:defRPr/>
+            </a:pPr>
+            <a:r>
+              <a:rPr lang="en-US" altLang="zh-CN" sz="2400" dirty="0">
                 <a:latin typeface="Times New Roman" panose="02020603050405020304" pitchFamily="18" charset="0"/>
                 <a:ea typeface="MS PGothic" charset="-128"/>
                 <a:cs typeface="Times New Roman" panose="02020603050405020304" pitchFamily="18" charset="0"/>
@@ -11991,7 +13787,7 @@
               </a:rPr>
               <a:t>DynGEM</a:t>
             </a:r>
-            <a:endParaRPr lang="en-US" altLang="zh-CN" sz="2400" dirty="0" smtClean="0">
+            <a:endParaRPr lang="en-US" altLang="zh-CN" sz="2400" dirty="0">
               <a:latin typeface="Times New Roman" panose="02020603050405020304" pitchFamily="18" charset="0"/>
               <a:ea typeface="MS PGothic" charset="-128"/>
               <a:cs typeface="Times New Roman" panose="02020603050405020304" pitchFamily="18" charset="0"/>
@@ -12006,7 +13802,7 @@
               <a:buAutoNum type="arabicPeriod"/>
               <a:defRPr/>
             </a:pPr>
-            <a:endParaRPr lang="en-US" altLang="zh-CN" sz="2800" b="1" dirty="0" smtClean="0">
+            <a:endParaRPr lang="en-US" altLang="zh-CN" sz="2800" b="1" dirty="0">
               <a:latin typeface="Times New Roman" panose="02020603050405020304" pitchFamily="18" charset="0"/>
               <a:ea typeface="MS PGothic" charset="-128"/>
               <a:cs typeface="Times New Roman" panose="02020603050405020304" pitchFamily="18" charset="0"/>
@@ -12027,13 +13823,6 @@
   <p:transition>
     <p:fade/>
   </p:transition>
-  <p:timing>
-    <p:tnLst>
-      <p:par>
-        <p:cTn id="1" dur="indefinite" restart="never" nodeType="tmRoot"/>
-      </p:par>
-    </p:tnLst>
-  </p:timing>
 </p:sld>
 </file>
 
@@ -12699,16 +14488,12 @@
               <a:buChar char="u"/>
             </a:pPr>
             <a:r>
-              <a:rPr lang="en-US" altLang="zh-CN" dirty="0" smtClean="0">
+              <a:rPr lang="en-US" altLang="zh-CN" dirty="0">
                 <a:latin typeface="Times New Roman" panose="02020603050405020304" pitchFamily="18" charset="0"/>
                 <a:cs typeface="Times New Roman" panose="02020603050405020304" pitchFamily="18" charset="0"/>
               </a:rPr>
               <a:t>Algorithm</a:t>
             </a:r>
-            <a:endParaRPr lang="en-US" altLang="zh-CN" dirty="0">
-              <a:latin typeface="Times New Roman" panose="02020603050405020304" pitchFamily="18" charset="0"/>
-              <a:cs typeface="Times New Roman" panose="02020603050405020304" pitchFamily="18" charset="0"/>
-            </a:endParaRPr>
           </a:p>
         </p:txBody>
       </p:sp>
@@ -12725,7 +14510,7 @@
         <p:spPr>
           <a:xfrm>
             <a:off x="1524000" y="1349487"/>
-            <a:ext cx="6813755" cy="4192796"/>
+            <a:ext cx="9144000" cy="4192796"/>
           </a:xfrm>
         </p:spPr>
         <p:txBody>
@@ -12744,160 +14529,12 @@
               <a:defRPr/>
             </a:pPr>
             <a:r>
-              <a:rPr lang="en-US" altLang="zh-CN" sz="2800" b="1" dirty="0" smtClean="0">
+              <a:rPr lang="en-US" altLang="zh-CN" sz="2800" b="1" dirty="0">
                 <a:latin typeface="Times New Roman" panose="02020603050405020304" pitchFamily="18" charset="0"/>
                 <a:ea typeface="MS PGothic" charset="-128"/>
                 <a:cs typeface="Times New Roman" panose="02020603050405020304" pitchFamily="18" charset="0"/>
               </a:rPr>
-              <a:t>Node2vec:</a:t>
-            </a:r>
-          </a:p>
-          <a:p>
-            <a:pPr marL="514350" indent="-514350" algn="l">
-              <a:buClr>
-                <a:srgbClr val="7D2D2D"/>
-              </a:buClr>
-              <a:buSzPct val="78000"/>
-              <a:buAutoNum type="arabicPeriod"/>
-              <a:defRPr/>
-            </a:pPr>
-            <a:r>
-              <a:rPr lang="en-US" altLang="zh-CN" sz="2800" dirty="0" smtClean="0">
-                <a:latin typeface="Times New Roman" panose="02020603050405020304" pitchFamily="18" charset="0"/>
-                <a:ea typeface="MS PGothic" charset="-128"/>
-                <a:cs typeface="Times New Roman" panose="02020603050405020304" pitchFamily="18" charset="0"/>
-              </a:rPr>
-              <a:t>Create alias </a:t>
-            </a:r>
-            <a:r>
-              <a:rPr lang="en-US" altLang="zh-CN" sz="2800" dirty="0">
-                <a:latin typeface="Times New Roman" panose="02020603050405020304" pitchFamily="18" charset="0"/>
-                <a:ea typeface="MS PGothic" charset="-128"/>
-                <a:cs typeface="Times New Roman" panose="02020603050405020304" pitchFamily="18" charset="0"/>
-              </a:rPr>
-              <a:t>table (reduce </a:t>
-            </a:r>
-            <a:r>
-              <a:rPr lang="en-US" altLang="zh-CN" sz="2800" dirty="0" smtClean="0">
-                <a:latin typeface="Times New Roman" panose="02020603050405020304" pitchFamily="18" charset="0"/>
-                <a:ea typeface="MS PGothic" charset="-128"/>
-                <a:cs typeface="Times New Roman" panose="02020603050405020304" pitchFamily="18" charset="0"/>
-              </a:rPr>
-              <a:t>time </a:t>
-            </a:r>
-            <a:r>
-              <a:rPr lang="en-US" altLang="zh-CN" sz="2800" dirty="0">
-                <a:latin typeface="Times New Roman" panose="02020603050405020304" pitchFamily="18" charset="0"/>
-                <a:ea typeface="MS PGothic" charset="-128"/>
-                <a:cs typeface="Times New Roman" panose="02020603050405020304" pitchFamily="18" charset="0"/>
-              </a:rPr>
-              <a:t>complexity</a:t>
-            </a:r>
-            <a:r>
-              <a:rPr lang="en-US" altLang="zh-CN" sz="2800" dirty="0" smtClean="0">
-                <a:latin typeface="Times New Roman" panose="02020603050405020304" pitchFamily="18" charset="0"/>
-                <a:ea typeface="MS PGothic" charset="-128"/>
-                <a:cs typeface="Times New Roman" panose="02020603050405020304" pitchFamily="18" charset="0"/>
-              </a:rPr>
-              <a:t>) for </a:t>
-            </a:r>
-            <a:r>
-              <a:rPr lang="en-US" altLang="zh-CN" sz="2800" dirty="0">
-                <a:latin typeface="Times New Roman" panose="02020603050405020304" pitchFamily="18" charset="0"/>
-                <a:ea typeface="MS PGothic" charset="-128"/>
-                <a:cs typeface="Times New Roman" panose="02020603050405020304" pitchFamily="18" charset="0"/>
-              </a:rPr>
-              <a:t>each </a:t>
-            </a:r>
-            <a:r>
-              <a:rPr lang="en-US" altLang="zh-CN" sz="2800" dirty="0" smtClean="0">
-                <a:latin typeface="Times New Roman" panose="02020603050405020304" pitchFamily="18" charset="0"/>
-                <a:ea typeface="MS PGothic" charset="-128"/>
-                <a:cs typeface="Times New Roman" panose="02020603050405020304" pitchFamily="18" charset="0"/>
-              </a:rPr>
-              <a:t>node. (e.g. </a:t>
-            </a:r>
-            <a:r>
-              <a:rPr lang="en-US" altLang="zh-CN" sz="2800" dirty="0" err="1" smtClean="0">
-                <a:latin typeface="Times New Roman" panose="02020603050405020304" pitchFamily="18" charset="0"/>
-                <a:ea typeface="MS PGothic" charset="-128"/>
-                <a:cs typeface="Times New Roman" panose="02020603050405020304" pitchFamily="18" charset="0"/>
-              </a:rPr>
-              <a:t>Pr</a:t>
-            </a:r>
-            <a:r>
-              <a:rPr lang="en-US" altLang="zh-CN" sz="2800" dirty="0" smtClean="0">
-                <a:latin typeface="Times New Roman" panose="02020603050405020304" pitchFamily="18" charset="0"/>
-                <a:ea typeface="MS PGothic" charset="-128"/>
-                <a:cs typeface="Times New Roman" panose="02020603050405020304" pitchFamily="18" charset="0"/>
-              </a:rPr>
-              <a:t>(v))</a:t>
-            </a:r>
-          </a:p>
-          <a:p>
-            <a:pPr marL="514350" indent="-514350" algn="l">
-              <a:buClr>
-                <a:srgbClr val="7D2D2D"/>
-              </a:buClr>
-              <a:buSzPct val="78000"/>
-              <a:buAutoNum type="arabicPeriod"/>
-              <a:defRPr/>
-            </a:pPr>
-            <a:r>
-              <a:rPr lang="en-US" altLang="zh-CN" sz="2800" dirty="0" smtClean="0">
-                <a:latin typeface="Times New Roman" panose="02020603050405020304" pitchFamily="18" charset="0"/>
-                <a:ea typeface="MS PGothic" charset="-128"/>
-                <a:cs typeface="Times New Roman" panose="02020603050405020304" pitchFamily="18" charset="0"/>
-              </a:rPr>
-              <a:t>Create alias table for link. (e.g. </a:t>
-            </a:r>
-            <a:r>
-              <a:rPr lang="en-US" altLang="zh-CN" sz="2800" dirty="0" err="1" smtClean="0">
-                <a:latin typeface="Times New Roman" panose="02020603050405020304" pitchFamily="18" charset="0"/>
-                <a:ea typeface="MS PGothic" charset="-128"/>
-                <a:cs typeface="Times New Roman" panose="02020603050405020304" pitchFamily="18" charset="0"/>
-              </a:rPr>
-              <a:t>Pr</a:t>
-            </a:r>
-            <a:r>
-              <a:rPr lang="en-US" altLang="zh-CN" sz="2800" dirty="0" smtClean="0">
-                <a:latin typeface="Times New Roman" panose="02020603050405020304" pitchFamily="18" charset="0"/>
-                <a:ea typeface="MS PGothic" charset="-128"/>
-                <a:cs typeface="Times New Roman" panose="02020603050405020304" pitchFamily="18" charset="0"/>
-              </a:rPr>
-              <a:t>(v to t), </a:t>
-            </a:r>
-            <a:r>
-              <a:rPr lang="en-US" altLang="zh-CN" sz="2800" dirty="0" err="1" smtClean="0">
-                <a:latin typeface="Times New Roman" panose="02020603050405020304" pitchFamily="18" charset="0"/>
-                <a:ea typeface="MS PGothic" charset="-128"/>
-                <a:cs typeface="Times New Roman" panose="02020603050405020304" pitchFamily="18" charset="0"/>
-              </a:rPr>
-              <a:t>Pr</a:t>
-            </a:r>
-            <a:r>
-              <a:rPr lang="en-US" altLang="zh-CN" sz="2800" dirty="0" smtClean="0">
-                <a:latin typeface="Times New Roman" panose="02020603050405020304" pitchFamily="18" charset="0"/>
-                <a:ea typeface="MS PGothic" charset="-128"/>
-                <a:cs typeface="Times New Roman" panose="02020603050405020304" pitchFamily="18" charset="0"/>
-              </a:rPr>
-              <a:t>(v to x1), </a:t>
-            </a:r>
-            <a:r>
-              <a:rPr lang="en-US" altLang="zh-CN" sz="2800" dirty="0" err="1" smtClean="0">
-                <a:latin typeface="Times New Roman" panose="02020603050405020304" pitchFamily="18" charset="0"/>
-                <a:ea typeface="MS PGothic" charset="-128"/>
-                <a:cs typeface="Times New Roman" panose="02020603050405020304" pitchFamily="18" charset="0"/>
-              </a:rPr>
-              <a:t>Pr</a:t>
-            </a:r>
-            <a:r>
-              <a:rPr lang="en-US" altLang="zh-CN" sz="2800" dirty="0" smtClean="0">
-                <a:latin typeface="Times New Roman" panose="02020603050405020304" pitchFamily="18" charset="0"/>
-                <a:ea typeface="MS PGothic" charset="-128"/>
-                <a:cs typeface="Times New Roman" panose="02020603050405020304" pitchFamily="18" charset="0"/>
-              </a:rPr>
-              <a:t>(v to x2))</a:t>
+              <a:t>SDNE:</a:t>
             </a:r>
           </a:p>
           <a:p>
@@ -12915,47 +14552,7 @@
                 <a:ea typeface="MS PGothic" charset="-128"/>
                 <a:cs typeface="Times New Roman" panose="02020603050405020304" pitchFamily="18" charset="0"/>
               </a:rPr>
-              <a:t>Start with each node </a:t>
-            </a:r>
-            <a:r>
-              <a:rPr lang="en-US" altLang="zh-CN" sz="2800" dirty="0" smtClean="0">
-                <a:latin typeface="Times New Roman" panose="02020603050405020304" pitchFamily="18" charset="0"/>
-                <a:ea typeface="MS PGothic" charset="-128"/>
-                <a:cs typeface="Times New Roman" panose="02020603050405020304" pitchFamily="18" charset="0"/>
-              </a:rPr>
-              <a:t>many times </a:t>
-            </a:r>
-            <a:r>
-              <a:rPr lang="en-US" altLang="zh-CN" sz="2800" dirty="0">
-                <a:latin typeface="Times New Roman" panose="02020603050405020304" pitchFamily="18" charset="0"/>
-                <a:ea typeface="MS PGothic" charset="-128"/>
-                <a:cs typeface="Times New Roman" panose="02020603050405020304" pitchFamily="18" charset="0"/>
-              </a:rPr>
-              <a:t>with the maximum length </a:t>
-            </a:r>
-            <a:r>
-              <a:rPr lang="en-US" altLang="zh-CN" sz="2800" dirty="0" err="1">
-                <a:latin typeface="Times New Roman" panose="02020603050405020304" pitchFamily="18" charset="0"/>
-                <a:ea typeface="MS PGothic" charset="-128"/>
-                <a:cs typeface="Times New Roman" panose="02020603050405020304" pitchFamily="18" charset="0"/>
-              </a:rPr>
-              <a:t>randomwalk</a:t>
-            </a:r>
-            <a:r>
-              <a:rPr lang="en-US" altLang="zh-CN" sz="2800" dirty="0">
-                <a:latin typeface="Times New Roman" panose="02020603050405020304" pitchFamily="18" charset="0"/>
-                <a:ea typeface="MS PGothic" charset="-128"/>
-                <a:cs typeface="Times New Roman" panose="02020603050405020304" pitchFamily="18" charset="0"/>
-              </a:rPr>
-              <a:t> </a:t>
-            </a:r>
-            <a:r>
-              <a:rPr lang="en-US" altLang="zh-CN" sz="2800" dirty="0" smtClean="0">
-                <a:latin typeface="Times New Roman" panose="02020603050405020304" pitchFamily="18" charset="0"/>
-                <a:ea typeface="MS PGothic" charset="-128"/>
-                <a:cs typeface="Times New Roman" panose="02020603050405020304" pitchFamily="18" charset="0"/>
-              </a:rPr>
-              <a:t>length.</a:t>
+              <a:t>Generate graph adjacency matrix A and Laplacian matrix L.</a:t>
             </a:r>
           </a:p>
           <a:p>
@@ -12973,15 +14570,15 @@
                 <a:ea typeface="MS PGothic" charset="-128"/>
                 <a:cs typeface="Times New Roman" panose="02020603050405020304" pitchFamily="18" charset="0"/>
               </a:rPr>
-              <a:t>Use Word2Vec </a:t>
+              <a:t>Build neural network, the input is [A, L] with several fully connect layers, the middle layer’s output treated as Y,</a:t>
             </a:r>
             <a:r>
-              <a:rPr lang="en-US" altLang="zh-CN" sz="2800" dirty="0" smtClean="0">
+              <a:rPr lang="zh-CN" altLang="en-US" sz="2800" dirty="0">
                 <a:latin typeface="Times New Roman" panose="02020603050405020304" pitchFamily="18" charset="0"/>
                 <a:ea typeface="MS PGothic" charset="-128"/>
                 <a:cs typeface="Times New Roman" panose="02020603050405020304" pitchFamily="18" charset="0"/>
               </a:rPr>
-              <a:t>to </a:t>
+              <a:t> </a:t>
             </a:r>
             <a:r>
               <a:rPr lang="en-US" altLang="zh-CN" sz="2800" dirty="0">
@@ -12989,15 +14586,15 @@
                 <a:ea typeface="MS PGothic" charset="-128"/>
                 <a:cs typeface="Times New Roman" panose="02020603050405020304" pitchFamily="18" charset="0"/>
               </a:rPr>
-              <a:t>train the sentences </a:t>
+              <a:t>and the end of network output is A’,</a:t>
             </a:r>
             <a:r>
-              <a:rPr lang="en-US" altLang="zh-CN" sz="2800" dirty="0" smtClean="0">
+              <a:rPr lang="zh-CN" altLang="en-US" sz="2800" dirty="0">
                 <a:latin typeface="Times New Roman" panose="02020603050405020304" pitchFamily="18" charset="0"/>
                 <a:ea typeface="MS PGothic" charset="-128"/>
                 <a:cs typeface="Times New Roman" panose="02020603050405020304" pitchFamily="18" charset="0"/>
               </a:rPr>
-              <a:t>and get vector </a:t>
+              <a:t> </a:t>
             </a:r>
             <a:r>
               <a:rPr lang="en-US" altLang="zh-CN" sz="2800" dirty="0">
@@ -13005,15 +14602,7 @@
                 <a:ea typeface="MS PGothic" charset="-128"/>
                 <a:cs typeface="Times New Roman" panose="02020603050405020304" pitchFamily="18" charset="0"/>
               </a:rPr>
-              <a:t>for each </a:t>
-            </a:r>
-            <a:r>
-              <a:rPr lang="en-US" altLang="zh-CN" sz="2800" dirty="0" smtClean="0">
-                <a:latin typeface="Times New Roman" panose="02020603050405020304" pitchFamily="18" charset="0"/>
-                <a:ea typeface="MS PGothic" charset="-128"/>
-                <a:cs typeface="Times New Roman" panose="02020603050405020304" pitchFamily="18" charset="0"/>
-              </a:rPr>
-              <a:t>node.</a:t>
+              <a:t>the loss function is between [A, L] and [A’,Y]</a:t>
             </a:r>
           </a:p>
           <a:p>
@@ -13025,7 +14614,25 @@
               <a:buAutoNum type="arabicPeriod"/>
               <a:defRPr/>
             </a:pPr>
-            <a:endParaRPr lang="en-US" altLang="zh-CN" sz="2800" b="1" dirty="0" smtClean="0">
+            <a:r>
+              <a:rPr lang="en-US" altLang="zh-CN" sz="2800" dirty="0">
+                <a:latin typeface="Times New Roman" panose="02020603050405020304" pitchFamily="18" charset="0"/>
+                <a:ea typeface="MS PGothic" charset="-128"/>
+                <a:cs typeface="Times New Roman" panose="02020603050405020304" pitchFamily="18" charset="0"/>
+              </a:rPr>
+              <a:t>After training, Y is the each node representation vector.</a:t>
+            </a:r>
+          </a:p>
+          <a:p>
+            <a:pPr marL="514350" indent="-514350" algn="l">
+              <a:buClr>
+                <a:srgbClr val="7D2D2D"/>
+              </a:buClr>
+              <a:buSzPct val="78000"/>
+              <a:buAutoNum type="arabicPeriod"/>
+              <a:defRPr/>
+            </a:pPr>
+            <a:endParaRPr lang="en-US" altLang="zh-CN" sz="2800" b="1" dirty="0">
               <a:latin typeface="Times New Roman" panose="02020603050405020304" pitchFamily="18" charset="0"/>
               <a:ea typeface="MS PGothic" charset="-128"/>
               <a:cs typeface="Times New Roman" panose="02020603050405020304" pitchFamily="18" charset="0"/>
@@ -13075,59 +14682,15 @@
                 <a:latin typeface="Arial" panose="020B0604020202020204" pitchFamily="34" charset="0"/>
                 <a:cs typeface="Arial" panose="020B0604020202020204" pitchFamily="34" charset="0"/>
               </a:rPr>
-              <a:t>Grover, A., &amp; </a:t>
-            </a:r>
-            <a:r>
-              <a:rPr lang="en-US" altLang="zh-CN" sz="1100" dirty="0" err="1">
-                <a:latin typeface="Arial" panose="020B0604020202020204" pitchFamily="34" charset="0"/>
-                <a:cs typeface="Arial" panose="020B0604020202020204" pitchFamily="34" charset="0"/>
-              </a:rPr>
-              <a:t>Leskovec</a:t>
-            </a:r>
-            <a:r>
-              <a:rPr lang="en-US" altLang="zh-CN" sz="1100" dirty="0">
-                <a:latin typeface="Arial" panose="020B0604020202020204" pitchFamily="34" charset="0"/>
-                <a:cs typeface="Arial" panose="020B0604020202020204" pitchFamily="34" charset="0"/>
-              </a:rPr>
-              <a:t>, J. (2016, August). node2vec: Scalable feature learning for networks. In Proceedings of the 22nd ACM SIGKDD international conference on Knowledge discovery and data mining (pp. 855-864).</a:t>
+              <a:t>Wang, D., Cui, P., &amp; Zhu, W. (2016, August). Structural deep network embedding. In Proceedings of the 22nd ACM SIGKDD international conference on Knowledge discovery and data mining (pp. 1225-1234).</a:t>
             </a:r>
           </a:p>
         </p:txBody>
       </p:sp>
-      <p:pic>
-        <p:nvPicPr>
-          <p:cNvPr id="2" name="图片 1"/>
-          <p:cNvPicPr>
-            <a:picLocks noChangeAspect="1"/>
-          </p:cNvPicPr>
-          <p:nvPr/>
-        </p:nvPicPr>
-        <p:blipFill>
-          <a:blip r:embed="rId4">
-            <a:extLst>
-              <a:ext uri="{28A0092B-C50C-407E-A947-70E740481C1C}">
-                <a14:useLocalDpi xmlns:a14="http://schemas.microsoft.com/office/drawing/2010/main" val="0"/>
-              </a:ext>
-            </a:extLst>
-          </a:blip>
-          <a:stretch>
-            <a:fillRect/>
-          </a:stretch>
-        </p:blipFill>
-        <p:spPr>
-          <a:xfrm>
-            <a:off x="8337755" y="2267534"/>
-            <a:ext cx="2827265" cy="1988992"/>
-          </a:xfrm>
-          <a:prstGeom prst="rect">
-            <a:avLst/>
-          </a:prstGeom>
-        </p:spPr>
-      </p:pic>
     </p:spTree>
     <p:extLst>
       <p:ext uri="{BB962C8B-B14F-4D97-AF65-F5344CB8AC3E}">
-        <p14:creationId xmlns:p14="http://schemas.microsoft.com/office/powerpoint/2010/main" val="3391587275"/>
+        <p14:creationId xmlns:p14="http://schemas.microsoft.com/office/powerpoint/2010/main" val="2134203117"/>
       </p:ext>
     </p:extLst>
   </p:cSld>
@@ -13137,13 +14700,6 @@
   <p:transition>
     <p:fade/>
   </p:transition>
-  <p:timing>
-    <p:tnLst>
-      <p:par>
-        <p:cTn id="1" dur="indefinite" restart="never" nodeType="tmRoot"/>
-      </p:par>
-    </p:tnLst>
-  </p:timing>
 </p:sld>
 </file>
 
@@ -13809,16 +15365,12 @@
               <a:buChar char="u"/>
             </a:pPr>
             <a:r>
-              <a:rPr lang="en-US" altLang="zh-CN" dirty="0" smtClean="0">
+              <a:rPr lang="en-US" altLang="zh-CN" dirty="0">
                 <a:latin typeface="Times New Roman" panose="02020603050405020304" pitchFamily="18" charset="0"/>
                 <a:cs typeface="Times New Roman" panose="02020603050405020304" pitchFamily="18" charset="0"/>
               </a:rPr>
               <a:t>Algorithm</a:t>
             </a:r>
-            <a:endParaRPr lang="en-US" altLang="zh-CN" dirty="0">
-              <a:latin typeface="Times New Roman" panose="02020603050405020304" pitchFamily="18" charset="0"/>
-              <a:cs typeface="Times New Roman" panose="02020603050405020304" pitchFamily="18" charset="0"/>
-            </a:endParaRPr>
           </a:p>
         </p:txBody>
       </p:sp>
@@ -13854,165 +15406,12 @@
               <a:defRPr/>
             </a:pPr>
             <a:r>
-              <a:rPr lang="en-US" altLang="zh-CN" sz="2800" b="1" dirty="0" smtClean="0">
+              <a:rPr lang="en-US" altLang="zh-CN" sz="2800" b="1" dirty="0">
                 <a:latin typeface="Times New Roman" panose="02020603050405020304" pitchFamily="18" charset="0"/>
                 <a:ea typeface="MS PGothic" charset="-128"/>
                 <a:cs typeface="Times New Roman" panose="02020603050405020304" pitchFamily="18" charset="0"/>
               </a:rPr>
               <a:t>CTDNE:</a:t>
-            </a:r>
-            <a:endParaRPr lang="en-US" altLang="zh-CN" sz="2800" b="1" dirty="0" smtClean="0">
-              <a:latin typeface="Times New Roman" panose="02020603050405020304" pitchFamily="18" charset="0"/>
-              <a:ea typeface="MS PGothic" charset="-128"/>
-              <a:cs typeface="Times New Roman" panose="02020603050405020304" pitchFamily="18" charset="0"/>
-            </a:endParaRPr>
-          </a:p>
-          <a:p>
-            <a:pPr marL="514350" indent="-514350" algn="l">
-              <a:buClr>
-                <a:srgbClr val="7D2D2D"/>
-              </a:buClr>
-              <a:buSzPct val="78000"/>
-              <a:buAutoNum type="arabicPeriod"/>
-              <a:defRPr/>
-            </a:pPr>
-            <a:r>
-              <a:rPr lang="en-US" altLang="zh-CN" sz="2800" dirty="0" smtClean="0">
-                <a:latin typeface="Times New Roman" panose="02020603050405020304" pitchFamily="18" charset="0"/>
-                <a:ea typeface="MS PGothic" charset="-128"/>
-                <a:cs typeface="Times New Roman" panose="02020603050405020304" pitchFamily="18" charset="0"/>
-              </a:rPr>
-              <a:t>Create alias </a:t>
-            </a:r>
-            <a:r>
-              <a:rPr lang="en-US" altLang="zh-CN" sz="2800" dirty="0">
-                <a:latin typeface="Times New Roman" panose="02020603050405020304" pitchFamily="18" charset="0"/>
-                <a:ea typeface="MS PGothic" charset="-128"/>
-                <a:cs typeface="Times New Roman" panose="02020603050405020304" pitchFamily="18" charset="0"/>
-              </a:rPr>
-              <a:t>table (reduce </a:t>
-            </a:r>
-            <a:r>
-              <a:rPr lang="en-US" altLang="zh-CN" sz="2800" dirty="0" smtClean="0">
-                <a:latin typeface="Times New Roman" panose="02020603050405020304" pitchFamily="18" charset="0"/>
-                <a:ea typeface="MS PGothic" charset="-128"/>
-                <a:cs typeface="Times New Roman" panose="02020603050405020304" pitchFamily="18" charset="0"/>
-              </a:rPr>
-              <a:t>time </a:t>
-            </a:r>
-            <a:r>
-              <a:rPr lang="en-US" altLang="zh-CN" sz="2800" dirty="0">
-                <a:latin typeface="Times New Roman" panose="02020603050405020304" pitchFamily="18" charset="0"/>
-                <a:ea typeface="MS PGothic" charset="-128"/>
-                <a:cs typeface="Times New Roman" panose="02020603050405020304" pitchFamily="18" charset="0"/>
-              </a:rPr>
-              <a:t>complexity</a:t>
-            </a:r>
-            <a:r>
-              <a:rPr lang="en-US" altLang="zh-CN" sz="2800" dirty="0" smtClean="0">
-                <a:latin typeface="Times New Roman" panose="02020603050405020304" pitchFamily="18" charset="0"/>
-                <a:ea typeface="MS PGothic" charset="-128"/>
-                <a:cs typeface="Times New Roman" panose="02020603050405020304" pitchFamily="18" charset="0"/>
-              </a:rPr>
-              <a:t>) for </a:t>
-            </a:r>
-            <a:r>
-              <a:rPr lang="en-US" altLang="zh-CN" sz="2800" dirty="0">
-                <a:latin typeface="Times New Roman" panose="02020603050405020304" pitchFamily="18" charset="0"/>
-                <a:ea typeface="MS PGothic" charset="-128"/>
-                <a:cs typeface="Times New Roman" panose="02020603050405020304" pitchFamily="18" charset="0"/>
-              </a:rPr>
-              <a:t>each </a:t>
-            </a:r>
-            <a:r>
-              <a:rPr lang="en-US" altLang="zh-CN" sz="2800" dirty="0" smtClean="0">
-                <a:latin typeface="Times New Roman" panose="02020603050405020304" pitchFamily="18" charset="0"/>
-                <a:ea typeface="MS PGothic" charset="-128"/>
-                <a:cs typeface="Times New Roman" panose="02020603050405020304" pitchFamily="18" charset="0"/>
-              </a:rPr>
-              <a:t>node. (e.g. </a:t>
-            </a:r>
-            <a:r>
-              <a:rPr lang="en-US" altLang="zh-CN" sz="2800" dirty="0" err="1" smtClean="0">
-                <a:latin typeface="Times New Roman" panose="02020603050405020304" pitchFamily="18" charset="0"/>
-                <a:ea typeface="MS PGothic" charset="-128"/>
-                <a:cs typeface="Times New Roman" panose="02020603050405020304" pitchFamily="18" charset="0"/>
-              </a:rPr>
-              <a:t>Pr</a:t>
-            </a:r>
-            <a:r>
-              <a:rPr lang="en-US" altLang="zh-CN" sz="2800" dirty="0" smtClean="0">
-                <a:latin typeface="Times New Roman" panose="02020603050405020304" pitchFamily="18" charset="0"/>
-                <a:ea typeface="MS PGothic" charset="-128"/>
-                <a:cs typeface="Times New Roman" panose="02020603050405020304" pitchFamily="18" charset="0"/>
-              </a:rPr>
-              <a:t>(v))</a:t>
-            </a:r>
-          </a:p>
-          <a:p>
-            <a:pPr marL="514350" indent="-514350" algn="l">
-              <a:buClr>
-                <a:srgbClr val="7D2D2D"/>
-              </a:buClr>
-              <a:buSzPct val="78000"/>
-              <a:buAutoNum type="arabicPeriod"/>
-              <a:defRPr/>
-            </a:pPr>
-            <a:r>
-              <a:rPr lang="en-US" altLang="zh-CN" sz="2800" dirty="0" smtClean="0">
-                <a:latin typeface="Times New Roman" panose="02020603050405020304" pitchFamily="18" charset="0"/>
-                <a:ea typeface="MS PGothic" charset="-128"/>
-                <a:cs typeface="Times New Roman" panose="02020603050405020304" pitchFamily="18" charset="0"/>
-              </a:rPr>
-              <a:t>Create alias table for link. (e.g. </a:t>
-            </a:r>
-            <a:r>
-              <a:rPr lang="en-US" altLang="zh-CN" sz="2800" dirty="0" err="1" smtClean="0">
-                <a:latin typeface="Times New Roman" panose="02020603050405020304" pitchFamily="18" charset="0"/>
-                <a:ea typeface="MS PGothic" charset="-128"/>
-                <a:cs typeface="Times New Roman" panose="02020603050405020304" pitchFamily="18" charset="0"/>
-              </a:rPr>
-              <a:t>Pr</a:t>
-            </a:r>
-            <a:r>
-              <a:rPr lang="en-US" altLang="zh-CN" sz="2800" dirty="0" smtClean="0">
-                <a:latin typeface="Times New Roman" panose="02020603050405020304" pitchFamily="18" charset="0"/>
-                <a:ea typeface="MS PGothic" charset="-128"/>
-                <a:cs typeface="Times New Roman" panose="02020603050405020304" pitchFamily="18" charset="0"/>
-              </a:rPr>
-              <a:t>(v to t), </a:t>
-            </a:r>
-            <a:r>
-              <a:rPr lang="en-US" altLang="zh-CN" sz="2800" dirty="0" err="1" smtClean="0">
-                <a:latin typeface="Times New Roman" panose="02020603050405020304" pitchFamily="18" charset="0"/>
-                <a:ea typeface="MS PGothic" charset="-128"/>
-                <a:cs typeface="Times New Roman" panose="02020603050405020304" pitchFamily="18" charset="0"/>
-              </a:rPr>
-              <a:t>Pr</a:t>
-            </a:r>
-            <a:r>
-              <a:rPr lang="en-US" altLang="zh-CN" sz="2800" dirty="0" smtClean="0">
-                <a:latin typeface="Times New Roman" panose="02020603050405020304" pitchFamily="18" charset="0"/>
-                <a:ea typeface="MS PGothic" charset="-128"/>
-                <a:cs typeface="Times New Roman" panose="02020603050405020304" pitchFamily="18" charset="0"/>
-              </a:rPr>
-              <a:t>(v to x1), </a:t>
-            </a:r>
-            <a:r>
-              <a:rPr lang="en-US" altLang="zh-CN" sz="2800" dirty="0" err="1" smtClean="0">
-                <a:latin typeface="Times New Roman" panose="02020603050405020304" pitchFamily="18" charset="0"/>
-                <a:ea typeface="MS PGothic" charset="-128"/>
-                <a:cs typeface="Times New Roman" panose="02020603050405020304" pitchFamily="18" charset="0"/>
-              </a:rPr>
-              <a:t>Pr</a:t>
-            </a:r>
-            <a:r>
-              <a:rPr lang="en-US" altLang="zh-CN" sz="2800" dirty="0" smtClean="0">
-                <a:latin typeface="Times New Roman" panose="02020603050405020304" pitchFamily="18" charset="0"/>
-                <a:ea typeface="MS PGothic" charset="-128"/>
-                <a:cs typeface="Times New Roman" panose="02020603050405020304" pitchFamily="18" charset="0"/>
-              </a:rPr>
-              <a:t>(v to x2))</a:t>
             </a:r>
           </a:p>
           <a:p>
@@ -14030,47 +15429,7 @@
                 <a:ea typeface="MS PGothic" charset="-128"/>
                 <a:cs typeface="Times New Roman" panose="02020603050405020304" pitchFamily="18" charset="0"/>
               </a:rPr>
-              <a:t>Start with each node </a:t>
-            </a:r>
-            <a:r>
-              <a:rPr lang="en-US" altLang="zh-CN" sz="2800" dirty="0" smtClean="0">
-                <a:latin typeface="Times New Roman" panose="02020603050405020304" pitchFamily="18" charset="0"/>
-                <a:ea typeface="MS PGothic" charset="-128"/>
-                <a:cs typeface="Times New Roman" panose="02020603050405020304" pitchFamily="18" charset="0"/>
-              </a:rPr>
-              <a:t>many times </a:t>
-            </a:r>
-            <a:r>
-              <a:rPr lang="en-US" altLang="zh-CN" sz="2800" dirty="0">
-                <a:latin typeface="Times New Roman" panose="02020603050405020304" pitchFamily="18" charset="0"/>
-                <a:ea typeface="MS PGothic" charset="-128"/>
-                <a:cs typeface="Times New Roman" panose="02020603050405020304" pitchFamily="18" charset="0"/>
-              </a:rPr>
-              <a:t>with the maximum length </a:t>
-            </a:r>
-            <a:r>
-              <a:rPr lang="en-US" altLang="zh-CN" sz="2800" dirty="0" err="1">
-                <a:latin typeface="Times New Roman" panose="02020603050405020304" pitchFamily="18" charset="0"/>
-                <a:ea typeface="MS PGothic" charset="-128"/>
-                <a:cs typeface="Times New Roman" panose="02020603050405020304" pitchFamily="18" charset="0"/>
-              </a:rPr>
-              <a:t>randomwalk</a:t>
-            </a:r>
-            <a:r>
-              <a:rPr lang="en-US" altLang="zh-CN" sz="2800" dirty="0">
-                <a:latin typeface="Times New Roman" panose="02020603050405020304" pitchFamily="18" charset="0"/>
-                <a:ea typeface="MS PGothic" charset="-128"/>
-                <a:cs typeface="Times New Roman" panose="02020603050405020304" pitchFamily="18" charset="0"/>
-              </a:rPr>
-              <a:t> </a:t>
-            </a:r>
-            <a:r>
-              <a:rPr lang="en-US" altLang="zh-CN" sz="2800" dirty="0" smtClean="0">
-                <a:latin typeface="Times New Roman" panose="02020603050405020304" pitchFamily="18" charset="0"/>
-                <a:ea typeface="MS PGothic" charset="-128"/>
-                <a:cs typeface="Times New Roman" panose="02020603050405020304" pitchFamily="18" charset="0"/>
-              </a:rPr>
-              <a:t>length.</a:t>
+              <a:t>Edges must be traversed in increasing order of edge times.</a:t>
             </a:r>
           </a:p>
           <a:p>
@@ -14088,15 +15447,33 @@
                 <a:ea typeface="MS PGothic" charset="-128"/>
                 <a:cs typeface="Times New Roman" panose="02020603050405020304" pitchFamily="18" charset="0"/>
               </a:rPr>
-              <a:t>Use Word2Vec </a:t>
+              <a:t>Initial temporal edge selection and next neighbor selection:  Unbiased, Exponential, Linear</a:t>
+            </a:r>
+          </a:p>
+          <a:p>
+            <a:pPr marL="514350" indent="-514350" algn="l">
+              <a:buClr>
+                <a:srgbClr val="7D2D2D"/>
+              </a:buClr>
+              <a:buSzPct val="78000"/>
+              <a:buAutoNum type="arabicPeriod"/>
+              <a:defRPr/>
+            </a:pPr>
+            <a:r>
+              <a:rPr lang="en-US" altLang="zh-CN" sz="2800" dirty="0">
+                <a:latin typeface="Times New Roman" panose="02020603050405020304" pitchFamily="18" charset="0"/>
+                <a:ea typeface="MS PGothic" charset="-128"/>
+                <a:cs typeface="Times New Roman" panose="02020603050405020304" pitchFamily="18" charset="0"/>
+              </a:rPr>
+              <a:t>Different with </a:t>
             </a:r>
             <a:r>
-              <a:rPr lang="en-US" altLang="zh-CN" sz="2800" dirty="0" smtClean="0">
+              <a:rPr lang="en-US" altLang="zh-CN" sz="2800" dirty="0" err="1">
                 <a:latin typeface="Times New Roman" panose="02020603050405020304" pitchFamily="18" charset="0"/>
                 <a:ea typeface="MS PGothic" charset="-128"/>
                 <a:cs typeface="Times New Roman" panose="02020603050405020304" pitchFamily="18" charset="0"/>
               </a:rPr>
-              <a:t>to </a:t>
+              <a:t>Deepwalk</a:t>
             </a:r>
             <a:r>
               <a:rPr lang="en-US" altLang="zh-CN" sz="2800" dirty="0">
@@ -14104,43 +15481,17 @@
                 <a:ea typeface="MS PGothic" charset="-128"/>
                 <a:cs typeface="Times New Roman" panose="02020603050405020304" pitchFamily="18" charset="0"/>
               </a:rPr>
-              <a:t>train the sentences </a:t>
+              <a:t>, CTDNE use max context windows number to stop </a:t>
             </a:r>
             <a:r>
-              <a:rPr lang="en-US" altLang="zh-CN" sz="2800" dirty="0" smtClean="0">
+              <a:rPr lang="en-US" altLang="zh-CN" sz="2800" dirty="0" err="1">
                 <a:latin typeface="Times New Roman" panose="02020603050405020304" pitchFamily="18" charset="0"/>
                 <a:ea typeface="MS PGothic" charset="-128"/>
                 <a:cs typeface="Times New Roman" panose="02020603050405020304" pitchFamily="18" charset="0"/>
               </a:rPr>
-              <a:t>and get vector </a:t>
+              <a:t>randomwalk</a:t>
             </a:r>
-            <a:r>
-              <a:rPr lang="en-US" altLang="zh-CN" sz="2800" dirty="0">
-                <a:latin typeface="Times New Roman" panose="02020603050405020304" pitchFamily="18" charset="0"/>
-                <a:ea typeface="MS PGothic" charset="-128"/>
-                <a:cs typeface="Times New Roman" panose="02020603050405020304" pitchFamily="18" charset="0"/>
-              </a:rPr>
-              <a:t>for each </a:t>
-            </a:r>
-            <a:r>
-              <a:rPr lang="en-US" altLang="zh-CN" sz="2800" dirty="0" smtClean="0">
-                <a:latin typeface="Times New Roman" panose="02020603050405020304" pitchFamily="18" charset="0"/>
-                <a:ea typeface="MS PGothic" charset="-128"/>
-                <a:cs typeface="Times New Roman" panose="02020603050405020304" pitchFamily="18" charset="0"/>
-              </a:rPr>
-              <a:t>node.</a:t>
-            </a:r>
-          </a:p>
-          <a:p>
-            <a:pPr marL="514350" indent="-514350" algn="l">
-              <a:buClr>
-                <a:srgbClr val="7D2D2D"/>
-              </a:buClr>
-              <a:buSzPct val="78000"/>
-              <a:buAutoNum type="arabicPeriod"/>
-              <a:defRPr/>
-            </a:pPr>
-            <a:endParaRPr lang="en-US" altLang="zh-CN" sz="2800" b="1" dirty="0" smtClean="0">
+            <a:endParaRPr lang="en-US" altLang="zh-CN" sz="2800" dirty="0">
               <a:latin typeface="Times New Roman" panose="02020603050405020304" pitchFamily="18" charset="0"/>
               <a:ea typeface="MS PGothic" charset="-128"/>
               <a:cs typeface="Times New Roman" panose="02020603050405020304" pitchFamily="18" charset="0"/>
@@ -14234,37 +15585,33 @@
               </a:rPr>
               <a:t> Web Conference 2018 (pp. 969-976).</a:t>
             </a:r>
-            <a:endParaRPr lang="en-US" altLang="zh-CN" sz="1100" dirty="0">
-              <a:latin typeface="Arial" panose="020B0604020202020204" pitchFamily="34" charset="0"/>
-              <a:cs typeface="Arial" panose="020B0604020202020204" pitchFamily="34" charset="0"/>
-            </a:endParaRPr>
           </a:p>
         </p:txBody>
       </p:sp>
       <p:pic>
         <p:nvPicPr>
-          <p:cNvPr id="2" name="图片 1"/>
+          <p:cNvPr id="3" name="图片 2">
+            <a:extLst>
+              <a:ext uri="{FF2B5EF4-FFF2-40B4-BE49-F238E27FC236}">
+                <a16:creationId xmlns:a16="http://schemas.microsoft.com/office/drawing/2014/main" id="{9C3DD5BA-21F7-42B2-A1F3-AD3F5B01F446}"/>
+              </a:ext>
+            </a:extLst>
+          </p:cNvPr>
           <p:cNvPicPr>
             <a:picLocks noChangeAspect="1"/>
           </p:cNvPicPr>
           <p:nvPr/>
         </p:nvPicPr>
         <p:blipFill>
-          <a:blip r:embed="rId4">
-            <a:extLst>
-              <a:ext uri="{28A0092B-C50C-407E-A947-70E740481C1C}">
-                <a14:useLocalDpi xmlns:a14="http://schemas.microsoft.com/office/drawing/2010/main" val="0"/>
-              </a:ext>
-            </a:extLst>
-          </a:blip>
+          <a:blip r:embed="rId4"/>
           <a:stretch>
             <a:fillRect/>
           </a:stretch>
         </p:blipFill>
         <p:spPr>
           <a:xfrm>
-            <a:off x="8337755" y="2267534"/>
-            <a:ext cx="2827265" cy="1988992"/>
+            <a:off x="8337755" y="2361918"/>
+            <a:ext cx="3162300" cy="1943100"/>
           </a:xfrm>
           <a:prstGeom prst="rect">
             <a:avLst/>
@@ -14284,13 +15631,6 @@
   <p:transition>
     <p:fade/>
   </p:transition>
-  <p:timing>
-    <p:tnLst>
-      <p:par>
-        <p:cTn id="1" dur="indefinite" restart="never" nodeType="tmRoot"/>
-      </p:par>
-    </p:tnLst>
-  </p:timing>
 </p:sld>
 </file>
 
@@ -14956,16 +16296,12 @@
               <a:buChar char="u"/>
             </a:pPr>
             <a:r>
-              <a:rPr lang="en-US" altLang="zh-CN" dirty="0" smtClean="0">
+              <a:rPr lang="en-US" altLang="zh-CN" dirty="0">
                 <a:latin typeface="Times New Roman" panose="02020603050405020304" pitchFamily="18" charset="0"/>
                 <a:cs typeface="Times New Roman" panose="02020603050405020304" pitchFamily="18" charset="0"/>
               </a:rPr>
-              <a:t>Ideas</a:t>
+              <a:t>Algorithm</a:t>
             </a:r>
-            <a:endParaRPr lang="en-US" altLang="zh-CN" dirty="0">
-              <a:latin typeface="Times New Roman" panose="02020603050405020304" pitchFamily="18" charset="0"/>
-              <a:cs typeface="Times New Roman" panose="02020603050405020304" pitchFamily="18" charset="0"/>
-            </a:endParaRPr>
           </a:p>
         </p:txBody>
       </p:sp>
@@ -14982,7 +16318,7 @@
         <p:spPr>
           <a:xfrm>
             <a:off x="1524000" y="1349486"/>
-            <a:ext cx="9144000" cy="4924313"/>
+            <a:ext cx="6813755" cy="4369711"/>
           </a:xfrm>
         </p:spPr>
         <p:txBody>
@@ -14991,23 +16327,6 @@
           </a:bodyPr>
           <a:lstStyle/>
           <a:p>
-            <a:pPr algn="l">
-              <a:buClr>
-                <a:srgbClr val="7D2D2D"/>
-              </a:buClr>
-              <a:buSzPct val="78000"/>
-              <a:defRPr/>
-            </a:pPr>
-            <a:r>
-              <a:rPr lang="en-US" altLang="zh-CN" sz="2800" b="1" dirty="0" smtClean="0">
-                <a:latin typeface="Times New Roman" panose="02020603050405020304" pitchFamily="18" charset="0"/>
-                <a:ea typeface="MS PGothic" charset="-128"/>
-                <a:cs typeface="Times New Roman" panose="02020603050405020304" pitchFamily="18" charset="0"/>
-              </a:rPr>
-              <a:t>Dataset:</a:t>
-            </a:r>
-          </a:p>
-          <a:p>
             <a:pPr marL="341313" indent="-341313" algn="l">
               <a:buClr>
                 <a:srgbClr val="7D2D2D"/>
@@ -15018,113 +16337,7 @@
               <a:defRPr/>
             </a:pPr>
             <a:r>
-              <a:rPr lang="en-US" altLang="zh-CN" sz="2800" dirty="0" smtClean="0">
-                <a:latin typeface="Times New Roman" panose="02020603050405020304" pitchFamily="18" charset="0"/>
-                <a:ea typeface="MS PGothic" charset="-128"/>
-                <a:cs typeface="Times New Roman" panose="02020603050405020304" pitchFamily="18" charset="0"/>
-              </a:rPr>
-              <a:t>Range the node ID from 0 to N.</a:t>
-            </a:r>
-          </a:p>
-          <a:p>
-            <a:pPr marL="341313" indent="-341313" algn="l">
-              <a:buClr>
-                <a:srgbClr val="7D2D2D"/>
-              </a:buClr>
-              <a:buSzPct val="78000"/>
-              <a:buFont typeface="Wingdings" panose="05000000000000000000" pitchFamily="2" charset="2"/>
-              <a:buChar char="u"/>
-              <a:defRPr/>
-            </a:pPr>
-            <a:r>
-              <a:rPr lang="en-US" altLang="zh-CN" sz="2800" dirty="0" smtClean="0">
-                <a:latin typeface="Times New Roman" panose="02020603050405020304" pitchFamily="18" charset="0"/>
-                <a:ea typeface="MS PGothic" charset="-128"/>
-                <a:cs typeface="Times New Roman" panose="02020603050405020304" pitchFamily="18" charset="0"/>
-              </a:rPr>
-              <a:t>Delete self-loop in the dataset.</a:t>
-            </a:r>
-          </a:p>
-          <a:p>
-            <a:pPr marL="341313" indent="-341313" algn="l">
-              <a:buClr>
-                <a:srgbClr val="7D2D2D"/>
-              </a:buClr>
-              <a:buSzPct val="78000"/>
-              <a:buFont typeface="Wingdings" panose="05000000000000000000" pitchFamily="2" charset="2"/>
-              <a:buChar char="u"/>
-              <a:defRPr/>
-            </a:pPr>
-            <a:endParaRPr lang="en-US" altLang="zh-CN" sz="2800" dirty="0" smtClean="0">
-              <a:latin typeface="Times New Roman" panose="02020603050405020304" pitchFamily="18" charset="0"/>
-              <a:ea typeface="MS PGothic" charset="-128"/>
-              <a:cs typeface="Times New Roman" panose="02020603050405020304" pitchFamily="18" charset="0"/>
-            </a:endParaRPr>
-          </a:p>
-          <a:p>
-            <a:pPr algn="l">
-              <a:buClr>
-                <a:srgbClr val="7D2D2D"/>
-              </a:buClr>
-              <a:buSzPct val="78000"/>
-              <a:defRPr/>
-            </a:pPr>
-            <a:r>
-              <a:rPr lang="en-US" altLang="zh-CN" sz="2800" b="1" dirty="0" smtClean="0">
-                <a:latin typeface="Times New Roman" panose="02020603050405020304" pitchFamily="18" charset="0"/>
-                <a:ea typeface="MS PGothic" charset="-128"/>
-                <a:cs typeface="Times New Roman" panose="02020603050405020304" pitchFamily="18" charset="0"/>
-              </a:rPr>
-              <a:t>Model:</a:t>
-            </a:r>
-          </a:p>
-          <a:p>
-            <a:pPr marL="341313" indent="-341313" algn="l">
-              <a:buClr>
-                <a:srgbClr val="7D2D2D"/>
-              </a:buClr>
-              <a:buSzPct val="78000"/>
-              <a:buFont typeface="Wingdings" panose="05000000000000000000" pitchFamily="2" charset="2"/>
-              <a:buChar char="u"/>
-              <a:defRPr/>
-            </a:pPr>
-            <a:r>
-              <a:rPr lang="en-US" altLang="zh-CN" sz="2800" dirty="0" smtClean="0">
-                <a:latin typeface="Times New Roman" panose="02020603050405020304" pitchFamily="18" charset="0"/>
-                <a:ea typeface="MS PGothic" charset="-128"/>
-                <a:cs typeface="Times New Roman" panose="02020603050405020304" pitchFamily="18" charset="0"/>
-              </a:rPr>
-              <a:t>Learn more about GCN, SDNE graph embedding method.</a:t>
-            </a:r>
-          </a:p>
-          <a:p>
-            <a:pPr marL="341313" indent="-341313" algn="l">
-              <a:buClr>
-                <a:srgbClr val="7D2D2D"/>
-              </a:buClr>
-              <a:buSzPct val="78000"/>
-              <a:buFont typeface="Wingdings" panose="05000000000000000000" pitchFamily="2" charset="2"/>
-              <a:buChar char="u"/>
-              <a:defRPr/>
-            </a:pPr>
-            <a:r>
-              <a:rPr lang="en-US" altLang="zh-CN" sz="2800" dirty="0" smtClean="0">
-                <a:latin typeface="Times New Roman" panose="02020603050405020304" pitchFamily="18" charset="0"/>
-                <a:ea typeface="MS PGothic" charset="-128"/>
-                <a:cs typeface="Times New Roman" panose="02020603050405020304" pitchFamily="18" charset="0"/>
-              </a:rPr>
-              <a:t>Learn some temporal link prediction </a:t>
-            </a:r>
-            <a:r>
-              <a:rPr lang="en-US" altLang="zh-CN" sz="2800" dirty="0">
-                <a:latin typeface="Times New Roman" panose="02020603050405020304" pitchFamily="18" charset="0"/>
-                <a:ea typeface="MS PGothic" charset="-128"/>
-                <a:cs typeface="Times New Roman" panose="02020603050405020304" pitchFamily="18" charset="0"/>
-              </a:rPr>
-              <a:t>model CTDNE, DynLink2Vec, </a:t>
-            </a:r>
-            <a:r>
-              <a:rPr lang="en-US" altLang="zh-CN" sz="2800" dirty="0" err="1">
+              <a:rPr lang="en-US" altLang="zh-CN" sz="2800" b="1" dirty="0" err="1">
                 <a:latin typeface="Times New Roman" panose="02020603050405020304" pitchFamily="18" charset="0"/>
                 <a:ea typeface="MS PGothic" charset="-128"/>
                 <a:cs typeface="Times New Roman" panose="02020603050405020304" pitchFamily="18" charset="0"/>
@@ -15132,41 +16345,193 @@
               <a:t>DynGEM</a:t>
             </a:r>
             <a:r>
+              <a:rPr lang="en-US" altLang="zh-CN" sz="2800" b="1" dirty="0">
+                <a:latin typeface="Times New Roman" panose="02020603050405020304" pitchFamily="18" charset="0"/>
+                <a:ea typeface="MS PGothic" charset="-128"/>
+                <a:cs typeface="Times New Roman" panose="02020603050405020304" pitchFamily="18" charset="0"/>
+              </a:rPr>
+              <a:t>:</a:t>
+            </a:r>
+          </a:p>
+          <a:p>
+            <a:pPr marL="514350" indent="-514350" algn="l">
+              <a:buClr>
+                <a:srgbClr val="7D2D2D"/>
+              </a:buClr>
+              <a:buSzPct val="78000"/>
+              <a:buAutoNum type="arabicPeriod"/>
+              <a:defRPr/>
+            </a:pPr>
+            <a:r>
               <a:rPr lang="en-US" altLang="zh-CN" sz="2800" dirty="0">
                 <a:latin typeface="Times New Roman" panose="02020603050405020304" pitchFamily="18" charset="0"/>
                 <a:ea typeface="MS PGothic" charset="-128"/>
                 <a:cs typeface="Times New Roman" panose="02020603050405020304" pitchFamily="18" charset="0"/>
               </a:rPr>
-              <a:t>.</a:t>
+              <a:t>This model is especially designed for node number increase temporal graph.</a:t>
             </a:r>
-            <a:endParaRPr lang="en-US" altLang="zh-CN" sz="2800" dirty="0" smtClean="0">
-              <a:latin typeface="Times New Roman" panose="02020603050405020304" pitchFamily="18" charset="0"/>
-              <a:ea typeface="MS PGothic" charset="-128"/>
-              <a:cs typeface="Times New Roman" panose="02020603050405020304" pitchFamily="18" charset="0"/>
-            </a:endParaRPr>
-          </a:p>
-          <a:p>
-            <a:pPr marL="341313" indent="-341313" algn="l">
+          </a:p>
+          <a:p>
+            <a:pPr marL="514350" indent="-514350" algn="l">
               <a:buClr>
                 <a:srgbClr val="7D2D2D"/>
               </a:buClr>
               <a:buSzPct val="78000"/>
-              <a:buFont typeface="Wingdings" panose="05000000000000000000" pitchFamily="2" charset="2"/>
-              <a:buChar char="u"/>
+              <a:buAutoNum type="arabicPeriod"/>
               <a:defRPr/>
             </a:pPr>
-            <a:endParaRPr lang="en-US" altLang="zh-CN" sz="2800" dirty="0">
-              <a:latin typeface="Times New Roman" panose="02020603050405020304" pitchFamily="18" charset="0"/>
-              <a:ea typeface="MS PGothic" charset="-128"/>
-              <a:cs typeface="Times New Roman" panose="02020603050405020304" pitchFamily="18" charset="0"/>
-            </a:endParaRPr>
+            <a:r>
+              <a:rPr lang="en-US" altLang="zh-CN" sz="2800" dirty="0">
+                <a:latin typeface="Times New Roman" panose="02020603050405020304" pitchFamily="18" charset="0"/>
+                <a:ea typeface="MS PGothic" charset="-128"/>
+                <a:cs typeface="Times New Roman" panose="02020603050405020304" pitchFamily="18" charset="0"/>
+              </a:rPr>
+              <a:t>The input and output are the same adjacency matrix, Overall framework is adjacency matrix -&gt; encoder -&gt; embedding vector -&gt; decoder -&gt; adjacency matrix</a:t>
+            </a:r>
+          </a:p>
+          <a:p>
+            <a:pPr marL="514350" indent="-514350" algn="l">
+              <a:buClr>
+                <a:srgbClr val="7D2D2D"/>
+              </a:buClr>
+              <a:buSzPct val="78000"/>
+              <a:buAutoNum type="arabicPeriod"/>
+              <a:defRPr/>
+            </a:pPr>
+            <a:r>
+              <a:rPr lang="en-US" altLang="zh-CN" sz="2800" dirty="0">
+                <a:latin typeface="Times New Roman" panose="02020603050405020304" pitchFamily="18" charset="0"/>
+                <a:ea typeface="MS PGothic" charset="-128"/>
+                <a:cs typeface="Times New Roman" panose="02020603050405020304" pitchFamily="18" charset="0"/>
+              </a:rPr>
+              <a:t>Next snapshot, append a larger layer at the beginning and end.</a:t>
+            </a:r>
           </a:p>
         </p:txBody>
       </p:sp>
+      <p:sp>
+        <p:nvSpPr>
+          <p:cNvPr id="8" name="矩形 7">
+            <a:extLst>
+              <a:ext uri="{FF2B5EF4-FFF2-40B4-BE49-F238E27FC236}">
+                <a16:creationId xmlns:a16="http://schemas.microsoft.com/office/drawing/2014/main" id="{1022D498-B985-44A0-8292-1D02206452E5}"/>
+              </a:ext>
+            </a:extLst>
+          </p:cNvPr>
+          <p:cNvSpPr/>
+          <p:nvPr/>
+        </p:nvSpPr>
+        <p:spPr>
+          <a:xfrm>
+            <a:off x="1066800" y="5719198"/>
+            <a:ext cx="10058400" cy="538609"/>
+          </a:xfrm>
+          <a:prstGeom prst="rect">
+            <a:avLst/>
+          </a:prstGeom>
+        </p:spPr>
+        <p:txBody>
+          <a:bodyPr wrap="square">
+            <a:spAutoFit/>
+          </a:bodyPr>
+          <a:lstStyle/>
+          <a:p>
+            <a:r>
+              <a:rPr lang="en-US" altLang="zh-CN" i="1" dirty="0">
+                <a:latin typeface="Arial" panose="020B0604020202020204" pitchFamily="34" charset="0"/>
+                <a:cs typeface="Arial" panose="020B0604020202020204" pitchFamily="34" charset="0"/>
+              </a:rPr>
+              <a:t>Reference:</a:t>
+            </a:r>
+          </a:p>
+          <a:p>
+            <a:pPr algn="just"/>
+            <a:r>
+              <a:rPr lang="en-US" altLang="zh-CN" sz="1100" dirty="0">
+                <a:latin typeface="Arial" panose="020B0604020202020204" pitchFamily="34" charset="0"/>
+                <a:cs typeface="Arial" panose="020B0604020202020204" pitchFamily="34" charset="0"/>
+              </a:rPr>
+              <a:t>Goyal, P., </a:t>
+            </a:r>
+            <a:r>
+              <a:rPr lang="en-US" altLang="zh-CN" sz="1100" dirty="0" err="1">
+                <a:latin typeface="Arial" panose="020B0604020202020204" pitchFamily="34" charset="0"/>
+                <a:cs typeface="Arial" panose="020B0604020202020204" pitchFamily="34" charset="0"/>
+              </a:rPr>
+              <a:t>Kamra</a:t>
+            </a:r>
+            <a:r>
+              <a:rPr lang="en-US" altLang="zh-CN" sz="1100" dirty="0">
+                <a:latin typeface="Arial" panose="020B0604020202020204" pitchFamily="34" charset="0"/>
+                <a:cs typeface="Arial" panose="020B0604020202020204" pitchFamily="34" charset="0"/>
+              </a:rPr>
+              <a:t>, N., He, X., &amp; Liu, Y. (2018). </a:t>
+            </a:r>
+            <a:r>
+              <a:rPr lang="en-US" altLang="zh-CN" sz="1100" dirty="0" err="1">
+                <a:latin typeface="Arial" panose="020B0604020202020204" pitchFamily="34" charset="0"/>
+                <a:cs typeface="Arial" panose="020B0604020202020204" pitchFamily="34" charset="0"/>
+              </a:rPr>
+              <a:t>Dyngem</a:t>
+            </a:r>
+            <a:r>
+              <a:rPr lang="en-US" altLang="zh-CN" sz="1100" dirty="0">
+                <a:latin typeface="Arial" panose="020B0604020202020204" pitchFamily="34" charset="0"/>
+                <a:cs typeface="Arial" panose="020B0604020202020204" pitchFamily="34" charset="0"/>
+              </a:rPr>
+              <a:t>: Deep embedding method for dynamic graphs. </a:t>
+            </a:r>
+            <a:r>
+              <a:rPr lang="en-US" altLang="zh-CN" sz="1100" dirty="0" err="1">
+                <a:latin typeface="Arial" panose="020B0604020202020204" pitchFamily="34" charset="0"/>
+                <a:cs typeface="Arial" panose="020B0604020202020204" pitchFamily="34" charset="0"/>
+              </a:rPr>
+              <a:t>arXiv</a:t>
+            </a:r>
+            <a:r>
+              <a:rPr lang="en-US" altLang="zh-CN" sz="1100" dirty="0">
+                <a:latin typeface="Arial" panose="020B0604020202020204" pitchFamily="34" charset="0"/>
+                <a:cs typeface="Arial" panose="020B0604020202020204" pitchFamily="34" charset="0"/>
+              </a:rPr>
+              <a:t> preprint arXiv:1805.11273.</a:t>
+            </a:r>
+          </a:p>
+        </p:txBody>
+      </p:sp>
+      <p:pic>
+        <p:nvPicPr>
+          <p:cNvPr id="3" name="图片 2">
+            <a:extLst>
+              <a:ext uri="{FF2B5EF4-FFF2-40B4-BE49-F238E27FC236}">
+                <a16:creationId xmlns:a16="http://schemas.microsoft.com/office/drawing/2014/main" id="{96449EDE-4D5B-402E-B4E5-9667FBB27D19}"/>
+              </a:ext>
+            </a:extLst>
+          </p:cNvPr>
+          <p:cNvPicPr>
+            <a:picLocks noChangeAspect="1"/>
+          </p:cNvPicPr>
+          <p:nvPr/>
+        </p:nvPicPr>
+        <p:blipFill>
+          <a:blip r:embed="rId4"/>
+          <a:stretch>
+            <a:fillRect/>
+          </a:stretch>
+        </p:blipFill>
+        <p:spPr>
+          <a:xfrm>
+            <a:off x="8337755" y="2266950"/>
+            <a:ext cx="3362325" cy="2533650"/>
+          </a:xfrm>
+          <a:prstGeom prst="rect">
+            <a:avLst/>
+          </a:prstGeom>
+        </p:spPr>
+      </p:pic>
     </p:spTree>
     <p:extLst>
       <p:ext uri="{BB962C8B-B14F-4D97-AF65-F5344CB8AC3E}">
-        <p14:creationId xmlns:p14="http://schemas.microsoft.com/office/powerpoint/2010/main" val="676734026"/>
+        <p14:creationId xmlns:p14="http://schemas.microsoft.com/office/powerpoint/2010/main" val="5398365"/>
       </p:ext>
     </p:extLst>
   </p:cSld>
@@ -15176,13 +16541,6 @@
   <p:transition>
     <p:fade/>
   </p:transition>
-  <p:timing>
-    <p:tnLst>
-      <p:par>
-        <p:cTn id="1" dur="indefinite" restart="never" nodeType="tmRoot"/>
-      </p:par>
-    </p:tnLst>
-  </p:timing>
 </p:sld>
 </file>
 
@@ -15852,21 +17210,7 @@
                 <a:latin typeface="Times New Roman" panose="02020603050405020304" pitchFamily="18" charset="0"/>
                 <a:cs typeface="Times New Roman" panose="02020603050405020304" pitchFamily="18" charset="0"/>
               </a:rPr>
-              <a:t>F</a:t>
-            </a:r>
-            <a:r>
-              <a:rPr lang="en-US" altLang="zh-CN" dirty="0" smtClean="0">
-                <a:latin typeface="Times New Roman" panose="02020603050405020304" pitchFamily="18" charset="0"/>
-                <a:cs typeface="Times New Roman" panose="02020603050405020304" pitchFamily="18" charset="0"/>
-              </a:rPr>
-              <a:t>uture </a:t>
-            </a:r>
-            <a:r>
-              <a:rPr lang="en-US" altLang="zh-CN" dirty="0">
-                <a:latin typeface="Times New Roman" panose="02020603050405020304" pitchFamily="18" charset="0"/>
-                <a:cs typeface="Times New Roman" panose="02020603050405020304" pitchFamily="18" charset="0"/>
-              </a:rPr>
-              <a:t>work</a:t>
+              <a:t>Ideas</a:t>
             </a:r>
           </a:p>
         </p:txBody>
@@ -15893,24 +17237,7 @@
           </a:bodyPr>
           <a:lstStyle/>
           <a:p>
-            <a:pPr algn="l">
-              <a:buClr>
-                <a:srgbClr val="7D2D2D"/>
-              </a:buClr>
-              <a:buSzPct val="78000"/>
-              <a:defRPr/>
-            </a:pPr>
-            <a:r>
-              <a:rPr lang="en-US" altLang="zh-CN" sz="2800" b="1" dirty="0" smtClean="0">
-                <a:latin typeface="Times New Roman" panose="02020603050405020304" pitchFamily="18" charset="0"/>
-                <a:ea typeface="MS PGothic" charset="-128"/>
-                <a:cs typeface="Times New Roman" panose="02020603050405020304" pitchFamily="18" charset="0"/>
-              </a:rPr>
-              <a:t>Dataset:</a:t>
-            </a:r>
-          </a:p>
-          <a:p>
-            <a:pPr marL="341313" indent="-341313" algn="l">
+            <a:pPr marL="457200" indent="-457200" algn="l">
               <a:buClr>
                 <a:srgbClr val="7D2D2D"/>
               </a:buClr>
@@ -15920,16 +17247,16 @@
               <a:defRPr/>
             </a:pPr>
             <a:r>
-              <a:rPr lang="en-US" altLang="zh-CN" sz="2800" dirty="0" smtClean="0">
+              <a:rPr lang="en-US" altLang="zh-CN" sz="2800" dirty="0">
                 <a:latin typeface="Times New Roman" panose="02020603050405020304" pitchFamily="18" charset="0"/>
                 <a:ea typeface="MS PGothic" charset="-128"/>
                 <a:cs typeface="Times New Roman" panose="02020603050405020304" pitchFamily="18" charset="0"/>
               </a:rPr>
-              <a:t>Range the node ID from 0 to N.</a:t>
+              <a:t>Random walk: next node’s selection must obey time and selection bias is related with common categories.</a:t>
             </a:r>
           </a:p>
           <a:p>
-            <a:pPr marL="341313" indent="-341313" algn="l">
+            <a:pPr marL="457200" indent="-457200" algn="l">
               <a:buClr>
                 <a:srgbClr val="7D2D2D"/>
               </a:buClr>
@@ -15939,49 +17266,16 @@
               <a:defRPr/>
             </a:pPr>
             <a:r>
-              <a:rPr lang="en-US" altLang="zh-CN" sz="2800" dirty="0" smtClean="0">
+              <a:rPr lang="en-US" altLang="zh-CN" sz="2800" dirty="0">
                 <a:latin typeface="Times New Roman" panose="02020603050405020304" pitchFamily="18" charset="0"/>
                 <a:ea typeface="MS PGothic" charset="-128"/>
                 <a:cs typeface="Times New Roman" panose="02020603050405020304" pitchFamily="18" charset="0"/>
               </a:rPr>
-              <a:t>Delete self-loop in the dataset.</a:t>
+              <a:t>obey time: Each link has a timestamp, and next link must equal or larger than previous link.</a:t>
             </a:r>
           </a:p>
           <a:p>
-            <a:pPr marL="341313" indent="-341313" algn="l">
-              <a:buClr>
-                <a:srgbClr val="7D2D2D"/>
-              </a:buClr>
-              <a:buSzPct val="78000"/>
-              <a:buFont typeface="Wingdings" panose="05000000000000000000" pitchFamily="2" charset="2"/>
-              <a:buChar char="u"/>
-              <a:defRPr/>
-            </a:pPr>
-            <a:endParaRPr lang="en-US" altLang="zh-CN" sz="2800" dirty="0" smtClean="0">
-              <a:latin typeface="Times New Roman" panose="02020603050405020304" pitchFamily="18" charset="0"/>
-              <a:ea typeface="MS PGothic" charset="-128"/>
-              <a:cs typeface="Times New Roman" panose="02020603050405020304" pitchFamily="18" charset="0"/>
-            </a:endParaRPr>
-          </a:p>
-          <a:p>
-            <a:pPr algn="l">
-              <a:buClr>
-                <a:srgbClr val="7D2D2D"/>
-              </a:buClr>
-              <a:buSzPct val="78000"/>
-              <a:defRPr/>
-            </a:pPr>
-            <a:r>
-              <a:rPr lang="en-US" altLang="zh-CN" sz="2800" b="1" dirty="0" smtClean="0">
-                <a:latin typeface="Times New Roman" panose="02020603050405020304" pitchFamily="18" charset="0"/>
-                <a:ea typeface="MS PGothic" charset="-128"/>
-                <a:cs typeface="Times New Roman" panose="02020603050405020304" pitchFamily="18" charset="0"/>
-              </a:rPr>
-              <a:t>Model:</a:t>
-            </a:r>
-          </a:p>
-          <a:p>
-            <a:pPr marL="341313" indent="-341313" algn="l">
+            <a:pPr marL="457200" indent="-457200" algn="l">
               <a:buClr>
                 <a:srgbClr val="7D2D2D"/>
               </a:buClr>
@@ -15991,16 +17285,16 @@
               <a:defRPr/>
             </a:pPr>
             <a:r>
-              <a:rPr lang="en-US" altLang="zh-CN" sz="2800" dirty="0" smtClean="0">
+              <a:rPr lang="en-US" altLang="zh-CN" sz="2800" dirty="0">
                 <a:latin typeface="Times New Roman" panose="02020603050405020304" pitchFamily="18" charset="0"/>
                 <a:ea typeface="MS PGothic" charset="-128"/>
                 <a:cs typeface="Times New Roman" panose="02020603050405020304" pitchFamily="18" charset="0"/>
               </a:rPr>
-              <a:t>Learn more about GCN, SDNE graph embedding method.</a:t>
+              <a:t>bias with common categories: if one of current node’s neighbor has more common categories with the current node, it will have more probably to walk to this neighbor node.</a:t>
             </a:r>
           </a:p>
           <a:p>
-            <a:pPr marL="341313" indent="-341313" algn="l">
+            <a:pPr marL="457200" indent="-457200" algn="l">
               <a:buClr>
                 <a:srgbClr val="7D2D2D"/>
               </a:buClr>
@@ -16010,42 +17304,13 @@
               <a:defRPr/>
             </a:pPr>
             <a:r>
-              <a:rPr lang="en-US" altLang="zh-CN" sz="2800" dirty="0" smtClean="0">
+              <a:rPr lang="en-US" altLang="zh-CN" sz="2800" dirty="0">
                 <a:latin typeface="Times New Roman" panose="02020603050405020304" pitchFamily="18" charset="0"/>
                 <a:ea typeface="MS PGothic" charset="-128"/>
                 <a:cs typeface="Times New Roman" panose="02020603050405020304" pitchFamily="18" charset="0"/>
               </a:rPr>
-              <a:t>Learn some temporal link prediction </a:t>
+              <a:t>Use title sequence to replace traditional node sequence. Get each word representation, and combine each word vector to get the title vector (node vector).</a:t>
             </a:r>
-            <a:r>
-              <a:rPr lang="en-US" altLang="zh-CN" sz="2800" dirty="0">
-                <a:latin typeface="Times New Roman" panose="02020603050405020304" pitchFamily="18" charset="0"/>
-                <a:ea typeface="MS PGothic" charset="-128"/>
-                <a:cs typeface="Times New Roman" panose="02020603050405020304" pitchFamily="18" charset="0"/>
-              </a:rPr>
-              <a:t>model CTDNE, DynLink2Vec, </a:t>
-            </a:r>
-            <a:r>
-              <a:rPr lang="en-US" altLang="zh-CN" sz="2800" dirty="0" err="1">
-                <a:latin typeface="Times New Roman" panose="02020603050405020304" pitchFamily="18" charset="0"/>
-                <a:ea typeface="MS PGothic" charset="-128"/>
-                <a:cs typeface="Times New Roman" panose="02020603050405020304" pitchFamily="18" charset="0"/>
-              </a:rPr>
-              <a:t>DynGEM</a:t>
-            </a:r>
-            <a:r>
-              <a:rPr lang="en-US" altLang="zh-CN" sz="2800" dirty="0">
-                <a:latin typeface="Times New Roman" panose="02020603050405020304" pitchFamily="18" charset="0"/>
-                <a:ea typeface="MS PGothic" charset="-128"/>
-                <a:cs typeface="Times New Roman" panose="02020603050405020304" pitchFamily="18" charset="0"/>
-              </a:rPr>
-              <a:t>.</a:t>
-            </a:r>
-            <a:endParaRPr lang="en-US" altLang="zh-CN" sz="2800" dirty="0" smtClean="0">
-              <a:latin typeface="Times New Roman" panose="02020603050405020304" pitchFamily="18" charset="0"/>
-              <a:ea typeface="MS PGothic" charset="-128"/>
-              <a:cs typeface="Times New Roman" panose="02020603050405020304" pitchFamily="18" charset="0"/>
-            </a:endParaRPr>
           </a:p>
           <a:p>
             <a:pPr marL="341313" indent="-341313" algn="l">
@@ -16068,7 +17333,7 @@
     </p:spTree>
     <p:extLst>
       <p:ext uri="{BB962C8B-B14F-4D97-AF65-F5344CB8AC3E}">
-        <p14:creationId xmlns:p14="http://schemas.microsoft.com/office/powerpoint/2010/main" val="3929449953"/>
+        <p14:creationId xmlns:p14="http://schemas.microsoft.com/office/powerpoint/2010/main" val="676734026"/>
       </p:ext>
     </p:extLst>
   </p:cSld>
@@ -16078,13 +17343,6 @@
   <p:transition>
     <p:fade/>
   </p:transition>
-  <p:timing>
-    <p:tnLst>
-      <p:par>
-        <p:cTn id="1" dur="indefinite" restart="never" nodeType="tmRoot"/>
-      </p:par>
-    </p:tnLst>
-  </p:timing>
 </p:sld>
 </file>
 
@@ -16735,6 +17993,49 @@
 </a:themeOverride>
 </file>
 
+<file path=ppt/theme/themeOverride10.xml><?xml version="1.0" encoding="utf-8"?>
+<a:themeOverride xmlns:a="http://schemas.openxmlformats.org/drawingml/2006/main">
+  <a:clrScheme name="">
+    <a:dk1>
+      <a:srgbClr val="000000"/>
+    </a:dk1>
+    <a:lt1>
+      <a:srgbClr val="FFFFFF"/>
+    </a:lt1>
+    <a:dk2>
+      <a:srgbClr val="1F497D"/>
+    </a:dk2>
+    <a:lt2>
+      <a:srgbClr val="EEECE1"/>
+    </a:lt2>
+    <a:accent1>
+      <a:srgbClr val="4F81BD"/>
+    </a:accent1>
+    <a:accent2>
+      <a:srgbClr val="C0504D"/>
+    </a:accent2>
+    <a:accent3>
+      <a:srgbClr val="FFFFFF"/>
+    </a:accent3>
+    <a:accent4>
+      <a:srgbClr val="000000"/>
+    </a:accent4>
+    <a:accent5>
+      <a:srgbClr val="B2C1DB"/>
+    </a:accent5>
+    <a:accent6>
+      <a:srgbClr val="AE4845"/>
+    </a:accent6>
+    <a:hlink>
+      <a:srgbClr val="0000FF"/>
+    </a:hlink>
+    <a:folHlink>
+      <a:srgbClr val="800080"/>
+    </a:folHlink>
+  </a:clrScheme>
+</a:themeOverride>
+</file>
+
 <file path=ppt/theme/themeOverride2.xml><?xml version="1.0" encoding="utf-8"?>
 <a:themeOverride xmlns:a="http://schemas.openxmlformats.org/drawingml/2006/main">
   <a:clrScheme name="">
@@ -17034,4 +18335,47 @@
     </a:folHlink>
   </a:clrScheme>
 </a:themeOverride>
+</file>
+
+<file path=ppt/theme/themeOverride9.xml><?xml version="1.0" encoding="utf-8"?>
+<a:themeOverride xmlns:a="http://schemas.openxmlformats.org/drawingml/2006/main">
+  <a:clrScheme name="">
+    <a:dk1>
+      <a:srgbClr val="000000"/>
+    </a:dk1>
+    <a:lt1>
+      <a:srgbClr val="FFFFFF"/>
+    </a:lt1>
+    <a:dk2>
+      <a:srgbClr val="1F497D"/>
+    </a:dk2>
+    <a:lt2>
+      <a:srgbClr val="EEECE1"/>
+    </a:lt2>
+    <a:accent1>
+      <a:srgbClr val="4F81BD"/>
+    </a:accent1>
+    <a:accent2>
+      <a:srgbClr val="C0504D"/>
+    </a:accent2>
+    <a:accent3>
+      <a:srgbClr val="FFFFFF"/>
+    </a:accent3>
+    <a:accent4>
+      <a:srgbClr val="000000"/>
+    </a:accent4>
+    <a:accent5>
+      <a:srgbClr val="B2C1DB"/>
+    </a:accent5>
+    <a:accent6>
+      <a:srgbClr val="AE4845"/>
+    </a:accent6>
+    <a:hlink>
+      <a:srgbClr val="0000FF"/>
+    </a:hlink>
+    <a:folHlink>
+      <a:srgbClr val="800080"/>
+    </a:folHlink>
+  </a:clrScheme>
+</a:themeOverride>
 </file>